--- a/1031-1110/여행(매탈팀).pptx
+++ b/1031-1110/여행(매탈팀).pptx
@@ -1,17 +1,16 @@
 
 <file path=ppt/presentation.xml><?xml version="1.0" encoding="utf-8"?>
-<p:presentation xmlns:r="http://schemas.openxmlformats.org/officeDocument/2006/relationships" xmlns:c="http://schemas.openxmlformats.org/drawingml/2006/chart" xmlns:a="http://schemas.openxmlformats.org/drawingml/2006/main" xmlns:dgm="http://schemas.openxmlformats.org/drawingml/2006/diagram" xmlns:dsp="http://schemas.microsoft.com/office/drawing/2008/diagram" xmlns:p="http://schemas.openxmlformats.org/presentationml/2006/main">
+<p:presentation xmlns:a="http://schemas.openxmlformats.org/drawingml/2006/main" xmlns:r="http://schemas.openxmlformats.org/officeDocument/2006/relationships" xmlns:p="http://schemas.openxmlformats.org/presentationml/2006/main">
   <p:sldMasterIdLst>
     <p:sldMasterId id="2147483648" r:id="rId1"/>
   </p:sldMasterIdLst>
   <p:sldIdLst>
     <p:sldId id="256" r:id="rId2"/>
     <p:sldId id="258" r:id="rId3"/>
-    <p:sldId id="262" r:id="rId4"/>
-    <p:sldId id="263" r:id="rId5"/>
-    <p:sldId id="266" r:id="rId6"/>
-    <p:sldId id="264" r:id="rId7"/>
-    <p:sldId id="265" r:id="rId8"/>
+    <p:sldId id="263" r:id="rId4"/>
+    <p:sldId id="266" r:id="rId5"/>
+    <p:sldId id="264" r:id="rId6"/>
+    <p:sldId id="265" r:id="rId7"/>
   </p:sldIdLst>
   <p:sldSz cx="12192000" cy="6858000"/>
   <p:notesSz cx="6858000" cy="9144000"/>
@@ -110,6 +109,11 @@
       </a:defRPr>
     </a:lvl9pPr>
   </p:defaultTextStyle>
+  <p:extLst>
+    <p:ext uri="{EFAFB233-063F-42B5-8137-9DF3F51BA10A}">
+      <p15:sldGuideLst xmlns:p15="http://schemas.microsoft.com/office/powerpoint/2012/main"/>
+    </p:ext>
+  </p:extLst>
 </p:presentation>
 </file>
 
@@ -244,7 +248,7 @@
           <a:p>
             <a:fld id="{29A5EA3E-6223-45D2-B7C7-C3584F15BDC4}" type="datetimeFigureOut">
               <a:rPr lang="ko-KR" altLang="en-US" smtClean="0"/>
-              <a:t>2022-10-31</a:t>
+              <a:t>2022-11-10</a:t>
             </a:fld>
             <a:endParaRPr lang="ko-KR" altLang="en-US"/>
           </a:p>
@@ -414,7 +418,7 @@
           <a:p>
             <a:fld id="{29A5EA3E-6223-45D2-B7C7-C3584F15BDC4}" type="datetimeFigureOut">
               <a:rPr lang="ko-KR" altLang="en-US" smtClean="0"/>
-              <a:t>2022-10-31</a:t>
+              <a:t>2022-11-10</a:t>
             </a:fld>
             <a:endParaRPr lang="ko-KR" altLang="en-US"/>
           </a:p>
@@ -594,7 +598,7 @@
           <a:p>
             <a:fld id="{29A5EA3E-6223-45D2-B7C7-C3584F15BDC4}" type="datetimeFigureOut">
               <a:rPr lang="ko-KR" altLang="en-US" smtClean="0"/>
-              <a:t>2022-10-31</a:t>
+              <a:t>2022-11-10</a:t>
             </a:fld>
             <a:endParaRPr lang="ko-KR" altLang="en-US"/>
           </a:p>
@@ -764,7 +768,7 @@
           <a:p>
             <a:fld id="{29A5EA3E-6223-45D2-B7C7-C3584F15BDC4}" type="datetimeFigureOut">
               <a:rPr lang="ko-KR" altLang="en-US" smtClean="0"/>
-              <a:t>2022-10-31</a:t>
+              <a:t>2022-11-10</a:t>
             </a:fld>
             <a:endParaRPr lang="ko-KR" altLang="en-US"/>
           </a:p>
@@ -1010,7 +1014,7 @@
           <a:p>
             <a:fld id="{29A5EA3E-6223-45D2-B7C7-C3584F15BDC4}" type="datetimeFigureOut">
               <a:rPr lang="ko-KR" altLang="en-US" smtClean="0"/>
-              <a:t>2022-10-31</a:t>
+              <a:t>2022-11-10</a:t>
             </a:fld>
             <a:endParaRPr lang="ko-KR" altLang="en-US"/>
           </a:p>
@@ -1242,7 +1246,7 @@
           <a:p>
             <a:fld id="{29A5EA3E-6223-45D2-B7C7-C3584F15BDC4}" type="datetimeFigureOut">
               <a:rPr lang="ko-KR" altLang="en-US" smtClean="0"/>
-              <a:t>2022-10-31</a:t>
+              <a:t>2022-11-10</a:t>
             </a:fld>
             <a:endParaRPr lang="ko-KR" altLang="en-US"/>
           </a:p>
@@ -1609,7 +1613,7 @@
           <a:p>
             <a:fld id="{29A5EA3E-6223-45D2-B7C7-C3584F15BDC4}" type="datetimeFigureOut">
               <a:rPr lang="ko-KR" altLang="en-US" smtClean="0"/>
-              <a:t>2022-10-31</a:t>
+              <a:t>2022-11-10</a:t>
             </a:fld>
             <a:endParaRPr lang="ko-KR" altLang="en-US"/>
           </a:p>
@@ -1727,7 +1731,7 @@
           <a:p>
             <a:fld id="{29A5EA3E-6223-45D2-B7C7-C3584F15BDC4}" type="datetimeFigureOut">
               <a:rPr lang="ko-KR" altLang="en-US" smtClean="0"/>
-              <a:t>2022-10-31</a:t>
+              <a:t>2022-11-10</a:t>
             </a:fld>
             <a:endParaRPr lang="ko-KR" altLang="en-US"/>
           </a:p>
@@ -1822,7 +1826,7 @@
           <a:p>
             <a:fld id="{29A5EA3E-6223-45D2-B7C7-C3584F15BDC4}" type="datetimeFigureOut">
               <a:rPr lang="ko-KR" altLang="en-US" smtClean="0"/>
-              <a:t>2022-10-31</a:t>
+              <a:t>2022-11-10</a:t>
             </a:fld>
             <a:endParaRPr lang="ko-KR" altLang="en-US"/>
           </a:p>
@@ -2099,7 +2103,7 @@
           <a:p>
             <a:fld id="{29A5EA3E-6223-45D2-B7C7-C3584F15BDC4}" type="datetimeFigureOut">
               <a:rPr lang="ko-KR" altLang="en-US" smtClean="0"/>
-              <a:t>2022-10-31</a:t>
+              <a:t>2022-11-10</a:t>
             </a:fld>
             <a:endParaRPr lang="ko-KR" altLang="en-US"/>
           </a:p>
@@ -2352,7 +2356,7 @@
           <a:p>
             <a:fld id="{29A5EA3E-6223-45D2-B7C7-C3584F15BDC4}" type="datetimeFigureOut">
               <a:rPr lang="ko-KR" altLang="en-US" smtClean="0"/>
-              <a:t>2022-10-31</a:t>
+              <a:t>2022-11-10</a:t>
             </a:fld>
             <a:endParaRPr lang="ko-KR" altLang="en-US"/>
           </a:p>
@@ -2565,7 +2569,7 @@
           <a:p>
             <a:fld id="{29A5EA3E-6223-45D2-B7C7-C3584F15BDC4}" type="datetimeFigureOut">
               <a:rPr lang="ko-KR" altLang="en-US" smtClean="0"/>
-              <a:t>2022-10-31</a:t>
+              <a:t>2022-11-10</a:t>
             </a:fld>
             <a:endParaRPr lang="ko-KR" altLang="en-US"/>
           </a:p>
@@ -3141,10 +3145,6 @@
           <a:lstStyle/>
           <a:p>
             <a:r>
-              <a:rPr lang="en-US" altLang="ko-KR" dirty="0" smtClean="0"/>
-              <a:t>**</a:t>
-            </a:r>
-            <a:r>
               <a:rPr lang="ko-KR" altLang="en-US" dirty="0" err="1" smtClean="0"/>
               <a:t>대전이야기</a:t>
             </a:r>
@@ -3203,10 +3203,6 @@
           <a:lstStyle/>
           <a:p>
             <a:r>
-              <a:rPr lang="en-US" altLang="ko-KR" dirty="0" smtClean="0"/>
-              <a:t>**</a:t>
-            </a:r>
-            <a:r>
               <a:rPr lang="ko-KR" altLang="en-US" dirty="0" smtClean="0"/>
               <a:t>축제</a:t>
             </a:r>
@@ -3335,43 +3331,43 @@
               <a:t> </a:t>
             </a:r>
             <a:r>
-              <a:rPr lang="en-US" altLang="ko-KR" dirty="0" smtClean="0"/>
-              <a:t>-</a:t>
+              <a:rPr lang="ko-KR" altLang="en-US" dirty="0"/>
+              <a:t>● </a:t>
             </a:r>
             <a:r>
               <a:rPr lang="ko-KR" altLang="en-US" dirty="0" err="1" smtClean="0"/>
               <a:t>맛집투어</a:t>
             </a:r>
             <a:r>
-              <a:rPr lang="en-US" altLang="ko-KR" dirty="0" smtClean="0"/>
-              <a:t>-</a:t>
+              <a:rPr lang="ko-KR" altLang="en-US" dirty="0" smtClean="0"/>
+              <a:t> </a:t>
+            </a:r>
+            <a:r>
+              <a:rPr lang="ko-KR" altLang="en-US" dirty="0"/>
+              <a:t>● </a:t>
+            </a:r>
+            <a:r>
+              <a:rPr lang="ko-KR" altLang="en-US" dirty="0" err="1"/>
+              <a:t>추천여행</a:t>
+            </a:r>
+            <a:endParaRPr lang="en-US" altLang="ko-KR" dirty="0" smtClean="0"/>
+          </a:p>
+          <a:p>
+            <a:r>
+              <a:rPr lang="ko-KR" altLang="en-US" dirty="0"/>
+              <a:t>● </a:t>
             </a:r>
             <a:r>
               <a:rPr lang="ko-KR" altLang="en-US" dirty="0" err="1" smtClean="0"/>
-              <a:t>추천여행</a:t>
-            </a:r>
-            <a:endParaRPr lang="en-US" altLang="ko-KR" dirty="0" smtClean="0"/>
-          </a:p>
-          <a:p>
-            <a:r>
-              <a:rPr lang="en-US" altLang="ko-KR" dirty="0" smtClean="0"/>
-              <a:t>-</a:t>
-            </a:r>
-            <a:r>
-              <a:rPr lang="ko-KR" altLang="en-US" dirty="0" err="1" smtClean="0"/>
-              <a:t>타슈투어</a:t>
-            </a:r>
-            <a:r>
-              <a:rPr lang="en-US" altLang="ko-KR" dirty="0"/>
+              <a:t>이달의여행</a:t>
+            </a:r>
+            <a:r>
+              <a:rPr lang="ko-KR" altLang="en-US" dirty="0"/>
               <a:t> </a:t>
             </a:r>
             <a:r>
-              <a:rPr lang="en-US" altLang="ko-KR" dirty="0" smtClean="0"/>
-              <a:t>       -</a:t>
-            </a:r>
-            <a:r>
               <a:rPr lang="ko-KR" altLang="en-US" dirty="0" smtClean="0"/>
-              <a:t>버스투어</a:t>
+              <a:t>●테마여행</a:t>
             </a:r>
             <a:endParaRPr lang="en-US" altLang="ko-KR" dirty="0" smtClean="0"/>
           </a:p>
@@ -3516,21 +3512,196 @@
       </p:sp>
       <p:sp>
         <p:nvSpPr>
-          <p:cNvPr id="20" name="직사각형 19"/>
+          <p:cNvPr id="23" name="TextBox 22"/>
+          <p:cNvSpPr txBox="1"/>
+          <p:nvPr/>
+        </p:nvSpPr>
+        <p:spPr>
+          <a:xfrm>
+            <a:off x="997526" y="3688088"/>
+            <a:ext cx="3066473" cy="646331"/>
+          </a:xfrm>
+          <a:prstGeom prst="rect">
+            <a:avLst/>
+          </a:prstGeom>
+        </p:spPr>
+        <p:style>
+          <a:lnRef idx="2">
+            <a:schemeClr val="accent6">
+              <a:shade val="50000"/>
+            </a:schemeClr>
+          </a:lnRef>
+          <a:fillRef idx="1">
+            <a:schemeClr val="accent6"/>
+          </a:fillRef>
+          <a:effectRef idx="0">
+            <a:schemeClr val="accent6"/>
+          </a:effectRef>
+          <a:fontRef idx="minor">
+            <a:schemeClr val="lt1"/>
+          </a:fontRef>
+        </p:style>
+        <p:txBody>
+          <a:bodyPr wrap="square" rtlCol="0">
+            <a:spAutoFit/>
+          </a:bodyPr>
+          <a:lstStyle/>
+          <a:p>
+            <a:r>
+              <a:rPr lang="en-US" altLang="ko-KR" dirty="0" smtClean="0"/>
+              <a:t>1:1</a:t>
+            </a:r>
+            <a:r>
+              <a:rPr lang="ko-KR" altLang="en-US" dirty="0" smtClean="0"/>
+              <a:t>전화상담</a:t>
+            </a:r>
+            <a:endParaRPr lang="en-US" altLang="ko-KR" dirty="0"/>
+          </a:p>
+          <a:p>
+            <a:endParaRPr lang="ko-KR" altLang="en-US" dirty="0"/>
+          </a:p>
+        </p:txBody>
+      </p:sp>
+      <p:sp>
+        <p:nvSpPr>
+          <p:cNvPr id="25" name="TextBox 24"/>
+          <p:cNvSpPr txBox="1"/>
+          <p:nvPr/>
+        </p:nvSpPr>
+        <p:spPr>
+          <a:xfrm>
+            <a:off x="4237182" y="3640547"/>
+            <a:ext cx="3066473" cy="646331"/>
+          </a:xfrm>
+          <a:prstGeom prst="rect">
+            <a:avLst/>
+          </a:prstGeom>
+        </p:spPr>
+        <p:style>
+          <a:lnRef idx="2">
+            <a:schemeClr val="accent6">
+              <a:shade val="50000"/>
+            </a:schemeClr>
+          </a:lnRef>
+          <a:fillRef idx="1">
+            <a:schemeClr val="accent6"/>
+          </a:fillRef>
+          <a:effectRef idx="0">
+            <a:schemeClr val="accent6"/>
+          </a:effectRef>
+          <a:fontRef idx="minor">
+            <a:schemeClr val="lt1"/>
+          </a:fontRef>
+        </p:style>
+        <p:txBody>
+          <a:bodyPr wrap="square" rtlCol="0">
+            <a:spAutoFit/>
+          </a:bodyPr>
+          <a:lstStyle/>
+          <a:p>
+            <a:r>
+              <a:rPr lang="ko-KR" altLang="en-US" dirty="0" smtClean="0"/>
+              <a:t>대전관광안내</a:t>
+            </a:r>
+            <a:endParaRPr lang="en-US" altLang="ko-KR" dirty="0"/>
+          </a:p>
+          <a:p>
+            <a:endParaRPr lang="ko-KR" altLang="en-US" dirty="0"/>
+          </a:p>
+        </p:txBody>
+      </p:sp>
+      <p:sp>
+        <p:nvSpPr>
+          <p:cNvPr id="26" name="TextBox 25"/>
+          <p:cNvSpPr txBox="1"/>
+          <p:nvPr/>
+        </p:nvSpPr>
+        <p:spPr>
+          <a:xfrm>
+            <a:off x="7453743" y="3640547"/>
+            <a:ext cx="3066473" cy="646331"/>
+          </a:xfrm>
+          <a:prstGeom prst="rect">
+            <a:avLst/>
+          </a:prstGeom>
+        </p:spPr>
+        <p:style>
+          <a:lnRef idx="2">
+            <a:schemeClr val="accent6">
+              <a:shade val="50000"/>
+            </a:schemeClr>
+          </a:lnRef>
+          <a:fillRef idx="1">
+            <a:schemeClr val="accent6"/>
+          </a:fillRef>
+          <a:effectRef idx="0">
+            <a:schemeClr val="accent6"/>
+          </a:effectRef>
+          <a:fontRef idx="minor">
+            <a:schemeClr val="lt1"/>
+          </a:fontRef>
+        </p:style>
+        <p:txBody>
+          <a:bodyPr wrap="square" rtlCol="0">
+            <a:spAutoFit/>
+          </a:bodyPr>
+          <a:lstStyle/>
+          <a:p>
+            <a:r>
+              <a:rPr lang="ko-KR" altLang="en-US" dirty="0" err="1" smtClean="0"/>
+              <a:t>축제소개</a:t>
+            </a:r>
+            <a:endParaRPr lang="en-US" altLang="ko-KR" dirty="0"/>
+          </a:p>
+          <a:p>
+            <a:endParaRPr lang="ko-KR" altLang="en-US" dirty="0"/>
+          </a:p>
+        </p:txBody>
+      </p:sp>
+      <p:sp>
+        <p:nvSpPr>
+          <p:cNvPr id="27" name="TextBox 26"/>
+          <p:cNvSpPr txBox="1"/>
+          <p:nvPr/>
+        </p:nvSpPr>
+        <p:spPr>
+          <a:xfrm>
+            <a:off x="5200073" y="2941069"/>
+            <a:ext cx="1348509" cy="369332"/>
+          </a:xfrm>
+          <a:prstGeom prst="rect">
+            <a:avLst/>
+          </a:prstGeom>
+          <a:noFill/>
+        </p:spPr>
+        <p:txBody>
+          <a:bodyPr wrap="square" rtlCol="0">
+            <a:spAutoFit/>
+          </a:bodyPr>
+          <a:lstStyle/>
+          <a:p>
+            <a:r>
+              <a:rPr lang="ko-KR" altLang="en-US" dirty="0" smtClean="0"/>
+              <a:t>○ ○ ○ ○</a:t>
+            </a:r>
+            <a:endParaRPr lang="ko-KR" altLang="en-US" dirty="0"/>
+          </a:p>
+        </p:txBody>
+      </p:sp>
+      <p:sp>
+        <p:nvSpPr>
+          <p:cNvPr id="2" name="직사각형 1"/>
           <p:cNvSpPr/>
           <p:nvPr/>
         </p:nvSpPr>
         <p:spPr>
           <a:xfrm>
-            <a:off x="10783454" y="4045527"/>
-            <a:ext cx="623456" cy="905164"/>
-          </a:xfrm>
-          <a:prstGeom prst="rect">
-            <a:avLst/>
-          </a:prstGeom>
-          <a:solidFill>
-            <a:srgbClr val="7030A0"/>
-          </a:solidFill>
+            <a:off x="681644" y="5411585"/>
+            <a:ext cx="10411226" cy="889462"/>
+          </a:xfrm>
+          <a:prstGeom prst="rect">
+            <a:avLst/>
+          </a:prstGeom>
         </p:spPr>
         <p:style>
           <a:lnRef idx="2">
@@ -3553,75 +3724,26 @@
           <a:lstStyle/>
           <a:p>
             <a:pPr algn="ctr"/>
-            <a:r>
-              <a:rPr lang="ko-KR" altLang="en-US" smtClean="0"/>
-              <a:t>날씨</a:t>
-            </a:r>
             <a:endParaRPr lang="ko-KR" altLang="en-US"/>
           </a:p>
         </p:txBody>
       </p:sp>
-      <p:pic>
-        <p:nvPicPr>
-          <p:cNvPr id="22" name="그림 21"/>
-          <p:cNvPicPr>
-            <a:picLocks noChangeAspect="1"/>
-          </p:cNvPicPr>
-          <p:nvPr/>
-        </p:nvPicPr>
-        <p:blipFill>
-          <a:blip r:embed="rId2">
-            <a:extLst>
-              <a:ext uri="{28A0092B-C50C-407E-A947-70E740481C1C}">
-                <a14:useLocalDpi xmlns:a14="http://schemas.microsoft.com/office/drawing/2010/main" val="0"/>
-              </a:ext>
-            </a:extLst>
-          </a:blip>
-          <a:stretch>
-            <a:fillRect/>
-          </a:stretch>
-        </p:blipFill>
-        <p:spPr>
-          <a:xfrm>
-            <a:off x="895925" y="4950691"/>
-            <a:ext cx="9478698" cy="1400618"/>
-          </a:xfrm>
-          <a:prstGeom prst="rect">
-            <a:avLst/>
-          </a:prstGeom>
-        </p:spPr>
-      </p:pic>
-      <p:sp>
-        <p:nvSpPr>
-          <p:cNvPr id="23" name="TextBox 22"/>
+      <p:sp>
+        <p:nvSpPr>
+          <p:cNvPr id="3" name="TextBox 2"/>
           <p:cNvSpPr txBox="1"/>
           <p:nvPr/>
         </p:nvSpPr>
         <p:spPr>
           <a:xfrm>
-            <a:off x="997526" y="3688088"/>
-            <a:ext cx="3066473" cy="923330"/>
-          </a:xfrm>
-          <a:prstGeom prst="rect">
-            <a:avLst/>
-          </a:prstGeom>
-        </p:spPr>
-        <p:style>
-          <a:lnRef idx="2">
-            <a:schemeClr val="accent6">
-              <a:shade val="50000"/>
-            </a:schemeClr>
-          </a:lnRef>
-          <a:fillRef idx="1">
-            <a:schemeClr val="accent6"/>
-          </a:fillRef>
-          <a:effectRef idx="0">
-            <a:schemeClr val="accent6"/>
-          </a:effectRef>
-          <a:fontRef idx="minor">
-            <a:schemeClr val="lt1"/>
-          </a:fontRef>
-        </p:style>
+            <a:off x="4731799" y="5664103"/>
+            <a:ext cx="1544328" cy="369332"/>
+          </a:xfrm>
+          <a:prstGeom prst="rect">
+            <a:avLst/>
+          </a:prstGeom>
+          <a:noFill/>
+        </p:spPr>
         <p:txBody>
           <a:bodyPr wrap="square" rtlCol="0">
             <a:spAutoFit/>
@@ -3630,57 +3752,32 @@
           <a:p>
             <a:r>
               <a:rPr lang="ko-KR" altLang="en-US" dirty="0" smtClean="0"/>
-              <a:t>링크</a:t>
+              <a:t>주소</a:t>
             </a:r>
             <a:r>
               <a:rPr lang="en-US" altLang="ko-KR" dirty="0" smtClean="0"/>
               <a:t>:</a:t>
             </a:r>
-            <a:r>
-              <a:rPr lang="ko-KR" altLang="en-US" dirty="0" smtClean="0"/>
-              <a:t>투어</a:t>
-            </a:r>
-            <a:endParaRPr lang="en-US" altLang="ko-KR" dirty="0" smtClean="0"/>
-          </a:p>
-          <a:p>
-            <a:endParaRPr lang="en-US" altLang="ko-KR" dirty="0"/>
-          </a:p>
-          <a:p>
             <a:endParaRPr lang="ko-KR" altLang="en-US" dirty="0"/>
           </a:p>
         </p:txBody>
       </p:sp>
       <p:sp>
         <p:nvSpPr>
-          <p:cNvPr id="25" name="TextBox 24"/>
+          <p:cNvPr id="24" name="TextBox 23"/>
           <p:cNvSpPr txBox="1"/>
           <p:nvPr/>
         </p:nvSpPr>
         <p:spPr>
           <a:xfrm>
-            <a:off x="4237182" y="3640547"/>
-            <a:ext cx="3066473" cy="923330"/>
-          </a:xfrm>
-          <a:prstGeom prst="rect">
-            <a:avLst/>
-          </a:prstGeom>
-        </p:spPr>
-        <p:style>
-          <a:lnRef idx="2">
-            <a:schemeClr val="accent6">
-              <a:shade val="50000"/>
-            </a:schemeClr>
-          </a:lnRef>
-          <a:fillRef idx="1">
-            <a:schemeClr val="accent6"/>
-          </a:fillRef>
-          <a:effectRef idx="0">
-            <a:schemeClr val="accent6"/>
-          </a:effectRef>
-          <a:fontRef idx="minor">
-            <a:schemeClr val="lt1"/>
-          </a:fontRef>
-        </p:style>
+            <a:off x="2857736" y="5664103"/>
+            <a:ext cx="1544328" cy="369332"/>
+          </a:xfrm>
+          <a:prstGeom prst="rect">
+            <a:avLst/>
+          </a:prstGeom>
+          <a:noFill/>
+        </p:spPr>
         <p:txBody>
           <a:bodyPr wrap="square" rtlCol="0">
             <a:spAutoFit/>
@@ -3689,57 +3786,32 @@
           <a:p>
             <a:r>
               <a:rPr lang="ko-KR" altLang="en-US" dirty="0" smtClean="0"/>
-              <a:t>링크</a:t>
+              <a:t>대표자</a:t>
             </a:r>
             <a:r>
               <a:rPr lang="en-US" altLang="ko-KR" dirty="0" smtClean="0"/>
               <a:t>:</a:t>
             </a:r>
-            <a:r>
-              <a:rPr lang="ko-KR" altLang="en-US" dirty="0" err="1" smtClean="0"/>
-              <a:t>ㅌㅏ슈</a:t>
-            </a:r>
-            <a:endParaRPr lang="en-US" altLang="ko-KR" dirty="0" smtClean="0"/>
-          </a:p>
-          <a:p>
-            <a:endParaRPr lang="en-US" altLang="ko-KR" dirty="0"/>
-          </a:p>
-          <a:p>
             <a:endParaRPr lang="ko-KR" altLang="en-US" dirty="0"/>
           </a:p>
         </p:txBody>
       </p:sp>
       <p:sp>
         <p:nvSpPr>
-          <p:cNvPr id="26" name="TextBox 25"/>
+          <p:cNvPr id="28" name="TextBox 27"/>
           <p:cNvSpPr txBox="1"/>
           <p:nvPr/>
         </p:nvSpPr>
         <p:spPr>
           <a:xfrm>
-            <a:off x="7453743" y="3640547"/>
-            <a:ext cx="3066473" cy="923330"/>
-          </a:xfrm>
-          <a:prstGeom prst="rect">
-            <a:avLst/>
-          </a:prstGeom>
-        </p:spPr>
-        <p:style>
-          <a:lnRef idx="2">
-            <a:schemeClr val="accent6">
-              <a:shade val="50000"/>
-            </a:schemeClr>
-          </a:lnRef>
-          <a:fillRef idx="1">
-            <a:schemeClr val="accent6"/>
-          </a:fillRef>
-          <a:effectRef idx="0">
-            <a:schemeClr val="accent6"/>
-          </a:effectRef>
-          <a:fontRef idx="minor">
-            <a:schemeClr val="lt1"/>
-          </a:fontRef>
-        </p:style>
+            <a:off x="997526" y="5670848"/>
+            <a:ext cx="1544328" cy="369332"/>
+          </a:xfrm>
+          <a:prstGeom prst="rect">
+            <a:avLst/>
+          </a:prstGeom>
+          <a:noFill/>
+        </p:spPr>
         <p:txBody>
           <a:bodyPr wrap="square" rtlCol="0">
             <a:spAutoFit/>
@@ -3748,36 +3820,26 @@
           <a:p>
             <a:r>
               <a:rPr lang="ko-KR" altLang="en-US" dirty="0" smtClean="0"/>
-              <a:t>링크</a:t>
+              <a:t>상호</a:t>
             </a:r>
             <a:r>
               <a:rPr lang="en-US" altLang="ko-KR" dirty="0" smtClean="0"/>
               <a:t>:</a:t>
             </a:r>
-            <a:r>
-              <a:rPr lang="ko-KR" altLang="en-US" dirty="0" smtClean="0"/>
-              <a:t>축제</a:t>
-            </a:r>
-            <a:endParaRPr lang="en-US" altLang="ko-KR" dirty="0" smtClean="0"/>
-          </a:p>
-          <a:p>
-            <a:endParaRPr lang="en-US" altLang="ko-KR" dirty="0"/>
-          </a:p>
-          <a:p>
             <a:endParaRPr lang="ko-KR" altLang="en-US" dirty="0"/>
           </a:p>
         </p:txBody>
       </p:sp>
       <p:sp>
         <p:nvSpPr>
-          <p:cNvPr id="27" name="TextBox 26"/>
+          <p:cNvPr id="29" name="TextBox 28"/>
           <p:cNvSpPr txBox="1"/>
           <p:nvPr/>
         </p:nvSpPr>
         <p:spPr>
           <a:xfrm>
-            <a:off x="5200073" y="2941069"/>
-            <a:ext cx="1348509" cy="369332"/>
+            <a:off x="6432198" y="5664103"/>
+            <a:ext cx="1544328" cy="369332"/>
           </a:xfrm>
           <a:prstGeom prst="rect">
             <a:avLst/>
@@ -3792,7 +3854,45 @@
           <a:p>
             <a:r>
               <a:rPr lang="ko-KR" altLang="en-US" dirty="0" smtClean="0"/>
-              <a:t>○ ○ ○ ○</a:t>
+              <a:t>대표전화</a:t>
+            </a:r>
+            <a:r>
+              <a:rPr lang="en-US" altLang="ko-KR" dirty="0" smtClean="0"/>
+              <a:t>:</a:t>
+            </a:r>
+            <a:endParaRPr lang="ko-KR" altLang="en-US" dirty="0"/>
+          </a:p>
+        </p:txBody>
+      </p:sp>
+      <p:sp>
+        <p:nvSpPr>
+          <p:cNvPr id="30" name="TextBox 29"/>
+          <p:cNvSpPr txBox="1"/>
+          <p:nvPr/>
+        </p:nvSpPr>
+        <p:spPr>
+          <a:xfrm>
+            <a:off x="8433716" y="5649046"/>
+            <a:ext cx="1544328" cy="369332"/>
+          </a:xfrm>
+          <a:prstGeom prst="rect">
+            <a:avLst/>
+          </a:prstGeom>
+          <a:noFill/>
+        </p:spPr>
+        <p:txBody>
+          <a:bodyPr wrap="square" rtlCol="0">
+            <a:spAutoFit/>
+          </a:bodyPr>
+          <a:lstStyle/>
+          <a:p>
+            <a:r>
+              <a:rPr lang="ko-KR" altLang="en-US" dirty="0" err="1" smtClean="0"/>
+              <a:t>사업자번호</a:t>
+            </a:r>
+            <a:r>
+              <a:rPr lang="en-US" altLang="ko-KR" dirty="0" smtClean="0"/>
+              <a:t>:</a:t>
             </a:r>
             <a:endParaRPr lang="ko-KR" altLang="en-US" dirty="0"/>
           </a:p>
@@ -4600,7 +4700,7 @@
         </p:nvSpPr>
         <p:spPr>
           <a:xfrm>
-            <a:off x="147781" y="207818"/>
+            <a:off x="110834" y="18473"/>
             <a:ext cx="11905673" cy="6650182"/>
           </a:xfrm>
           <a:prstGeom prst="rect">
@@ -4674,16 +4774,13 @@
             <a:pPr algn="ctr"/>
             <a:r>
               <a:rPr lang="en-US" altLang="ko-KR" dirty="0" smtClean="0"/>
-              <a:t>2-1</a:t>
-            </a:r>
-            <a:r>
-              <a:rPr lang="ko-KR" altLang="en-US" dirty="0" err="1" smtClean="0"/>
-              <a:t>우리구투어</a:t>
-            </a:r>
-            <a:r>
-              <a:rPr lang="en-US" altLang="ko-KR" dirty="0" smtClean="0"/>
-              <a:t>*5</a:t>
-            </a:r>
+              <a:t>8.</a:t>
+            </a:r>
+            <a:r>
+              <a:rPr lang="ko-KR" altLang="en-US" dirty="0" smtClean="0"/>
+              <a:t>투어</a:t>
+            </a:r>
+            <a:endParaRPr lang="en-US" altLang="ko-KR" dirty="0" smtClean="0"/>
           </a:p>
           <a:p>
             <a:endParaRPr lang="en-US" altLang="ko-KR" dirty="0"/>
@@ -4692,220 +4789,18 @@
       </p:sp>
       <p:sp>
         <p:nvSpPr>
-          <p:cNvPr id="4" name="직사각형 3"/>
-          <p:cNvSpPr/>
-          <p:nvPr/>
-        </p:nvSpPr>
-        <p:spPr>
-          <a:xfrm>
-            <a:off x="184727" y="1098821"/>
-            <a:ext cx="11711709" cy="674561"/>
-          </a:xfrm>
-          <a:prstGeom prst="rect">
-            <a:avLst/>
-          </a:prstGeom>
-        </p:spPr>
-        <p:style>
-          <a:lnRef idx="1">
-            <a:schemeClr val="accent4"/>
-          </a:lnRef>
-          <a:fillRef idx="2">
-            <a:schemeClr val="accent4"/>
-          </a:fillRef>
-          <a:effectRef idx="1">
-            <a:schemeClr val="accent4"/>
-          </a:effectRef>
-          <a:fontRef idx="minor">
-            <a:schemeClr val="dk1"/>
-          </a:fontRef>
-        </p:style>
-        <p:txBody>
-          <a:bodyPr rtlCol="0" anchor="ctr"/>
-          <a:lstStyle/>
-          <a:p>
-            <a:pPr algn="ctr"/>
-            <a:endParaRPr lang="ko-KR" altLang="en-US"/>
-          </a:p>
-        </p:txBody>
-      </p:sp>
-      <p:sp>
-        <p:nvSpPr>
-          <p:cNvPr id="5" name="TextBox 4"/>
+          <p:cNvPr id="17" name="TextBox 16"/>
           <p:cNvSpPr txBox="1"/>
           <p:nvPr/>
         </p:nvSpPr>
         <p:spPr>
           <a:xfrm>
-            <a:off x="1620981" y="1251435"/>
-            <a:ext cx="711200" cy="369332"/>
-          </a:xfrm>
-          <a:prstGeom prst="rect">
-            <a:avLst/>
-          </a:prstGeom>
-          <a:noFill/>
-          <a:ln>
-            <a:solidFill>
-              <a:schemeClr val="tx1"/>
-            </a:solidFill>
-          </a:ln>
-        </p:spPr>
-        <p:txBody>
-          <a:bodyPr wrap="square" rtlCol="0">
-            <a:spAutoFit/>
-          </a:bodyPr>
-          <a:lstStyle/>
-          <a:p>
-            <a:r>
-              <a:rPr lang="ko-KR" altLang="en-US" dirty="0" smtClean="0"/>
-              <a:t>동구</a:t>
-            </a:r>
-            <a:endParaRPr lang="ko-KR" altLang="en-US" dirty="0"/>
-          </a:p>
-        </p:txBody>
-      </p:sp>
-      <p:sp>
-        <p:nvSpPr>
-          <p:cNvPr id="6" name="TextBox 5"/>
-          <p:cNvSpPr txBox="1"/>
-          <p:nvPr/>
-        </p:nvSpPr>
-        <p:spPr>
-          <a:xfrm>
-            <a:off x="3550226" y="1232656"/>
-            <a:ext cx="711200" cy="369332"/>
-          </a:xfrm>
-          <a:prstGeom prst="rect">
-            <a:avLst/>
-          </a:prstGeom>
-          <a:noFill/>
-        </p:spPr>
-        <p:txBody>
-          <a:bodyPr wrap="square" rtlCol="0">
-            <a:spAutoFit/>
-          </a:bodyPr>
-          <a:lstStyle/>
-          <a:p>
-            <a:r>
-              <a:rPr lang="ko-KR" altLang="en-US" dirty="0" smtClean="0"/>
-              <a:t>서구</a:t>
-            </a:r>
-            <a:endParaRPr lang="en-US" altLang="ko-KR" dirty="0" smtClean="0"/>
-          </a:p>
-        </p:txBody>
-      </p:sp>
-      <p:sp>
-        <p:nvSpPr>
-          <p:cNvPr id="7" name="TextBox 6"/>
-          <p:cNvSpPr txBox="1"/>
-          <p:nvPr/>
-        </p:nvSpPr>
-        <p:spPr>
-          <a:xfrm>
-            <a:off x="5479472" y="1237488"/>
-            <a:ext cx="711200" cy="369332"/>
-          </a:xfrm>
-          <a:prstGeom prst="rect">
-            <a:avLst/>
-          </a:prstGeom>
-          <a:noFill/>
-        </p:spPr>
-        <p:txBody>
-          <a:bodyPr wrap="square" rtlCol="0">
-            <a:spAutoFit/>
-          </a:bodyPr>
-          <a:lstStyle/>
-          <a:p>
-            <a:r>
-              <a:rPr lang="ko-KR" altLang="en-US" dirty="0"/>
-              <a:t>중</a:t>
-            </a:r>
-            <a:r>
-              <a:rPr lang="ko-KR" altLang="en-US" dirty="0" smtClean="0"/>
-              <a:t>구</a:t>
-            </a:r>
-            <a:endParaRPr lang="ko-KR" altLang="en-US" dirty="0"/>
-          </a:p>
-        </p:txBody>
-      </p:sp>
-      <p:sp>
-        <p:nvSpPr>
-          <p:cNvPr id="8" name="TextBox 7"/>
-          <p:cNvSpPr txBox="1"/>
-          <p:nvPr/>
-        </p:nvSpPr>
-        <p:spPr>
-          <a:xfrm>
-            <a:off x="7345216" y="1251435"/>
-            <a:ext cx="1011381" cy="369332"/>
-          </a:xfrm>
-          <a:prstGeom prst="rect">
-            <a:avLst/>
-          </a:prstGeom>
-          <a:noFill/>
-        </p:spPr>
-        <p:txBody>
-          <a:bodyPr wrap="square" rtlCol="0">
-            <a:spAutoFit/>
-          </a:bodyPr>
-          <a:lstStyle/>
-          <a:p>
-            <a:r>
-              <a:rPr lang="ko-KR" altLang="en-US" dirty="0" smtClean="0"/>
-              <a:t>대덕구</a:t>
-            </a:r>
-            <a:endParaRPr lang="ko-KR" altLang="en-US" dirty="0"/>
-          </a:p>
-        </p:txBody>
-      </p:sp>
-      <p:sp>
-        <p:nvSpPr>
-          <p:cNvPr id="9" name="TextBox 8"/>
-          <p:cNvSpPr txBox="1"/>
-          <p:nvPr/>
-        </p:nvSpPr>
-        <p:spPr>
-          <a:xfrm>
-            <a:off x="9337962" y="1255961"/>
-            <a:ext cx="1071419" cy="369332"/>
-          </a:xfrm>
-          <a:prstGeom prst="rect">
-            <a:avLst/>
-          </a:prstGeom>
-          <a:noFill/>
-        </p:spPr>
-        <p:txBody>
-          <a:bodyPr wrap="square" rtlCol="0">
-            <a:spAutoFit/>
-          </a:bodyPr>
-          <a:lstStyle/>
-          <a:p>
-            <a:r>
-              <a:rPr lang="ko-KR" altLang="en-US" dirty="0" smtClean="0"/>
-              <a:t>유성구</a:t>
-            </a:r>
-            <a:endParaRPr lang="ko-KR" altLang="en-US" dirty="0"/>
-          </a:p>
-        </p:txBody>
-      </p:sp>
-      <p:sp>
-        <p:nvSpPr>
-          <p:cNvPr id="10" name="직사각형 9"/>
-          <p:cNvSpPr/>
-          <p:nvPr/>
-        </p:nvSpPr>
-        <p:spPr>
-          <a:xfrm>
-            <a:off x="775855" y="2004291"/>
-            <a:ext cx="2198254" cy="1782618"/>
-          </a:xfrm>
-          <a:prstGeom prst="rect">
-            <a:avLst/>
-          </a:prstGeom>
-          <a:ln>
-            <a:solidFill>
-              <a:schemeClr val="tx1"/>
-            </a:solidFill>
-          </a:ln>
+            <a:off x="184727" y="1246909"/>
+            <a:ext cx="11711709" cy="923330"/>
+          </a:xfrm>
+          <a:prstGeom prst="rect">
+            <a:avLst/>
+          </a:prstGeom>
         </p:spPr>
         <p:style>
           <a:lnRef idx="1">
@@ -4922,24 +4817,37 @@
           </a:fontRef>
         </p:style>
         <p:txBody>
-          <a:bodyPr rtlCol="0" anchor="ctr"/>
+          <a:bodyPr wrap="square" rtlCol="0">
+            <a:spAutoFit/>
+          </a:bodyPr>
           <a:lstStyle/>
           <a:p>
             <a:pPr algn="ctr"/>
-            <a:endParaRPr lang="ko-KR" altLang="en-US"/>
-          </a:p>
-        </p:txBody>
-      </p:sp>
-      <p:sp>
-        <p:nvSpPr>
-          <p:cNvPr id="11" name="직사각형 10"/>
-          <p:cNvSpPr/>
-          <p:nvPr/>
-        </p:nvSpPr>
-        <p:spPr>
-          <a:xfrm>
-            <a:off x="3463639" y="2004291"/>
-            <a:ext cx="2198254" cy="1782618"/>
+            <a:endParaRPr lang="en-US" altLang="ko-KR" dirty="0" smtClean="0"/>
+          </a:p>
+          <a:p>
+            <a:pPr algn="ctr"/>
+            <a:r>
+              <a:rPr lang="ko-KR" altLang="en-US" dirty="0" err="1" smtClean="0"/>
+              <a:t>맛집투어</a:t>
+            </a:r>
+            <a:endParaRPr lang="en-US" altLang="ko-KR" dirty="0" smtClean="0"/>
+          </a:p>
+          <a:p>
+            <a:endParaRPr lang="en-US" altLang="ko-KR" dirty="0"/>
+          </a:p>
+        </p:txBody>
+      </p:sp>
+      <p:sp>
+        <p:nvSpPr>
+          <p:cNvPr id="21" name="TextBox 20"/>
+          <p:cNvSpPr txBox="1"/>
+          <p:nvPr/>
+        </p:nvSpPr>
+        <p:spPr>
+          <a:xfrm>
+            <a:off x="198585" y="2489206"/>
+            <a:ext cx="11711709" cy="923330"/>
           </a:xfrm>
           <a:prstGeom prst="rect">
             <a:avLst/>
@@ -4960,24 +4868,37 @@
           </a:fontRef>
         </p:style>
         <p:txBody>
-          <a:bodyPr rtlCol="0" anchor="ctr"/>
+          <a:bodyPr wrap="square" rtlCol="0">
+            <a:spAutoFit/>
+          </a:bodyPr>
           <a:lstStyle/>
           <a:p>
             <a:pPr algn="ctr"/>
-            <a:endParaRPr lang="ko-KR" altLang="en-US"/>
-          </a:p>
-        </p:txBody>
-      </p:sp>
-      <p:sp>
-        <p:nvSpPr>
-          <p:cNvPr id="12" name="직사각형 11"/>
-          <p:cNvSpPr/>
-          <p:nvPr/>
-        </p:nvSpPr>
-        <p:spPr>
-          <a:xfrm>
-            <a:off x="6243807" y="2004291"/>
-            <a:ext cx="2198254" cy="1782618"/>
+            <a:endParaRPr lang="en-US" altLang="ko-KR" dirty="0" smtClean="0"/>
+          </a:p>
+          <a:p>
+            <a:pPr algn="ctr"/>
+            <a:r>
+              <a:rPr lang="ko-KR" altLang="en-US" dirty="0" err="1" smtClean="0"/>
+              <a:t>추천여행</a:t>
+            </a:r>
+            <a:endParaRPr lang="en-US" altLang="ko-KR" dirty="0" smtClean="0"/>
+          </a:p>
+          <a:p>
+            <a:endParaRPr lang="en-US" altLang="ko-KR" dirty="0"/>
+          </a:p>
+        </p:txBody>
+      </p:sp>
+      <p:sp>
+        <p:nvSpPr>
+          <p:cNvPr id="22" name="TextBox 21"/>
+          <p:cNvSpPr txBox="1"/>
+          <p:nvPr/>
+        </p:nvSpPr>
+        <p:spPr>
+          <a:xfrm>
+            <a:off x="207819" y="3689928"/>
+            <a:ext cx="11711709" cy="923330"/>
           </a:xfrm>
           <a:prstGeom prst="rect">
             <a:avLst/>
@@ -4998,24 +4919,41 @@
           </a:fontRef>
         </p:style>
         <p:txBody>
-          <a:bodyPr rtlCol="0" anchor="ctr"/>
+          <a:bodyPr wrap="square" rtlCol="0">
+            <a:spAutoFit/>
+          </a:bodyPr>
           <a:lstStyle/>
           <a:p>
             <a:pPr algn="ctr"/>
-            <a:endParaRPr lang="ko-KR" altLang="en-US"/>
-          </a:p>
-        </p:txBody>
-      </p:sp>
-      <p:sp>
-        <p:nvSpPr>
-          <p:cNvPr id="13" name="직사각형 12"/>
-          <p:cNvSpPr/>
-          <p:nvPr/>
-        </p:nvSpPr>
-        <p:spPr>
-          <a:xfrm>
-            <a:off x="785091" y="3999342"/>
-            <a:ext cx="2198254" cy="1782618"/>
+            <a:endParaRPr lang="en-US" altLang="ko-KR" dirty="0" smtClean="0"/>
+          </a:p>
+          <a:p>
+            <a:pPr algn="ctr"/>
+            <a:r>
+              <a:rPr lang="ko-KR" altLang="en-US" dirty="0" err="1" smtClean="0"/>
+              <a:t>추천여행</a:t>
+            </a:r>
+            <a:r>
+              <a:rPr lang="en-US" altLang="ko-KR" dirty="0" smtClean="0"/>
+              <a:t>2</a:t>
+            </a:r>
+          </a:p>
+          <a:p>
+            <a:pPr algn="ctr"/>
+            <a:endParaRPr lang="en-US" altLang="ko-KR" dirty="0"/>
+          </a:p>
+        </p:txBody>
+      </p:sp>
+      <p:sp>
+        <p:nvSpPr>
+          <p:cNvPr id="23" name="TextBox 22"/>
+          <p:cNvSpPr txBox="1"/>
+          <p:nvPr/>
+        </p:nvSpPr>
+        <p:spPr>
+          <a:xfrm>
+            <a:off x="230915" y="4932218"/>
+            <a:ext cx="11711709" cy="923330"/>
           </a:xfrm>
           <a:prstGeom prst="rect">
             <a:avLst/>
@@ -5036,513 +4974,31 @@
           </a:fontRef>
         </p:style>
         <p:txBody>
-          <a:bodyPr rtlCol="0" anchor="ctr"/>
-          <a:lstStyle/>
-          <a:p>
-            <a:pPr algn="ctr"/>
-            <a:endParaRPr lang="ko-KR" altLang="en-US"/>
-          </a:p>
-        </p:txBody>
-      </p:sp>
-      <p:sp>
-        <p:nvSpPr>
-          <p:cNvPr id="14" name="직사각형 13"/>
-          <p:cNvSpPr/>
-          <p:nvPr/>
-        </p:nvSpPr>
-        <p:spPr>
-          <a:xfrm>
-            <a:off x="3426691" y="3980869"/>
-            <a:ext cx="2198254" cy="1782618"/>
-          </a:xfrm>
-          <a:prstGeom prst="rect">
-            <a:avLst/>
-          </a:prstGeom>
-        </p:spPr>
-        <p:style>
-          <a:lnRef idx="1">
-            <a:schemeClr val="accent6"/>
-          </a:lnRef>
-          <a:fillRef idx="2">
-            <a:schemeClr val="accent6"/>
-          </a:fillRef>
-          <a:effectRef idx="1">
-            <a:schemeClr val="accent6"/>
-          </a:effectRef>
-          <a:fontRef idx="minor">
-            <a:schemeClr val="dk1"/>
-          </a:fontRef>
-        </p:style>
-        <p:txBody>
-          <a:bodyPr rtlCol="0" anchor="ctr"/>
-          <a:lstStyle/>
-          <a:p>
-            <a:pPr algn="ctr"/>
-            <a:endParaRPr lang="ko-KR" altLang="en-US"/>
-          </a:p>
-        </p:txBody>
-      </p:sp>
-      <p:sp>
-        <p:nvSpPr>
-          <p:cNvPr id="15" name="직사각형 14"/>
-          <p:cNvSpPr/>
-          <p:nvPr/>
-        </p:nvSpPr>
-        <p:spPr>
-          <a:xfrm>
-            <a:off x="6262271" y="3953163"/>
-            <a:ext cx="2198254" cy="1782618"/>
-          </a:xfrm>
-          <a:prstGeom prst="rect">
-            <a:avLst/>
-          </a:prstGeom>
-        </p:spPr>
-        <p:style>
-          <a:lnRef idx="1">
-            <a:schemeClr val="accent6"/>
-          </a:lnRef>
-          <a:fillRef idx="2">
-            <a:schemeClr val="accent6"/>
-          </a:fillRef>
-          <a:effectRef idx="1">
-            <a:schemeClr val="accent6"/>
-          </a:effectRef>
-          <a:fontRef idx="minor">
-            <a:schemeClr val="dk1"/>
-          </a:fontRef>
-        </p:style>
-        <p:txBody>
-          <a:bodyPr rtlCol="0" anchor="ctr"/>
-          <a:lstStyle/>
-          <a:p>
-            <a:pPr algn="ctr"/>
-            <a:endParaRPr lang="ko-KR" altLang="en-US"/>
-          </a:p>
-        </p:txBody>
-      </p:sp>
-      <p:sp>
-        <p:nvSpPr>
-          <p:cNvPr id="16" name="TextBox 15"/>
-          <p:cNvSpPr txBox="1"/>
-          <p:nvPr/>
-        </p:nvSpPr>
-        <p:spPr>
-          <a:xfrm>
-            <a:off x="9476506" y="2235047"/>
-            <a:ext cx="1856511" cy="923330"/>
-          </a:xfrm>
-          <a:prstGeom prst="rect">
-            <a:avLst/>
-          </a:prstGeom>
-        </p:spPr>
-        <p:style>
-          <a:lnRef idx="1">
-            <a:schemeClr val="accent6"/>
-          </a:lnRef>
-          <a:fillRef idx="2">
-            <a:schemeClr val="accent6"/>
-          </a:fillRef>
-          <a:effectRef idx="1">
-            <a:schemeClr val="accent6"/>
-          </a:effectRef>
-          <a:fontRef idx="minor">
-            <a:schemeClr val="dk1"/>
-          </a:fontRef>
-        </p:style>
-        <p:txBody>
           <a:bodyPr wrap="square" rtlCol="0">
             <a:spAutoFit/>
           </a:bodyPr>
           <a:lstStyle/>
           <a:p>
+            <a:pPr algn="ctr"/>
             <a:endParaRPr lang="en-US" altLang="ko-KR" dirty="0" smtClean="0"/>
           </a:p>
           <a:p>
             <a:pPr algn="ctr"/>
             <a:r>
               <a:rPr lang="ko-KR" altLang="en-US" dirty="0" smtClean="0"/>
-              <a:t>동구 여행지</a:t>
+              <a:t>버스투어</a:t>
             </a:r>
             <a:endParaRPr lang="en-US" altLang="ko-KR" dirty="0" smtClean="0"/>
           </a:p>
           <a:p>
-            <a:endParaRPr lang="ko-KR" altLang="en-US" dirty="0"/>
-          </a:p>
-        </p:txBody>
-      </p:sp>
-      <p:sp>
-        <p:nvSpPr>
-          <p:cNvPr id="18" name="TextBox 17"/>
-          <p:cNvSpPr txBox="1"/>
-          <p:nvPr/>
-        </p:nvSpPr>
-        <p:spPr>
-          <a:xfrm>
-            <a:off x="9490362" y="4373420"/>
-            <a:ext cx="1856511" cy="923330"/>
-          </a:xfrm>
-          <a:prstGeom prst="rect">
-            <a:avLst/>
-          </a:prstGeom>
-        </p:spPr>
-        <p:style>
-          <a:lnRef idx="1">
-            <a:schemeClr val="accent6"/>
-          </a:lnRef>
-          <a:fillRef idx="2">
-            <a:schemeClr val="accent6"/>
-          </a:fillRef>
-          <a:effectRef idx="1">
-            <a:schemeClr val="accent6"/>
-          </a:effectRef>
-          <a:fontRef idx="minor">
-            <a:schemeClr val="dk1"/>
-          </a:fontRef>
-        </p:style>
-        <p:txBody>
-          <a:bodyPr wrap="square" rtlCol="0">
-            <a:spAutoFit/>
-          </a:bodyPr>
-          <a:lstStyle/>
-          <a:p>
-            <a:endParaRPr lang="en-US" altLang="ko-KR" dirty="0" smtClean="0"/>
-          </a:p>
-          <a:p>
-            <a:pPr algn="ctr"/>
-            <a:r>
-              <a:rPr lang="ko-KR" altLang="en-US" dirty="0" smtClean="0"/>
-              <a:t>동구 맛집</a:t>
-            </a:r>
-            <a:endParaRPr lang="en-US" altLang="ko-KR" dirty="0" smtClean="0"/>
-          </a:p>
-          <a:p>
-            <a:pPr algn="ctr"/>
-            <a:endParaRPr lang="ko-KR" altLang="en-US" dirty="0"/>
-          </a:p>
-        </p:txBody>
-      </p:sp>
-      <p:sp>
-        <p:nvSpPr>
-          <p:cNvPr id="19" name="TextBox 18"/>
-          <p:cNvSpPr txBox="1"/>
-          <p:nvPr/>
-        </p:nvSpPr>
-        <p:spPr>
-          <a:xfrm>
-            <a:off x="775855" y="3254453"/>
-            <a:ext cx="2198254" cy="523220"/>
-          </a:xfrm>
-          <a:prstGeom prst="rect">
-            <a:avLst/>
-          </a:prstGeom>
-          <a:noFill/>
-        </p:spPr>
-        <p:txBody>
-          <a:bodyPr wrap="square" rtlCol="0">
-            <a:spAutoFit/>
-          </a:bodyPr>
-          <a:lstStyle/>
-          <a:p>
-            <a:r>
-              <a:rPr lang="ko-KR" altLang="en-US" sz="1000" dirty="0" smtClean="0"/>
-              <a:t>주소</a:t>
-            </a:r>
-            <a:r>
-              <a:rPr lang="en-US" altLang="ko-KR" sz="1000" dirty="0" smtClean="0"/>
-              <a:t>:</a:t>
-            </a:r>
-          </a:p>
-          <a:p>
-            <a:r>
-              <a:rPr lang="ko-KR" altLang="en-US" sz="1000" dirty="0" smtClean="0"/>
-              <a:t>이름</a:t>
-            </a:r>
-            <a:r>
-              <a:rPr lang="en-US" altLang="ko-KR" dirty="0" smtClean="0"/>
-              <a:t>:</a:t>
-            </a:r>
-            <a:endParaRPr lang="ko-KR" altLang="en-US" dirty="0"/>
-          </a:p>
-        </p:txBody>
-      </p:sp>
-      <p:sp>
-        <p:nvSpPr>
-          <p:cNvPr id="20" name="TextBox 19"/>
-          <p:cNvSpPr txBox="1"/>
-          <p:nvPr/>
-        </p:nvSpPr>
-        <p:spPr>
-          <a:xfrm>
-            <a:off x="775855" y="5249505"/>
-            <a:ext cx="2198254" cy="523220"/>
-          </a:xfrm>
-          <a:prstGeom prst="rect">
-            <a:avLst/>
-          </a:prstGeom>
-          <a:noFill/>
-        </p:spPr>
-        <p:txBody>
-          <a:bodyPr wrap="square" rtlCol="0">
-            <a:spAutoFit/>
-          </a:bodyPr>
-          <a:lstStyle/>
-          <a:p>
-            <a:r>
-              <a:rPr lang="ko-KR" altLang="en-US" sz="1000" dirty="0" smtClean="0"/>
-              <a:t>주소</a:t>
-            </a:r>
-            <a:r>
-              <a:rPr lang="en-US" altLang="ko-KR" sz="1000" dirty="0" smtClean="0"/>
-              <a:t>:</a:t>
-            </a:r>
-          </a:p>
-          <a:p>
-            <a:r>
-              <a:rPr lang="ko-KR" altLang="en-US" sz="1000" dirty="0" smtClean="0"/>
-              <a:t>이름</a:t>
-            </a:r>
-            <a:r>
-              <a:rPr lang="en-US" altLang="ko-KR" dirty="0" smtClean="0"/>
-              <a:t>:</a:t>
-            </a:r>
-            <a:endParaRPr lang="ko-KR" altLang="en-US" dirty="0"/>
-          </a:p>
-        </p:txBody>
-      </p:sp>
-      <p:sp>
-        <p:nvSpPr>
-          <p:cNvPr id="17" name="직사각형 16"/>
-          <p:cNvSpPr/>
-          <p:nvPr/>
-        </p:nvSpPr>
-        <p:spPr>
-          <a:xfrm>
-            <a:off x="1620981" y="2660073"/>
-            <a:ext cx="8622146" cy="2636677"/>
-          </a:xfrm>
-          <a:prstGeom prst="rect">
-            <a:avLst/>
-          </a:prstGeom>
-        </p:spPr>
-        <p:style>
-          <a:lnRef idx="2">
-            <a:schemeClr val="accent1">
-              <a:shade val="50000"/>
-            </a:schemeClr>
-          </a:lnRef>
-          <a:fillRef idx="1">
-            <a:schemeClr val="accent1"/>
-          </a:fillRef>
-          <a:effectRef idx="0">
-            <a:schemeClr val="accent1"/>
-          </a:effectRef>
-          <a:fontRef idx="minor">
-            <a:schemeClr val="lt1"/>
-          </a:fontRef>
-        </p:style>
-        <p:txBody>
-          <a:bodyPr rtlCol="0" anchor="ctr"/>
-          <a:lstStyle/>
-          <a:p>
-            <a:pPr algn="ctr"/>
-            <a:endParaRPr lang="ko-KR" altLang="en-US"/>
-          </a:p>
-        </p:txBody>
-      </p:sp>
-      <p:sp>
-        <p:nvSpPr>
-          <p:cNvPr id="21" name="직사각형 20"/>
-          <p:cNvSpPr/>
-          <p:nvPr/>
-        </p:nvSpPr>
-        <p:spPr>
-          <a:xfrm>
-            <a:off x="2022764" y="3158377"/>
-            <a:ext cx="1256145" cy="1699950"/>
-          </a:xfrm>
-          <a:prstGeom prst="rect">
-            <a:avLst/>
-          </a:prstGeom>
-        </p:spPr>
-        <p:style>
-          <a:lnRef idx="2">
-            <a:schemeClr val="accent1">
-              <a:shade val="50000"/>
-            </a:schemeClr>
-          </a:lnRef>
-          <a:fillRef idx="1">
-            <a:schemeClr val="accent1"/>
-          </a:fillRef>
-          <a:effectRef idx="0">
-            <a:schemeClr val="accent1"/>
-          </a:effectRef>
-          <a:fontRef idx="minor">
-            <a:schemeClr val="lt1"/>
-          </a:fontRef>
-        </p:style>
-        <p:txBody>
-          <a:bodyPr rtlCol="0" anchor="ctr"/>
-          <a:lstStyle/>
-          <a:p>
-            <a:pPr algn="ctr"/>
-            <a:r>
-              <a:rPr lang="ko-KR" altLang="en-US" dirty="0" smtClean="0"/>
-              <a:t>이미지</a:t>
-            </a:r>
-            <a:endParaRPr lang="ko-KR" altLang="en-US" dirty="0"/>
-          </a:p>
-        </p:txBody>
-      </p:sp>
-      <p:sp>
-        <p:nvSpPr>
-          <p:cNvPr id="22" name="TextBox 21"/>
-          <p:cNvSpPr txBox="1"/>
-          <p:nvPr/>
-        </p:nvSpPr>
-        <p:spPr>
-          <a:xfrm>
-            <a:off x="3703782" y="3158377"/>
-            <a:ext cx="4433454" cy="369332"/>
-          </a:xfrm>
-          <a:prstGeom prst="rect">
-            <a:avLst/>
-          </a:prstGeom>
-          <a:noFill/>
-        </p:spPr>
-        <p:txBody>
-          <a:bodyPr wrap="square" rtlCol="0">
-            <a:spAutoFit/>
-          </a:bodyPr>
-          <a:lstStyle/>
-          <a:p>
-            <a:r>
-              <a:rPr lang="ko-KR" altLang="en-US" dirty="0" smtClean="0"/>
-              <a:t>이름</a:t>
-            </a:r>
-            <a:r>
-              <a:rPr lang="en-US" altLang="ko-KR" dirty="0" smtClean="0"/>
-              <a:t>:</a:t>
-            </a:r>
-            <a:endParaRPr lang="ko-KR" altLang="en-US" dirty="0"/>
-          </a:p>
-        </p:txBody>
-      </p:sp>
-      <p:sp>
-        <p:nvSpPr>
-          <p:cNvPr id="23" name="TextBox 22"/>
-          <p:cNvSpPr txBox="1"/>
-          <p:nvPr/>
-        </p:nvSpPr>
-        <p:spPr>
-          <a:xfrm>
-            <a:off x="3713018" y="3777673"/>
-            <a:ext cx="4451927" cy="369332"/>
-          </a:xfrm>
-          <a:prstGeom prst="rect">
-            <a:avLst/>
-          </a:prstGeom>
-          <a:noFill/>
-        </p:spPr>
-        <p:txBody>
-          <a:bodyPr wrap="square" rtlCol="0">
-            <a:spAutoFit/>
-          </a:bodyPr>
-          <a:lstStyle/>
-          <a:p>
-            <a:r>
-              <a:rPr lang="ko-KR" altLang="en-US" dirty="0" smtClean="0"/>
-              <a:t>주소</a:t>
-            </a:r>
-            <a:r>
-              <a:rPr lang="en-US" altLang="ko-KR" dirty="0" smtClean="0"/>
-              <a:t>:</a:t>
-            </a:r>
-            <a:endParaRPr lang="ko-KR" altLang="en-US" dirty="0"/>
-          </a:p>
-        </p:txBody>
-      </p:sp>
-      <p:sp>
-        <p:nvSpPr>
-          <p:cNvPr id="24" name="TextBox 23"/>
-          <p:cNvSpPr txBox="1"/>
-          <p:nvPr/>
-        </p:nvSpPr>
-        <p:spPr>
-          <a:xfrm>
-            <a:off x="3703782" y="4373420"/>
-            <a:ext cx="4433454" cy="369332"/>
-          </a:xfrm>
-          <a:prstGeom prst="rect">
-            <a:avLst/>
-          </a:prstGeom>
-          <a:noFill/>
-        </p:spPr>
-        <p:txBody>
-          <a:bodyPr wrap="square" rtlCol="0">
-            <a:spAutoFit/>
-          </a:bodyPr>
-          <a:lstStyle/>
-          <a:p>
-            <a:r>
-              <a:rPr lang="ko-KR" altLang="en-US" dirty="0" smtClean="0"/>
-              <a:t>전화번호</a:t>
-            </a:r>
-            <a:r>
-              <a:rPr lang="en-US" altLang="ko-KR" dirty="0" smtClean="0"/>
-              <a:t>:</a:t>
-            </a:r>
-            <a:endParaRPr lang="ko-KR" altLang="en-US" dirty="0"/>
-          </a:p>
-        </p:txBody>
-      </p:sp>
-      <p:sp>
-        <p:nvSpPr>
-          <p:cNvPr id="25" name="직사각형 24"/>
-          <p:cNvSpPr/>
-          <p:nvPr/>
-        </p:nvSpPr>
-        <p:spPr>
-          <a:xfrm>
-            <a:off x="7740073" y="2992582"/>
-            <a:ext cx="2170545" cy="1995054"/>
-          </a:xfrm>
-          <a:prstGeom prst="rect">
-            <a:avLst/>
-          </a:prstGeom>
-        </p:spPr>
-        <p:style>
-          <a:lnRef idx="2">
-            <a:schemeClr val="accent1">
-              <a:shade val="50000"/>
-            </a:schemeClr>
-          </a:lnRef>
-          <a:fillRef idx="1">
-            <a:schemeClr val="accent1"/>
-          </a:fillRef>
-          <a:effectRef idx="0">
-            <a:schemeClr val="accent1"/>
-          </a:effectRef>
-          <a:fontRef idx="minor">
-            <a:schemeClr val="lt1"/>
-          </a:fontRef>
-        </p:style>
-        <p:txBody>
-          <a:bodyPr rtlCol="0" anchor="ctr"/>
-          <a:lstStyle/>
-          <a:p>
-            <a:pPr algn="ctr"/>
-            <a:r>
-              <a:rPr lang="ko-KR" altLang="en-US" dirty="0" err="1" smtClean="0"/>
-              <a:t>지도이미지</a:t>
-            </a:r>
-            <a:endParaRPr lang="ko-KR" altLang="en-US" dirty="0"/>
+            <a:endParaRPr lang="en-US" altLang="ko-KR" dirty="0"/>
           </a:p>
         </p:txBody>
       </p:sp>
     </p:spTree>
     <p:extLst>
       <p:ext uri="{BB962C8B-B14F-4D97-AF65-F5344CB8AC3E}">
-        <p14:creationId xmlns:p14="http://schemas.microsoft.com/office/powerpoint/2010/main" val="8794981"/>
+        <p14:creationId xmlns:p14="http://schemas.microsoft.com/office/powerpoint/2010/main" val="3008251914"/>
       </p:ext>
     </p:extLst>
   </p:cSld>
@@ -5584,6 +5040,2391 @@
         </p:nvSpPr>
         <p:spPr>
           <a:xfrm>
+            <a:off x="143163" y="0"/>
+            <a:ext cx="11905673" cy="6650182"/>
+          </a:xfrm>
+          <a:prstGeom prst="rect">
+            <a:avLst/>
+          </a:prstGeom>
+          <a:solidFill>
+            <a:srgbClr val="5B9BD5">
+              <a:alpha val="100000"/>
+            </a:srgbClr>
+          </a:solidFill>
+          <a:ln w="12700" cap="flat" cmpd="sng" algn="ctr">
+            <a:solidFill>
+              <a:srgbClr val="42719B">
+                <a:alpha val="100000"/>
+              </a:srgbClr>
+            </a:solidFill>
+            <a:prstDash val="solid"/>
+            <a:miter/>
+          </a:ln>
+        </p:spPr>
+        <p:txBody>
+          <a:bodyPr anchor="ctr"/>
+          <a:lstStyle/>
+          <a:p>
+            <a:pPr marL="0" lvl="0" indent="0" algn="ctr" defTabSz="914400" rtl="0" eaLnBrk="1" latinLnBrk="1" hangingPunct="1">
+              <a:lnSpc>
+                <a:spcPct val="100000"/>
+              </a:lnSpc>
+              <a:spcBef>
+                <a:spcPts val="0"/>
+              </a:spcBef>
+              <a:spcAft>
+                <a:spcPts val="0"/>
+              </a:spcAft>
+              <a:buNone/>
+              <a:defRPr/>
+            </a:pPr>
+            <a:endParaRPr kumimoji="0" lang="ko-KR" altLang="en-US" sz="1800" b="0" i="0" u="none" strike="noStrike" kern="1200" cap="none" spc="0" normalizeH="0" baseline="0">
+              <a:solidFill>
+                <a:srgbClr val="FFFFFF"/>
+              </a:solidFill>
+              <a:latin typeface="맑은 고딕"/>
+              <a:ea typeface="맑은 고딕"/>
+              <a:cs typeface="맑은 고딕"/>
+            </a:endParaRPr>
+          </a:p>
+        </p:txBody>
+      </p:sp>
+      <p:sp>
+        <p:nvSpPr>
+          <p:cNvPr id="3" name="TextBox 2"/>
+          <p:cNvSpPr txBox="1"/>
+          <p:nvPr/>
+        </p:nvSpPr>
+        <p:spPr>
+          <a:xfrm>
+            <a:off x="184727" y="175491"/>
+            <a:ext cx="11711709" cy="923330"/>
+          </a:xfrm>
+          <a:prstGeom prst="rect">
+            <a:avLst/>
+          </a:prstGeom>
+          <a:gradFill rotWithShape="1">
+            <a:gsLst>
+              <a:gs pos="0">
+                <a:srgbClr val="F7BDA5">
+                  <a:alpha val="100000"/>
+                </a:srgbClr>
+              </a:gs>
+              <a:gs pos="50000">
+                <a:srgbClr val="F5B196">
+                  <a:alpha val="100000"/>
+                </a:srgbClr>
+              </a:gs>
+              <a:gs pos="100000">
+                <a:srgbClr val="F8A582">
+                  <a:alpha val="100000"/>
+                </a:srgbClr>
+              </a:gs>
+            </a:gsLst>
+            <a:lin ang="5400000" scaled="0"/>
+          </a:gradFill>
+          <a:ln w="6350" cap="flat" cmpd="sng" algn="ctr">
+            <a:solidFill>
+              <a:srgbClr val="ED7D31">
+                <a:alpha val="100000"/>
+              </a:srgbClr>
+            </a:solidFill>
+            <a:prstDash val="solid"/>
+            <a:miter/>
+          </a:ln>
+          <a:effectLst/>
+        </p:spPr>
+        <p:txBody>
+          <a:bodyPr wrap="square">
+            <a:spAutoFit/>
+          </a:bodyPr>
+          <a:lstStyle/>
+          <a:p>
+            <a:pPr marL="0" lvl="0" indent="0" algn="ctr" defTabSz="914400" rtl="0" eaLnBrk="1" latinLnBrk="1" hangingPunct="1">
+              <a:lnSpc>
+                <a:spcPct val="100000"/>
+              </a:lnSpc>
+              <a:spcBef>
+                <a:spcPts val="0"/>
+              </a:spcBef>
+              <a:spcAft>
+                <a:spcPts val="0"/>
+              </a:spcAft>
+              <a:buNone/>
+              <a:defRPr/>
+            </a:pPr>
+            <a:endParaRPr kumimoji="0" lang="en-US" altLang="ko-KR" sz="1800" b="0" i="0" u="none" strike="noStrike" kern="1200" cap="none" spc="0" normalizeH="0" baseline="0">
+              <a:solidFill>
+                <a:srgbClr val="000000"/>
+              </a:solidFill>
+              <a:latin typeface="맑은 고딕"/>
+              <a:ea typeface="맑은 고딕"/>
+              <a:cs typeface="맑은 고딕"/>
+            </a:endParaRPr>
+          </a:p>
+          <a:p>
+            <a:pPr marL="0" lvl="0" indent="0" algn="ctr" defTabSz="914400" rtl="0" eaLnBrk="1" latinLnBrk="1" hangingPunct="1">
+              <a:lnSpc>
+                <a:spcPct val="100000"/>
+              </a:lnSpc>
+              <a:spcBef>
+                <a:spcPts val="0"/>
+              </a:spcBef>
+              <a:spcAft>
+                <a:spcPts val="0"/>
+              </a:spcAft>
+              <a:buNone/>
+              <a:defRPr/>
+            </a:pPr>
+            <a:r>
+              <a:rPr kumimoji="0" lang="en-US" altLang="ko-KR" sz="1800" b="0" i="0" u="none" strike="noStrike" kern="1200" cap="none" spc="0" normalizeH="0" baseline="0">
+                <a:solidFill>
+                  <a:srgbClr val="000000"/>
+                </a:solidFill>
+                <a:latin typeface="맑은 고딕"/>
+                <a:ea typeface="맑은 고딕"/>
+                <a:cs typeface="맑은 고딕"/>
+              </a:rPr>
+              <a:t>8.</a:t>
+            </a:r>
+            <a:r>
+              <a:rPr kumimoji="0" lang="ko-KR" altLang="en-US" sz="1800" b="0" i="0" u="none" strike="noStrike" kern="1200" cap="none" spc="0" normalizeH="0" baseline="0">
+                <a:solidFill>
+                  <a:srgbClr val="000000"/>
+                </a:solidFill>
+                <a:latin typeface="맑은 고딕"/>
+                <a:ea typeface="맑은 고딕"/>
+                <a:cs typeface="맑은 고딕"/>
+              </a:rPr>
+              <a:t>투어</a:t>
+            </a:r>
+          </a:p>
+          <a:p>
+            <a:pPr marL="0" lvl="0" indent="0" algn="l" defTabSz="914400" rtl="0" eaLnBrk="1" latinLnBrk="1" hangingPunct="1">
+              <a:lnSpc>
+                <a:spcPct val="100000"/>
+              </a:lnSpc>
+              <a:spcBef>
+                <a:spcPts val="0"/>
+              </a:spcBef>
+              <a:spcAft>
+                <a:spcPts val="0"/>
+              </a:spcAft>
+              <a:buNone/>
+              <a:defRPr/>
+            </a:pPr>
+            <a:endParaRPr kumimoji="0" lang="en-US" altLang="ko-KR" sz="1800" b="0" i="0" u="none" strike="noStrike" kern="1200" cap="none" spc="0" normalizeH="0" baseline="0">
+              <a:solidFill>
+                <a:srgbClr val="000000"/>
+              </a:solidFill>
+              <a:latin typeface="맑은 고딕"/>
+              <a:ea typeface="맑은 고딕"/>
+              <a:cs typeface="맑은 고딕"/>
+            </a:endParaRPr>
+          </a:p>
+        </p:txBody>
+      </p:sp>
+      <p:sp>
+        <p:nvSpPr>
+          <p:cNvPr id="4" name="직사각형 3"/>
+          <p:cNvSpPr/>
+          <p:nvPr/>
+        </p:nvSpPr>
+        <p:spPr>
+          <a:xfrm>
+            <a:off x="184727" y="1098821"/>
+            <a:ext cx="11711709" cy="674561"/>
+          </a:xfrm>
+          <a:prstGeom prst="rect">
+            <a:avLst/>
+          </a:prstGeom>
+          <a:gradFill rotWithShape="1">
+            <a:gsLst>
+              <a:gs pos="0">
+                <a:srgbClr val="FFDD9E">
+                  <a:alpha val="100000"/>
+                </a:srgbClr>
+              </a:gs>
+              <a:gs pos="50000">
+                <a:srgbClr val="FFD790">
+                  <a:alpha val="100000"/>
+                </a:srgbClr>
+              </a:gs>
+              <a:gs pos="100000">
+                <a:srgbClr val="FFD47C">
+                  <a:alpha val="100000"/>
+                </a:srgbClr>
+              </a:gs>
+            </a:gsLst>
+            <a:lin ang="5400000" scaled="0"/>
+          </a:gradFill>
+          <a:ln w="6350" cap="flat" cmpd="sng" algn="ctr">
+            <a:solidFill>
+              <a:srgbClr val="FFC000">
+                <a:alpha val="100000"/>
+              </a:srgbClr>
+            </a:solidFill>
+            <a:prstDash val="solid"/>
+            <a:miter/>
+          </a:ln>
+          <a:effectLst/>
+        </p:spPr>
+        <p:txBody>
+          <a:bodyPr anchor="ctr"/>
+          <a:lstStyle/>
+          <a:p>
+            <a:pPr marL="0" lvl="0" indent="0" algn="ctr" defTabSz="914400" rtl="0" eaLnBrk="1" latinLnBrk="1" hangingPunct="1">
+              <a:lnSpc>
+                <a:spcPct val="100000"/>
+              </a:lnSpc>
+              <a:spcBef>
+                <a:spcPts val="0"/>
+              </a:spcBef>
+              <a:spcAft>
+                <a:spcPts val="0"/>
+              </a:spcAft>
+              <a:buNone/>
+              <a:defRPr/>
+            </a:pPr>
+            <a:endParaRPr kumimoji="0" lang="ko-KR" altLang="en-US" sz="1800" b="0" i="0" u="none" strike="noStrike" kern="1200" cap="none" spc="0" normalizeH="0" baseline="0">
+              <a:solidFill>
+                <a:srgbClr val="000000"/>
+              </a:solidFill>
+              <a:latin typeface="맑은 고딕"/>
+              <a:ea typeface="맑은 고딕"/>
+              <a:cs typeface="맑은 고딕"/>
+            </a:endParaRPr>
+          </a:p>
+        </p:txBody>
+      </p:sp>
+      <p:sp>
+        <p:nvSpPr>
+          <p:cNvPr id="5" name="TextBox 5"/>
+          <p:cNvSpPr txBox="1"/>
+          <p:nvPr/>
+        </p:nvSpPr>
+        <p:spPr>
+          <a:xfrm>
+            <a:off x="2495306" y="1263381"/>
+            <a:ext cx="1376926" cy="363489"/>
+          </a:xfrm>
+          <a:prstGeom prst="rect">
+            <a:avLst/>
+          </a:prstGeom>
+          <a:noFill/>
+        </p:spPr>
+        <p:txBody>
+          <a:bodyPr wrap="square">
+            <a:spAutoFit/>
+          </a:bodyPr>
+          <a:lstStyle/>
+          <a:p>
+            <a:pPr marL="0" lvl="0" indent="0" algn="l" defTabSz="914400" rtl="0" eaLnBrk="1" latinLnBrk="1" hangingPunct="1">
+              <a:lnSpc>
+                <a:spcPct val="100000"/>
+              </a:lnSpc>
+              <a:spcBef>
+                <a:spcPts val="0"/>
+              </a:spcBef>
+              <a:spcAft>
+                <a:spcPts val="0"/>
+              </a:spcAft>
+              <a:buNone/>
+              <a:defRPr/>
+            </a:pPr>
+            <a:r>
+              <a:rPr kumimoji="0" lang="ko-KR" altLang="en-US" sz="1800" b="0" i="0" u="none" strike="noStrike" kern="1200" cap="none" spc="0" normalizeH="0" baseline="0">
+                <a:solidFill>
+                  <a:srgbClr val="000000"/>
+                </a:solidFill>
+                <a:latin typeface="맑은 고딕"/>
+                <a:ea typeface="맑은 고딕"/>
+                <a:cs typeface="맑은 고딕"/>
+              </a:rPr>
+              <a:t>이달의여행</a:t>
+            </a:r>
+          </a:p>
+        </p:txBody>
+      </p:sp>
+      <p:sp>
+        <p:nvSpPr>
+          <p:cNvPr id="6" name="TextBox 5"/>
+          <p:cNvSpPr txBox="1"/>
+          <p:nvPr/>
+        </p:nvSpPr>
+        <p:spPr>
+          <a:xfrm>
+            <a:off x="4358110" y="1251909"/>
+            <a:ext cx="1151604" cy="369332"/>
+          </a:xfrm>
+          <a:prstGeom prst="rect">
+            <a:avLst/>
+          </a:prstGeom>
+          <a:noFill/>
+        </p:spPr>
+        <p:txBody>
+          <a:bodyPr wrap="square">
+            <a:spAutoFit/>
+          </a:bodyPr>
+          <a:lstStyle/>
+          <a:p>
+            <a:pPr marL="0" lvl="0" indent="0" algn="l" defTabSz="914400" rtl="0" eaLnBrk="1" latinLnBrk="1" hangingPunct="1">
+              <a:lnSpc>
+                <a:spcPct val="100000"/>
+              </a:lnSpc>
+              <a:spcBef>
+                <a:spcPts val="0"/>
+              </a:spcBef>
+              <a:spcAft>
+                <a:spcPts val="0"/>
+              </a:spcAft>
+              <a:buNone/>
+              <a:defRPr/>
+            </a:pPr>
+            <a:r>
+              <a:rPr kumimoji="0" lang="ko-KR" altLang="en-US" sz="1800" b="0" i="0" u="none" strike="noStrike" kern="1200" cap="none" spc="0" normalizeH="0" baseline="0">
+                <a:solidFill>
+                  <a:srgbClr val="000000"/>
+                </a:solidFill>
+                <a:latin typeface="맑은 고딕"/>
+                <a:ea typeface="맑은 고딕"/>
+                <a:cs typeface="맑은 고딕"/>
+              </a:rPr>
+              <a:t>맛집여행</a:t>
+            </a:r>
+          </a:p>
+        </p:txBody>
+      </p:sp>
+      <p:sp>
+        <p:nvSpPr>
+          <p:cNvPr id="7" name="TextBox 5"/>
+          <p:cNvSpPr txBox="1"/>
+          <p:nvPr/>
+        </p:nvSpPr>
+        <p:spPr>
+          <a:xfrm>
+            <a:off x="6222141" y="1292876"/>
+            <a:ext cx="1151604" cy="369332"/>
+          </a:xfrm>
+          <a:prstGeom prst="rect">
+            <a:avLst/>
+          </a:prstGeom>
+          <a:noFill/>
+        </p:spPr>
+        <p:txBody>
+          <a:bodyPr wrap="square">
+            <a:spAutoFit/>
+          </a:bodyPr>
+          <a:lstStyle/>
+          <a:p>
+            <a:pPr marL="0" lvl="0" indent="0" algn="l" defTabSz="914400" rtl="0" eaLnBrk="1" latinLnBrk="1" hangingPunct="1">
+              <a:lnSpc>
+                <a:spcPct val="100000"/>
+              </a:lnSpc>
+              <a:spcBef>
+                <a:spcPts val="0"/>
+              </a:spcBef>
+              <a:spcAft>
+                <a:spcPts val="0"/>
+              </a:spcAft>
+              <a:buNone/>
+              <a:defRPr/>
+            </a:pPr>
+            <a:r>
+              <a:rPr kumimoji="0" lang="ko-KR" altLang="en-US" sz="1800" b="0" i="0" u="none" strike="noStrike" kern="1200" cap="none" spc="0" normalizeH="0" baseline="0">
+                <a:solidFill>
+                  <a:srgbClr val="000000"/>
+                </a:solidFill>
+                <a:latin typeface="맑은 고딕"/>
+                <a:ea typeface="맑은 고딕"/>
+                <a:cs typeface="맑은 고딕"/>
+              </a:rPr>
+              <a:t>추천여행</a:t>
+            </a:r>
+          </a:p>
+        </p:txBody>
+      </p:sp>
+      <p:sp>
+        <p:nvSpPr>
+          <p:cNvPr id="8" name="TextBox 5"/>
+          <p:cNvSpPr txBox="1"/>
+          <p:nvPr/>
+        </p:nvSpPr>
+        <p:spPr>
+          <a:xfrm>
+            <a:off x="8157867" y="1231427"/>
+            <a:ext cx="1151604" cy="369332"/>
+          </a:xfrm>
+          <a:prstGeom prst="rect">
+            <a:avLst/>
+          </a:prstGeom>
+          <a:noFill/>
+        </p:spPr>
+        <p:txBody>
+          <a:bodyPr wrap="square">
+            <a:spAutoFit/>
+          </a:bodyPr>
+          <a:lstStyle/>
+          <a:p>
+            <a:pPr marL="0" lvl="0" indent="0" algn="l" defTabSz="914400" rtl="0" eaLnBrk="1" latinLnBrk="1" hangingPunct="1">
+              <a:lnSpc>
+                <a:spcPct val="100000"/>
+              </a:lnSpc>
+              <a:spcBef>
+                <a:spcPts val="0"/>
+              </a:spcBef>
+              <a:spcAft>
+                <a:spcPts val="0"/>
+              </a:spcAft>
+              <a:buNone/>
+              <a:defRPr/>
+            </a:pPr>
+            <a:r>
+              <a:rPr kumimoji="0" lang="ko-KR" altLang="en-US" sz="1800" b="0" i="0" u="none" strike="noStrike" kern="1200" cap="none" spc="0" normalizeH="0" baseline="0">
+                <a:solidFill>
+                  <a:srgbClr val="000000"/>
+                </a:solidFill>
+                <a:latin typeface="맑은 고딕"/>
+                <a:ea typeface="맑은 고딕"/>
+                <a:cs typeface="맑은 고딕"/>
+              </a:rPr>
+              <a:t>테마여행</a:t>
+            </a:r>
+          </a:p>
+        </p:txBody>
+      </p:sp>
+      <p:sp>
+        <p:nvSpPr>
+          <p:cNvPr id="9" name="직사각형 8"/>
+          <p:cNvSpPr/>
+          <p:nvPr/>
+        </p:nvSpPr>
+        <p:spPr>
+          <a:xfrm>
+            <a:off x="660502" y="2450896"/>
+            <a:ext cx="1403145" cy="732297"/>
+          </a:xfrm>
+          <a:prstGeom prst="rect">
+            <a:avLst/>
+          </a:prstGeom>
+        </p:spPr>
+        <p:style>
+          <a:lnRef idx="1">
+            <a:schemeClr val="accent1"/>
+          </a:lnRef>
+          <a:fillRef idx="2">
+            <a:schemeClr val="accent1"/>
+          </a:fillRef>
+          <a:effectRef idx="1">
+            <a:schemeClr val="accent1"/>
+          </a:effectRef>
+          <a:fontRef idx="minor">
+            <a:schemeClr val="dk1"/>
+          </a:fontRef>
+        </p:style>
+        <p:txBody>
+          <a:bodyPr anchor="ctr"/>
+          <a:lstStyle/>
+          <a:p>
+            <a:pPr lvl="0" algn="ctr">
+              <a:defRPr/>
+            </a:pPr>
+            <a:endParaRPr lang="ko-KR" altLang="en-US"/>
+          </a:p>
+        </p:txBody>
+      </p:sp>
+      <p:sp>
+        <p:nvSpPr>
+          <p:cNvPr id="10" name="직사각형 9"/>
+          <p:cNvSpPr/>
+          <p:nvPr/>
+        </p:nvSpPr>
+        <p:spPr>
+          <a:xfrm>
+            <a:off x="2232127" y="2460421"/>
+            <a:ext cx="1403145" cy="732297"/>
+          </a:xfrm>
+          <a:prstGeom prst="rect">
+            <a:avLst/>
+          </a:prstGeom>
+          <a:gradFill rotWithShape="1">
+            <a:gsLst>
+              <a:gs pos="0">
+                <a:srgbClr val="B1CBEA">
+                  <a:alpha val="100000"/>
+                </a:srgbClr>
+              </a:gs>
+              <a:gs pos="50000">
+                <a:srgbClr val="A3C1E5">
+                  <a:alpha val="100000"/>
+                </a:srgbClr>
+              </a:gs>
+              <a:gs pos="100000">
+                <a:srgbClr val="93B9E4">
+                  <a:alpha val="100000"/>
+                </a:srgbClr>
+              </a:gs>
+            </a:gsLst>
+            <a:lin ang="5400000" scaled="0"/>
+          </a:gradFill>
+          <a:ln w="6350" cap="flat" cmpd="sng" algn="ctr">
+            <a:solidFill>
+              <a:srgbClr val="5B9BD5">
+                <a:alpha val="100000"/>
+              </a:srgbClr>
+            </a:solidFill>
+            <a:prstDash val="solid"/>
+            <a:miter/>
+          </a:ln>
+          <a:effectLst/>
+        </p:spPr>
+        <p:txBody>
+          <a:bodyPr anchor="ctr"/>
+          <a:lstStyle/>
+          <a:p>
+            <a:pPr marL="0" lvl="0" indent="0" algn="ctr" defTabSz="914400" rtl="0" eaLnBrk="1" latinLnBrk="1" hangingPunct="1">
+              <a:lnSpc>
+                <a:spcPct val="100000"/>
+              </a:lnSpc>
+              <a:spcBef>
+                <a:spcPts val="0"/>
+              </a:spcBef>
+              <a:spcAft>
+                <a:spcPts val="0"/>
+              </a:spcAft>
+              <a:buNone/>
+              <a:defRPr/>
+            </a:pPr>
+            <a:endParaRPr kumimoji="0" lang="ko-KR" altLang="en-US" sz="1800" b="0" i="0" u="none" strike="noStrike" kern="1200" cap="none" spc="0" normalizeH="0" baseline="0">
+              <a:solidFill>
+                <a:srgbClr val="000000"/>
+              </a:solidFill>
+              <a:latin typeface="맑은 고딕"/>
+              <a:ea typeface="맑은 고딕"/>
+              <a:cs typeface="맑은 고딕"/>
+            </a:endParaRPr>
+          </a:p>
+        </p:txBody>
+      </p:sp>
+      <p:sp>
+        <p:nvSpPr>
+          <p:cNvPr id="11" name="직사각형 10"/>
+          <p:cNvSpPr/>
+          <p:nvPr/>
+        </p:nvSpPr>
+        <p:spPr>
+          <a:xfrm>
+            <a:off x="3832327" y="2460421"/>
+            <a:ext cx="1403145" cy="732297"/>
+          </a:xfrm>
+          <a:prstGeom prst="rect">
+            <a:avLst/>
+          </a:prstGeom>
+          <a:gradFill rotWithShape="1">
+            <a:gsLst>
+              <a:gs pos="0">
+                <a:srgbClr val="B1CBEA">
+                  <a:alpha val="100000"/>
+                </a:srgbClr>
+              </a:gs>
+              <a:gs pos="50000">
+                <a:srgbClr val="A3C1E5">
+                  <a:alpha val="100000"/>
+                </a:srgbClr>
+              </a:gs>
+              <a:gs pos="100000">
+                <a:srgbClr val="93B9E4">
+                  <a:alpha val="100000"/>
+                </a:srgbClr>
+              </a:gs>
+            </a:gsLst>
+            <a:lin ang="5400000" scaled="0"/>
+          </a:gradFill>
+          <a:ln w="6350" cap="flat" cmpd="sng" algn="ctr">
+            <a:solidFill>
+              <a:srgbClr val="5B9BD5">
+                <a:alpha val="100000"/>
+              </a:srgbClr>
+            </a:solidFill>
+            <a:prstDash val="solid"/>
+            <a:miter/>
+          </a:ln>
+          <a:effectLst/>
+        </p:spPr>
+        <p:txBody>
+          <a:bodyPr anchor="ctr"/>
+          <a:lstStyle/>
+          <a:p>
+            <a:pPr marL="0" lvl="0" indent="0" algn="ctr" defTabSz="914400" rtl="0" eaLnBrk="1" latinLnBrk="1" hangingPunct="1">
+              <a:lnSpc>
+                <a:spcPct val="100000"/>
+              </a:lnSpc>
+              <a:spcBef>
+                <a:spcPts val="0"/>
+              </a:spcBef>
+              <a:spcAft>
+                <a:spcPts val="0"/>
+              </a:spcAft>
+              <a:buNone/>
+              <a:defRPr/>
+            </a:pPr>
+            <a:endParaRPr kumimoji="0" lang="ko-KR" altLang="en-US" sz="1800" b="0" i="0" u="none" strike="noStrike" kern="1200" cap="none" spc="0" normalizeH="0" baseline="0">
+              <a:solidFill>
+                <a:srgbClr val="000000"/>
+              </a:solidFill>
+              <a:latin typeface="맑은 고딕"/>
+              <a:ea typeface="맑은 고딕"/>
+              <a:cs typeface="맑은 고딕"/>
+            </a:endParaRPr>
+          </a:p>
+        </p:txBody>
+      </p:sp>
+      <p:sp>
+        <p:nvSpPr>
+          <p:cNvPr id="12" name="직사각형 11"/>
+          <p:cNvSpPr/>
+          <p:nvPr/>
+        </p:nvSpPr>
+        <p:spPr>
+          <a:xfrm>
+            <a:off x="5394427" y="2460421"/>
+            <a:ext cx="1403145" cy="732297"/>
+          </a:xfrm>
+          <a:prstGeom prst="rect">
+            <a:avLst/>
+          </a:prstGeom>
+          <a:gradFill rotWithShape="1">
+            <a:gsLst>
+              <a:gs pos="0">
+                <a:srgbClr val="B1CBEA">
+                  <a:alpha val="100000"/>
+                </a:srgbClr>
+              </a:gs>
+              <a:gs pos="50000">
+                <a:srgbClr val="A3C1E5">
+                  <a:alpha val="100000"/>
+                </a:srgbClr>
+              </a:gs>
+              <a:gs pos="100000">
+                <a:srgbClr val="93B9E4">
+                  <a:alpha val="100000"/>
+                </a:srgbClr>
+              </a:gs>
+            </a:gsLst>
+            <a:lin ang="5400000" scaled="0"/>
+          </a:gradFill>
+          <a:ln w="6350" cap="flat" cmpd="sng" algn="ctr">
+            <a:solidFill>
+              <a:srgbClr val="5B9BD5">
+                <a:alpha val="100000"/>
+              </a:srgbClr>
+            </a:solidFill>
+            <a:prstDash val="solid"/>
+            <a:miter/>
+          </a:ln>
+          <a:effectLst/>
+        </p:spPr>
+        <p:txBody>
+          <a:bodyPr anchor="ctr"/>
+          <a:lstStyle/>
+          <a:p>
+            <a:pPr marL="0" lvl="0" indent="0" algn="ctr" defTabSz="914400" rtl="0" eaLnBrk="1" latinLnBrk="1" hangingPunct="1">
+              <a:lnSpc>
+                <a:spcPct val="100000"/>
+              </a:lnSpc>
+              <a:spcBef>
+                <a:spcPts val="0"/>
+              </a:spcBef>
+              <a:spcAft>
+                <a:spcPts val="0"/>
+              </a:spcAft>
+              <a:buNone/>
+              <a:defRPr/>
+            </a:pPr>
+            <a:endParaRPr kumimoji="0" lang="ko-KR" altLang="en-US" sz="1800" b="0" i="0" u="none" strike="noStrike" kern="1200" cap="none" spc="0" normalizeH="0" baseline="0">
+              <a:solidFill>
+                <a:srgbClr val="000000"/>
+              </a:solidFill>
+              <a:latin typeface="맑은 고딕"/>
+              <a:ea typeface="맑은 고딕"/>
+              <a:cs typeface="맑은 고딕"/>
+            </a:endParaRPr>
+          </a:p>
+        </p:txBody>
+      </p:sp>
+      <p:sp>
+        <p:nvSpPr>
+          <p:cNvPr id="13" name="직사각형 12"/>
+          <p:cNvSpPr/>
+          <p:nvPr/>
+        </p:nvSpPr>
+        <p:spPr>
+          <a:xfrm>
+            <a:off x="6937477" y="2469945"/>
+            <a:ext cx="1403145" cy="732297"/>
+          </a:xfrm>
+          <a:prstGeom prst="rect">
+            <a:avLst/>
+          </a:prstGeom>
+          <a:gradFill rotWithShape="1">
+            <a:gsLst>
+              <a:gs pos="0">
+                <a:srgbClr val="B1CBEA">
+                  <a:alpha val="100000"/>
+                </a:srgbClr>
+              </a:gs>
+              <a:gs pos="50000">
+                <a:srgbClr val="A3C1E5">
+                  <a:alpha val="100000"/>
+                </a:srgbClr>
+              </a:gs>
+              <a:gs pos="100000">
+                <a:srgbClr val="93B9E4">
+                  <a:alpha val="100000"/>
+                </a:srgbClr>
+              </a:gs>
+            </a:gsLst>
+            <a:lin ang="5400000" scaled="0"/>
+          </a:gradFill>
+          <a:ln w="6350" cap="flat" cmpd="sng" algn="ctr">
+            <a:solidFill>
+              <a:srgbClr val="5B9BD5">
+                <a:alpha val="100000"/>
+              </a:srgbClr>
+            </a:solidFill>
+            <a:prstDash val="solid"/>
+            <a:miter/>
+          </a:ln>
+          <a:effectLst/>
+        </p:spPr>
+        <p:txBody>
+          <a:bodyPr anchor="ctr"/>
+          <a:lstStyle/>
+          <a:p>
+            <a:pPr marL="0" lvl="0" indent="0" algn="ctr" defTabSz="914400" rtl="0" eaLnBrk="1" latinLnBrk="1" hangingPunct="1">
+              <a:lnSpc>
+                <a:spcPct val="100000"/>
+              </a:lnSpc>
+              <a:spcBef>
+                <a:spcPts val="0"/>
+              </a:spcBef>
+              <a:spcAft>
+                <a:spcPts val="0"/>
+              </a:spcAft>
+              <a:buNone/>
+              <a:defRPr/>
+            </a:pPr>
+            <a:endParaRPr kumimoji="0" lang="ko-KR" altLang="en-US" sz="1800" b="0" i="0" u="none" strike="noStrike" kern="1200" cap="none" spc="0" normalizeH="0" baseline="0">
+              <a:solidFill>
+                <a:srgbClr val="000000"/>
+              </a:solidFill>
+              <a:latin typeface="맑은 고딕"/>
+              <a:ea typeface="맑은 고딕"/>
+              <a:cs typeface="맑은 고딕"/>
+            </a:endParaRPr>
+          </a:p>
+        </p:txBody>
+      </p:sp>
+      <p:sp>
+        <p:nvSpPr>
+          <p:cNvPr id="14" name="직사각형 13"/>
+          <p:cNvSpPr/>
+          <p:nvPr/>
+        </p:nvSpPr>
+        <p:spPr>
+          <a:xfrm>
+            <a:off x="8490053" y="2450896"/>
+            <a:ext cx="1403145" cy="732297"/>
+          </a:xfrm>
+          <a:prstGeom prst="rect">
+            <a:avLst/>
+          </a:prstGeom>
+          <a:gradFill rotWithShape="1">
+            <a:gsLst>
+              <a:gs pos="0">
+                <a:srgbClr val="B1CBEA">
+                  <a:alpha val="100000"/>
+                </a:srgbClr>
+              </a:gs>
+              <a:gs pos="50000">
+                <a:srgbClr val="A3C1E5">
+                  <a:alpha val="100000"/>
+                </a:srgbClr>
+              </a:gs>
+              <a:gs pos="100000">
+                <a:srgbClr val="93B9E4">
+                  <a:alpha val="100000"/>
+                </a:srgbClr>
+              </a:gs>
+            </a:gsLst>
+            <a:lin ang="5400000" scaled="0"/>
+          </a:gradFill>
+          <a:ln w="6350" cap="flat" cmpd="sng" algn="ctr">
+            <a:solidFill>
+              <a:srgbClr val="5B9BD5">
+                <a:alpha val="100000"/>
+              </a:srgbClr>
+            </a:solidFill>
+            <a:prstDash val="solid"/>
+            <a:miter/>
+          </a:ln>
+          <a:effectLst/>
+        </p:spPr>
+        <p:txBody>
+          <a:bodyPr anchor="ctr"/>
+          <a:lstStyle/>
+          <a:p>
+            <a:pPr marL="0" lvl="0" indent="0" algn="ctr" defTabSz="914400" rtl="0" eaLnBrk="1" latinLnBrk="1" hangingPunct="1">
+              <a:lnSpc>
+                <a:spcPct val="100000"/>
+              </a:lnSpc>
+              <a:spcBef>
+                <a:spcPts val="0"/>
+              </a:spcBef>
+              <a:spcAft>
+                <a:spcPts val="0"/>
+              </a:spcAft>
+              <a:buNone/>
+              <a:defRPr/>
+            </a:pPr>
+            <a:endParaRPr kumimoji="0" lang="ko-KR" altLang="en-US" sz="1800" b="0" i="0" u="none" strike="noStrike" kern="1200" cap="none" spc="0" normalizeH="0" baseline="0">
+              <a:solidFill>
+                <a:srgbClr val="000000"/>
+              </a:solidFill>
+              <a:latin typeface="맑은 고딕"/>
+              <a:ea typeface="맑은 고딕"/>
+              <a:cs typeface="맑은 고딕"/>
+            </a:endParaRPr>
+          </a:p>
+        </p:txBody>
+      </p:sp>
+      <p:sp>
+        <p:nvSpPr>
+          <p:cNvPr id="27" name="가로 글상자 26"/>
+          <p:cNvSpPr txBox="1"/>
+          <p:nvPr/>
+        </p:nvSpPr>
+        <p:spPr>
+          <a:xfrm>
+            <a:off x="10300315" y="2614766"/>
+            <a:ext cx="1372419" cy="365473"/>
+          </a:xfrm>
+          <a:prstGeom prst="rect">
+            <a:avLst/>
+          </a:prstGeom>
+        </p:spPr>
+        <p:txBody>
+          <a:bodyPr wrap="square">
+            <a:spAutoFit/>
+          </a:bodyPr>
+          <a:lstStyle/>
+          <a:p>
+            <a:pPr lvl="0">
+              <a:defRPr/>
+            </a:pPr>
+            <a:r>
+              <a:rPr lang="ko-KR" altLang="en-US"/>
+              <a:t>이달의여행</a:t>
+            </a:r>
+          </a:p>
+        </p:txBody>
+      </p:sp>
+      <p:sp>
+        <p:nvSpPr>
+          <p:cNvPr id="28" name="가로 글상자 27"/>
+          <p:cNvSpPr txBox="1"/>
+          <p:nvPr/>
+        </p:nvSpPr>
+        <p:spPr>
+          <a:xfrm>
+            <a:off x="10360538" y="3620933"/>
+            <a:ext cx="1372419" cy="364654"/>
+          </a:xfrm>
+          <a:prstGeom prst="rect">
+            <a:avLst/>
+          </a:prstGeom>
+        </p:spPr>
+        <p:txBody>
+          <a:bodyPr wrap="square">
+            <a:spAutoFit/>
+          </a:bodyPr>
+          <a:lstStyle/>
+          <a:p>
+            <a:pPr marL="0" lvl="0" indent="0" algn="l" defTabSz="914400" rtl="0" eaLnBrk="1" latinLnBrk="1" hangingPunct="1">
+              <a:lnSpc>
+                <a:spcPct val="100000"/>
+              </a:lnSpc>
+              <a:spcBef>
+                <a:spcPts val="0"/>
+              </a:spcBef>
+              <a:spcAft>
+                <a:spcPts val="0"/>
+              </a:spcAft>
+              <a:buNone/>
+              <a:defRPr/>
+            </a:pPr>
+            <a:r>
+              <a:rPr kumimoji="0" lang="ko-KR" altLang="en-US" sz="1800" b="0" i="0" u="none" strike="noStrike" kern="1200" cap="none" spc="0" normalizeH="0" baseline="0">
+                <a:solidFill>
+                  <a:srgbClr val="000000"/>
+                </a:solidFill>
+                <a:latin typeface="맑은 고딕"/>
+                <a:ea typeface="맑은 고딕"/>
+                <a:cs typeface="맑은 고딕"/>
+              </a:rPr>
+              <a:t>맛집여행</a:t>
+            </a:r>
+          </a:p>
+        </p:txBody>
+      </p:sp>
+      <p:sp>
+        <p:nvSpPr>
+          <p:cNvPr id="29" name="가로 글상자 28"/>
+          <p:cNvSpPr txBox="1"/>
+          <p:nvPr/>
+        </p:nvSpPr>
+        <p:spPr>
+          <a:xfrm>
+            <a:off x="10329812" y="4666226"/>
+            <a:ext cx="1372419" cy="365473"/>
+          </a:xfrm>
+          <a:prstGeom prst="rect">
+            <a:avLst/>
+          </a:prstGeom>
+        </p:spPr>
+        <p:txBody>
+          <a:bodyPr wrap="square">
+            <a:spAutoFit/>
+          </a:bodyPr>
+          <a:lstStyle/>
+          <a:p>
+            <a:pPr marL="0" lvl="0" indent="0" algn="l" defTabSz="914400" rtl="0" eaLnBrk="1" latinLnBrk="1" hangingPunct="1">
+              <a:lnSpc>
+                <a:spcPct val="100000"/>
+              </a:lnSpc>
+              <a:spcBef>
+                <a:spcPts val="0"/>
+              </a:spcBef>
+              <a:spcAft>
+                <a:spcPts val="0"/>
+              </a:spcAft>
+              <a:buNone/>
+              <a:defRPr/>
+            </a:pPr>
+            <a:r>
+              <a:rPr kumimoji="0" lang="ko-KR" altLang="en-US" sz="1800" b="0" i="0" u="none" strike="noStrike" kern="1200" cap="none" spc="0" normalizeH="0" baseline="0">
+                <a:solidFill>
+                  <a:srgbClr val="000000"/>
+                </a:solidFill>
+                <a:latin typeface="맑은 고딕"/>
+                <a:ea typeface="맑은 고딕"/>
+                <a:cs typeface="맑은 고딕"/>
+              </a:rPr>
+              <a:t>추천여행</a:t>
+            </a:r>
+          </a:p>
+        </p:txBody>
+      </p:sp>
+      <p:sp>
+        <p:nvSpPr>
+          <p:cNvPr id="30" name="직사각형 29"/>
+          <p:cNvSpPr/>
+          <p:nvPr/>
+        </p:nvSpPr>
+        <p:spPr>
+          <a:xfrm>
+            <a:off x="660502" y="3429000"/>
+            <a:ext cx="1403145" cy="732297"/>
+          </a:xfrm>
+          <a:prstGeom prst="rect">
+            <a:avLst/>
+          </a:prstGeom>
+          <a:gradFill rotWithShape="1">
+            <a:gsLst>
+              <a:gs pos="0">
+                <a:srgbClr val="B1CBEA">
+                  <a:alpha val="100000"/>
+                </a:srgbClr>
+              </a:gs>
+              <a:gs pos="50000">
+                <a:srgbClr val="A3C1E5">
+                  <a:alpha val="100000"/>
+                </a:srgbClr>
+              </a:gs>
+              <a:gs pos="100000">
+                <a:srgbClr val="93B9E4">
+                  <a:alpha val="100000"/>
+                </a:srgbClr>
+              </a:gs>
+            </a:gsLst>
+            <a:lin ang="5400000" scaled="0"/>
+          </a:gradFill>
+          <a:ln w="6350" cap="flat" cmpd="sng" algn="ctr">
+            <a:solidFill>
+              <a:srgbClr val="5B9BD5">
+                <a:alpha val="100000"/>
+              </a:srgbClr>
+            </a:solidFill>
+            <a:prstDash val="solid"/>
+            <a:miter/>
+          </a:ln>
+          <a:effectLst/>
+        </p:spPr>
+        <p:txBody>
+          <a:bodyPr anchor="ctr"/>
+          <a:lstStyle/>
+          <a:p>
+            <a:pPr marL="0" lvl="0" indent="0" algn="ctr" defTabSz="914400" rtl="0" eaLnBrk="1" latinLnBrk="1" hangingPunct="1">
+              <a:lnSpc>
+                <a:spcPct val="100000"/>
+              </a:lnSpc>
+              <a:spcBef>
+                <a:spcPts val="0"/>
+              </a:spcBef>
+              <a:spcAft>
+                <a:spcPts val="0"/>
+              </a:spcAft>
+              <a:buNone/>
+              <a:defRPr/>
+            </a:pPr>
+            <a:endParaRPr kumimoji="0" lang="ko-KR" altLang="en-US" sz="1800" b="0" i="0" u="none" strike="noStrike" kern="1200" cap="none" spc="0" normalizeH="0" baseline="0">
+              <a:solidFill>
+                <a:srgbClr val="000000"/>
+              </a:solidFill>
+              <a:latin typeface="맑은 고딕"/>
+              <a:ea typeface="맑은 고딕"/>
+              <a:cs typeface="맑은 고딕"/>
+            </a:endParaRPr>
+          </a:p>
+        </p:txBody>
+      </p:sp>
+      <p:sp>
+        <p:nvSpPr>
+          <p:cNvPr id="31" name="직사각형 30"/>
+          <p:cNvSpPr/>
+          <p:nvPr/>
+        </p:nvSpPr>
+        <p:spPr>
+          <a:xfrm>
+            <a:off x="2232127" y="3438525"/>
+            <a:ext cx="1403145" cy="732297"/>
+          </a:xfrm>
+          <a:prstGeom prst="rect">
+            <a:avLst/>
+          </a:prstGeom>
+          <a:gradFill rotWithShape="1">
+            <a:gsLst>
+              <a:gs pos="0">
+                <a:srgbClr val="B1CBEA">
+                  <a:alpha val="100000"/>
+                </a:srgbClr>
+              </a:gs>
+              <a:gs pos="50000">
+                <a:srgbClr val="A3C1E5">
+                  <a:alpha val="100000"/>
+                </a:srgbClr>
+              </a:gs>
+              <a:gs pos="100000">
+                <a:srgbClr val="93B9E4">
+                  <a:alpha val="100000"/>
+                </a:srgbClr>
+              </a:gs>
+            </a:gsLst>
+            <a:lin ang="5400000" scaled="0"/>
+          </a:gradFill>
+          <a:ln w="6350" cap="flat" cmpd="sng" algn="ctr">
+            <a:solidFill>
+              <a:srgbClr val="5B9BD5">
+                <a:alpha val="100000"/>
+              </a:srgbClr>
+            </a:solidFill>
+            <a:prstDash val="solid"/>
+            <a:miter/>
+          </a:ln>
+          <a:effectLst/>
+        </p:spPr>
+        <p:txBody>
+          <a:bodyPr anchor="ctr"/>
+          <a:lstStyle/>
+          <a:p>
+            <a:pPr marL="0" lvl="0" indent="0" algn="ctr" defTabSz="914400" rtl="0" eaLnBrk="1" latinLnBrk="1" hangingPunct="1">
+              <a:lnSpc>
+                <a:spcPct val="100000"/>
+              </a:lnSpc>
+              <a:spcBef>
+                <a:spcPts val="0"/>
+              </a:spcBef>
+              <a:spcAft>
+                <a:spcPts val="0"/>
+              </a:spcAft>
+              <a:buNone/>
+              <a:defRPr/>
+            </a:pPr>
+            <a:endParaRPr kumimoji="0" lang="ko-KR" altLang="en-US" sz="1800" b="0" i="0" u="none" strike="noStrike" kern="1200" cap="none" spc="0" normalizeH="0" baseline="0">
+              <a:solidFill>
+                <a:srgbClr val="000000"/>
+              </a:solidFill>
+              <a:latin typeface="맑은 고딕"/>
+              <a:ea typeface="맑은 고딕"/>
+              <a:cs typeface="맑은 고딕"/>
+            </a:endParaRPr>
+          </a:p>
+        </p:txBody>
+      </p:sp>
+      <p:sp>
+        <p:nvSpPr>
+          <p:cNvPr id="32" name="직사각형 31"/>
+          <p:cNvSpPr/>
+          <p:nvPr/>
+        </p:nvSpPr>
+        <p:spPr>
+          <a:xfrm>
+            <a:off x="3832327" y="3438525"/>
+            <a:ext cx="1403145" cy="732297"/>
+          </a:xfrm>
+          <a:prstGeom prst="rect">
+            <a:avLst/>
+          </a:prstGeom>
+          <a:gradFill rotWithShape="1">
+            <a:gsLst>
+              <a:gs pos="0">
+                <a:srgbClr val="B1CBEA">
+                  <a:alpha val="100000"/>
+                </a:srgbClr>
+              </a:gs>
+              <a:gs pos="50000">
+                <a:srgbClr val="A3C1E5">
+                  <a:alpha val="100000"/>
+                </a:srgbClr>
+              </a:gs>
+              <a:gs pos="100000">
+                <a:srgbClr val="93B9E4">
+                  <a:alpha val="100000"/>
+                </a:srgbClr>
+              </a:gs>
+            </a:gsLst>
+            <a:lin ang="5400000" scaled="0"/>
+          </a:gradFill>
+          <a:ln w="6350" cap="flat" cmpd="sng" algn="ctr">
+            <a:solidFill>
+              <a:srgbClr val="5B9BD5">
+                <a:alpha val="100000"/>
+              </a:srgbClr>
+            </a:solidFill>
+            <a:prstDash val="solid"/>
+            <a:miter/>
+          </a:ln>
+          <a:effectLst/>
+        </p:spPr>
+        <p:txBody>
+          <a:bodyPr anchor="ctr"/>
+          <a:lstStyle/>
+          <a:p>
+            <a:pPr marL="0" lvl="0" indent="0" algn="ctr" defTabSz="914400" rtl="0" eaLnBrk="1" latinLnBrk="1" hangingPunct="1">
+              <a:lnSpc>
+                <a:spcPct val="100000"/>
+              </a:lnSpc>
+              <a:spcBef>
+                <a:spcPts val="0"/>
+              </a:spcBef>
+              <a:spcAft>
+                <a:spcPts val="0"/>
+              </a:spcAft>
+              <a:buNone/>
+              <a:defRPr/>
+            </a:pPr>
+            <a:endParaRPr kumimoji="0" lang="ko-KR" altLang="en-US" sz="1800" b="0" i="0" u="none" strike="noStrike" kern="1200" cap="none" spc="0" normalizeH="0" baseline="0">
+              <a:solidFill>
+                <a:srgbClr val="000000"/>
+              </a:solidFill>
+              <a:latin typeface="맑은 고딕"/>
+              <a:ea typeface="맑은 고딕"/>
+              <a:cs typeface="맑은 고딕"/>
+            </a:endParaRPr>
+          </a:p>
+        </p:txBody>
+      </p:sp>
+      <p:sp>
+        <p:nvSpPr>
+          <p:cNvPr id="33" name="직사각형 32"/>
+          <p:cNvSpPr/>
+          <p:nvPr/>
+        </p:nvSpPr>
+        <p:spPr>
+          <a:xfrm>
+            <a:off x="5394427" y="3438525"/>
+            <a:ext cx="1403145" cy="732297"/>
+          </a:xfrm>
+          <a:prstGeom prst="rect">
+            <a:avLst/>
+          </a:prstGeom>
+          <a:gradFill rotWithShape="1">
+            <a:gsLst>
+              <a:gs pos="0">
+                <a:srgbClr val="B1CBEA">
+                  <a:alpha val="100000"/>
+                </a:srgbClr>
+              </a:gs>
+              <a:gs pos="50000">
+                <a:srgbClr val="A3C1E5">
+                  <a:alpha val="100000"/>
+                </a:srgbClr>
+              </a:gs>
+              <a:gs pos="100000">
+                <a:srgbClr val="93B9E4">
+                  <a:alpha val="100000"/>
+                </a:srgbClr>
+              </a:gs>
+            </a:gsLst>
+            <a:lin ang="5400000" scaled="0"/>
+          </a:gradFill>
+          <a:ln w="6350" cap="flat" cmpd="sng" algn="ctr">
+            <a:solidFill>
+              <a:srgbClr val="5B9BD5">
+                <a:alpha val="100000"/>
+              </a:srgbClr>
+            </a:solidFill>
+            <a:prstDash val="solid"/>
+            <a:miter/>
+          </a:ln>
+          <a:effectLst/>
+        </p:spPr>
+        <p:txBody>
+          <a:bodyPr anchor="ctr"/>
+          <a:lstStyle/>
+          <a:p>
+            <a:pPr marL="0" lvl="0" indent="0" algn="ctr" defTabSz="914400" rtl="0" eaLnBrk="1" latinLnBrk="1" hangingPunct="1">
+              <a:lnSpc>
+                <a:spcPct val="100000"/>
+              </a:lnSpc>
+              <a:spcBef>
+                <a:spcPts val="0"/>
+              </a:spcBef>
+              <a:spcAft>
+                <a:spcPts val="0"/>
+              </a:spcAft>
+              <a:buNone/>
+              <a:defRPr/>
+            </a:pPr>
+            <a:endParaRPr kumimoji="0" lang="ko-KR" altLang="en-US" sz="1800" b="0" i="0" u="none" strike="noStrike" kern="1200" cap="none" spc="0" normalizeH="0" baseline="0">
+              <a:solidFill>
+                <a:srgbClr val="000000"/>
+              </a:solidFill>
+              <a:latin typeface="맑은 고딕"/>
+              <a:ea typeface="맑은 고딕"/>
+              <a:cs typeface="맑은 고딕"/>
+            </a:endParaRPr>
+          </a:p>
+        </p:txBody>
+      </p:sp>
+      <p:sp>
+        <p:nvSpPr>
+          <p:cNvPr id="34" name="직사각형 33"/>
+          <p:cNvSpPr/>
+          <p:nvPr/>
+        </p:nvSpPr>
+        <p:spPr>
+          <a:xfrm>
+            <a:off x="6937477" y="3448049"/>
+            <a:ext cx="1403145" cy="732297"/>
+          </a:xfrm>
+          <a:prstGeom prst="rect">
+            <a:avLst/>
+          </a:prstGeom>
+          <a:gradFill rotWithShape="1">
+            <a:gsLst>
+              <a:gs pos="0">
+                <a:srgbClr val="B1CBEA">
+                  <a:alpha val="100000"/>
+                </a:srgbClr>
+              </a:gs>
+              <a:gs pos="50000">
+                <a:srgbClr val="A3C1E5">
+                  <a:alpha val="100000"/>
+                </a:srgbClr>
+              </a:gs>
+              <a:gs pos="100000">
+                <a:srgbClr val="93B9E4">
+                  <a:alpha val="100000"/>
+                </a:srgbClr>
+              </a:gs>
+            </a:gsLst>
+            <a:lin ang="5400000" scaled="0"/>
+          </a:gradFill>
+          <a:ln w="6350" cap="flat" cmpd="sng" algn="ctr">
+            <a:solidFill>
+              <a:srgbClr val="5B9BD5">
+                <a:alpha val="100000"/>
+              </a:srgbClr>
+            </a:solidFill>
+            <a:prstDash val="solid"/>
+            <a:miter/>
+          </a:ln>
+          <a:effectLst/>
+        </p:spPr>
+        <p:txBody>
+          <a:bodyPr anchor="ctr"/>
+          <a:lstStyle/>
+          <a:p>
+            <a:pPr marL="0" lvl="0" indent="0" algn="ctr" defTabSz="914400" rtl="0" eaLnBrk="1" latinLnBrk="1" hangingPunct="1">
+              <a:lnSpc>
+                <a:spcPct val="100000"/>
+              </a:lnSpc>
+              <a:spcBef>
+                <a:spcPts val="0"/>
+              </a:spcBef>
+              <a:spcAft>
+                <a:spcPts val="0"/>
+              </a:spcAft>
+              <a:buNone/>
+              <a:defRPr/>
+            </a:pPr>
+            <a:endParaRPr kumimoji="0" lang="ko-KR" altLang="en-US" sz="1800" b="0" i="0" u="none" strike="noStrike" kern="1200" cap="none" spc="0" normalizeH="0" baseline="0">
+              <a:solidFill>
+                <a:srgbClr val="000000"/>
+              </a:solidFill>
+              <a:latin typeface="맑은 고딕"/>
+              <a:ea typeface="맑은 고딕"/>
+              <a:cs typeface="맑은 고딕"/>
+            </a:endParaRPr>
+          </a:p>
+        </p:txBody>
+      </p:sp>
+      <p:sp>
+        <p:nvSpPr>
+          <p:cNvPr id="35" name="직사각형 34"/>
+          <p:cNvSpPr/>
+          <p:nvPr/>
+        </p:nvSpPr>
+        <p:spPr>
+          <a:xfrm>
+            <a:off x="8490054" y="3429000"/>
+            <a:ext cx="1403145" cy="732297"/>
+          </a:xfrm>
+          <a:prstGeom prst="rect">
+            <a:avLst/>
+          </a:prstGeom>
+          <a:gradFill rotWithShape="1">
+            <a:gsLst>
+              <a:gs pos="0">
+                <a:srgbClr val="B1CBEA">
+                  <a:alpha val="100000"/>
+                </a:srgbClr>
+              </a:gs>
+              <a:gs pos="50000">
+                <a:srgbClr val="A3C1E5">
+                  <a:alpha val="100000"/>
+                </a:srgbClr>
+              </a:gs>
+              <a:gs pos="100000">
+                <a:srgbClr val="93B9E4">
+                  <a:alpha val="100000"/>
+                </a:srgbClr>
+              </a:gs>
+            </a:gsLst>
+            <a:lin ang="5400000" scaled="0"/>
+          </a:gradFill>
+          <a:ln w="6350" cap="flat" cmpd="sng" algn="ctr">
+            <a:solidFill>
+              <a:srgbClr val="5B9BD5">
+                <a:alpha val="100000"/>
+              </a:srgbClr>
+            </a:solidFill>
+            <a:prstDash val="solid"/>
+            <a:miter/>
+          </a:ln>
+          <a:effectLst/>
+        </p:spPr>
+        <p:txBody>
+          <a:bodyPr anchor="ctr"/>
+          <a:lstStyle/>
+          <a:p>
+            <a:pPr marL="0" lvl="0" indent="0" algn="ctr" defTabSz="914400" rtl="0" eaLnBrk="1" latinLnBrk="1" hangingPunct="1">
+              <a:lnSpc>
+                <a:spcPct val="100000"/>
+              </a:lnSpc>
+              <a:spcBef>
+                <a:spcPts val="0"/>
+              </a:spcBef>
+              <a:spcAft>
+                <a:spcPts val="0"/>
+              </a:spcAft>
+              <a:buNone/>
+              <a:defRPr/>
+            </a:pPr>
+            <a:endParaRPr kumimoji="0" lang="ko-KR" altLang="en-US" sz="1800" b="0" i="0" u="none" strike="noStrike" kern="1200" cap="none" spc="0" normalizeH="0" baseline="0">
+              <a:solidFill>
+                <a:srgbClr val="000000"/>
+              </a:solidFill>
+              <a:latin typeface="맑은 고딕"/>
+              <a:ea typeface="맑은 고딕"/>
+              <a:cs typeface="맑은 고딕"/>
+            </a:endParaRPr>
+          </a:p>
+        </p:txBody>
+      </p:sp>
+      <p:sp>
+        <p:nvSpPr>
+          <p:cNvPr id="36" name="직사각형 35"/>
+          <p:cNvSpPr/>
+          <p:nvPr/>
+        </p:nvSpPr>
+        <p:spPr>
+          <a:xfrm>
+            <a:off x="660502" y="4472448"/>
+            <a:ext cx="1403145" cy="732297"/>
+          </a:xfrm>
+          <a:prstGeom prst="rect">
+            <a:avLst/>
+          </a:prstGeom>
+          <a:gradFill rotWithShape="1">
+            <a:gsLst>
+              <a:gs pos="0">
+                <a:srgbClr val="B1CBEA">
+                  <a:alpha val="100000"/>
+                </a:srgbClr>
+              </a:gs>
+              <a:gs pos="50000">
+                <a:srgbClr val="A3C1E5">
+                  <a:alpha val="100000"/>
+                </a:srgbClr>
+              </a:gs>
+              <a:gs pos="100000">
+                <a:srgbClr val="93B9E4">
+                  <a:alpha val="100000"/>
+                </a:srgbClr>
+              </a:gs>
+            </a:gsLst>
+            <a:lin ang="5400000" scaled="0"/>
+          </a:gradFill>
+          <a:ln w="6350" cap="flat" cmpd="sng" algn="ctr">
+            <a:solidFill>
+              <a:srgbClr val="5B9BD5">
+                <a:alpha val="100000"/>
+              </a:srgbClr>
+            </a:solidFill>
+            <a:prstDash val="solid"/>
+            <a:miter/>
+          </a:ln>
+          <a:effectLst/>
+        </p:spPr>
+        <p:txBody>
+          <a:bodyPr anchor="ctr"/>
+          <a:lstStyle/>
+          <a:p>
+            <a:pPr marL="0" lvl="0" indent="0" algn="ctr" defTabSz="914400" rtl="0" eaLnBrk="1" latinLnBrk="1" hangingPunct="1">
+              <a:lnSpc>
+                <a:spcPct val="100000"/>
+              </a:lnSpc>
+              <a:spcBef>
+                <a:spcPts val="0"/>
+              </a:spcBef>
+              <a:spcAft>
+                <a:spcPts val="0"/>
+              </a:spcAft>
+              <a:buNone/>
+              <a:defRPr/>
+            </a:pPr>
+            <a:endParaRPr kumimoji="0" lang="ko-KR" altLang="en-US" sz="1800" b="0" i="0" u="none" strike="noStrike" kern="1200" cap="none" spc="0" normalizeH="0" baseline="0">
+              <a:solidFill>
+                <a:srgbClr val="000000"/>
+              </a:solidFill>
+              <a:latin typeface="맑은 고딕"/>
+              <a:ea typeface="맑은 고딕"/>
+              <a:cs typeface="맑은 고딕"/>
+            </a:endParaRPr>
+          </a:p>
+        </p:txBody>
+      </p:sp>
+      <p:sp>
+        <p:nvSpPr>
+          <p:cNvPr id="37" name="직사각형 36"/>
+          <p:cNvSpPr/>
+          <p:nvPr/>
+        </p:nvSpPr>
+        <p:spPr>
+          <a:xfrm>
+            <a:off x="2232128" y="4481973"/>
+            <a:ext cx="1403145" cy="732297"/>
+          </a:xfrm>
+          <a:prstGeom prst="rect">
+            <a:avLst/>
+          </a:prstGeom>
+          <a:gradFill rotWithShape="1">
+            <a:gsLst>
+              <a:gs pos="0">
+                <a:srgbClr val="B1CBEA">
+                  <a:alpha val="100000"/>
+                </a:srgbClr>
+              </a:gs>
+              <a:gs pos="50000">
+                <a:srgbClr val="A3C1E5">
+                  <a:alpha val="100000"/>
+                </a:srgbClr>
+              </a:gs>
+              <a:gs pos="100000">
+                <a:srgbClr val="93B9E4">
+                  <a:alpha val="100000"/>
+                </a:srgbClr>
+              </a:gs>
+            </a:gsLst>
+            <a:lin ang="5400000" scaled="0"/>
+          </a:gradFill>
+          <a:ln w="6350" cap="flat" cmpd="sng" algn="ctr">
+            <a:solidFill>
+              <a:srgbClr val="5B9BD5">
+                <a:alpha val="100000"/>
+              </a:srgbClr>
+            </a:solidFill>
+            <a:prstDash val="solid"/>
+            <a:miter/>
+          </a:ln>
+          <a:effectLst/>
+        </p:spPr>
+        <p:txBody>
+          <a:bodyPr anchor="ctr"/>
+          <a:lstStyle/>
+          <a:p>
+            <a:pPr marL="0" lvl="0" indent="0" algn="ctr" defTabSz="914400" rtl="0" eaLnBrk="1" latinLnBrk="1" hangingPunct="1">
+              <a:lnSpc>
+                <a:spcPct val="100000"/>
+              </a:lnSpc>
+              <a:spcBef>
+                <a:spcPts val="0"/>
+              </a:spcBef>
+              <a:spcAft>
+                <a:spcPts val="0"/>
+              </a:spcAft>
+              <a:buNone/>
+              <a:defRPr/>
+            </a:pPr>
+            <a:endParaRPr kumimoji="0" lang="ko-KR" altLang="en-US" sz="1800" b="0" i="0" u="none" strike="noStrike" kern="1200" cap="none" spc="0" normalizeH="0" baseline="0">
+              <a:solidFill>
+                <a:srgbClr val="000000"/>
+              </a:solidFill>
+              <a:latin typeface="맑은 고딕"/>
+              <a:ea typeface="맑은 고딕"/>
+              <a:cs typeface="맑은 고딕"/>
+            </a:endParaRPr>
+          </a:p>
+        </p:txBody>
+      </p:sp>
+      <p:sp>
+        <p:nvSpPr>
+          <p:cNvPr id="38" name="직사각형 37"/>
+          <p:cNvSpPr/>
+          <p:nvPr/>
+        </p:nvSpPr>
+        <p:spPr>
+          <a:xfrm>
+            <a:off x="3832328" y="4481973"/>
+            <a:ext cx="1403145" cy="732297"/>
+          </a:xfrm>
+          <a:prstGeom prst="rect">
+            <a:avLst/>
+          </a:prstGeom>
+          <a:gradFill rotWithShape="1">
+            <a:gsLst>
+              <a:gs pos="0">
+                <a:srgbClr val="B1CBEA">
+                  <a:alpha val="100000"/>
+                </a:srgbClr>
+              </a:gs>
+              <a:gs pos="50000">
+                <a:srgbClr val="A3C1E5">
+                  <a:alpha val="100000"/>
+                </a:srgbClr>
+              </a:gs>
+              <a:gs pos="100000">
+                <a:srgbClr val="93B9E4">
+                  <a:alpha val="100000"/>
+                </a:srgbClr>
+              </a:gs>
+            </a:gsLst>
+            <a:lin ang="5400000" scaled="0"/>
+          </a:gradFill>
+          <a:ln w="6350" cap="flat" cmpd="sng" algn="ctr">
+            <a:solidFill>
+              <a:srgbClr val="5B9BD5">
+                <a:alpha val="100000"/>
+              </a:srgbClr>
+            </a:solidFill>
+            <a:prstDash val="solid"/>
+            <a:miter/>
+          </a:ln>
+          <a:effectLst/>
+        </p:spPr>
+        <p:txBody>
+          <a:bodyPr anchor="ctr"/>
+          <a:lstStyle/>
+          <a:p>
+            <a:pPr marL="0" lvl="0" indent="0" algn="ctr" defTabSz="914400" rtl="0" eaLnBrk="1" latinLnBrk="1" hangingPunct="1">
+              <a:lnSpc>
+                <a:spcPct val="100000"/>
+              </a:lnSpc>
+              <a:spcBef>
+                <a:spcPts val="0"/>
+              </a:spcBef>
+              <a:spcAft>
+                <a:spcPts val="0"/>
+              </a:spcAft>
+              <a:buNone/>
+              <a:defRPr/>
+            </a:pPr>
+            <a:endParaRPr kumimoji="0" lang="ko-KR" altLang="en-US" sz="1800" b="0" i="0" u="none" strike="noStrike" kern="1200" cap="none" spc="0" normalizeH="0" baseline="0">
+              <a:solidFill>
+                <a:srgbClr val="000000"/>
+              </a:solidFill>
+              <a:latin typeface="맑은 고딕"/>
+              <a:ea typeface="맑은 고딕"/>
+              <a:cs typeface="맑은 고딕"/>
+            </a:endParaRPr>
+          </a:p>
+        </p:txBody>
+      </p:sp>
+      <p:sp>
+        <p:nvSpPr>
+          <p:cNvPr id="39" name="직사각형 38"/>
+          <p:cNvSpPr/>
+          <p:nvPr/>
+        </p:nvSpPr>
+        <p:spPr>
+          <a:xfrm>
+            <a:off x="5394427" y="4481973"/>
+            <a:ext cx="1403145" cy="732297"/>
+          </a:xfrm>
+          <a:prstGeom prst="rect">
+            <a:avLst/>
+          </a:prstGeom>
+          <a:gradFill rotWithShape="1">
+            <a:gsLst>
+              <a:gs pos="0">
+                <a:srgbClr val="B1CBEA">
+                  <a:alpha val="100000"/>
+                </a:srgbClr>
+              </a:gs>
+              <a:gs pos="50000">
+                <a:srgbClr val="A3C1E5">
+                  <a:alpha val="100000"/>
+                </a:srgbClr>
+              </a:gs>
+              <a:gs pos="100000">
+                <a:srgbClr val="93B9E4">
+                  <a:alpha val="100000"/>
+                </a:srgbClr>
+              </a:gs>
+            </a:gsLst>
+            <a:lin ang="5400000" scaled="0"/>
+          </a:gradFill>
+          <a:ln w="6350" cap="flat" cmpd="sng" algn="ctr">
+            <a:solidFill>
+              <a:srgbClr val="5B9BD5">
+                <a:alpha val="100000"/>
+              </a:srgbClr>
+            </a:solidFill>
+            <a:prstDash val="solid"/>
+            <a:miter/>
+          </a:ln>
+          <a:effectLst/>
+        </p:spPr>
+        <p:txBody>
+          <a:bodyPr anchor="ctr"/>
+          <a:lstStyle/>
+          <a:p>
+            <a:pPr marL="0" lvl="0" indent="0" algn="ctr" defTabSz="914400" rtl="0" eaLnBrk="1" latinLnBrk="1" hangingPunct="1">
+              <a:lnSpc>
+                <a:spcPct val="100000"/>
+              </a:lnSpc>
+              <a:spcBef>
+                <a:spcPts val="0"/>
+              </a:spcBef>
+              <a:spcAft>
+                <a:spcPts val="0"/>
+              </a:spcAft>
+              <a:buNone/>
+              <a:defRPr/>
+            </a:pPr>
+            <a:endParaRPr kumimoji="0" lang="ko-KR" altLang="en-US" sz="1800" b="0" i="0" u="none" strike="noStrike" kern="1200" cap="none" spc="0" normalizeH="0" baseline="0">
+              <a:solidFill>
+                <a:srgbClr val="000000"/>
+              </a:solidFill>
+              <a:latin typeface="맑은 고딕"/>
+              <a:ea typeface="맑은 고딕"/>
+              <a:cs typeface="맑은 고딕"/>
+            </a:endParaRPr>
+          </a:p>
+        </p:txBody>
+      </p:sp>
+      <p:sp>
+        <p:nvSpPr>
+          <p:cNvPr id="40" name="직사각형 39"/>
+          <p:cNvSpPr/>
+          <p:nvPr/>
+        </p:nvSpPr>
+        <p:spPr>
+          <a:xfrm>
+            <a:off x="6937477" y="4491498"/>
+            <a:ext cx="1403145" cy="732297"/>
+          </a:xfrm>
+          <a:prstGeom prst="rect">
+            <a:avLst/>
+          </a:prstGeom>
+          <a:gradFill rotWithShape="1">
+            <a:gsLst>
+              <a:gs pos="0">
+                <a:srgbClr val="B1CBEA">
+                  <a:alpha val="100000"/>
+                </a:srgbClr>
+              </a:gs>
+              <a:gs pos="50000">
+                <a:srgbClr val="A3C1E5">
+                  <a:alpha val="100000"/>
+                </a:srgbClr>
+              </a:gs>
+              <a:gs pos="100000">
+                <a:srgbClr val="93B9E4">
+                  <a:alpha val="100000"/>
+                </a:srgbClr>
+              </a:gs>
+            </a:gsLst>
+            <a:lin ang="5400000" scaled="0"/>
+          </a:gradFill>
+          <a:ln w="6350" cap="flat" cmpd="sng" algn="ctr">
+            <a:solidFill>
+              <a:srgbClr val="5B9BD5">
+                <a:alpha val="100000"/>
+              </a:srgbClr>
+            </a:solidFill>
+            <a:prstDash val="solid"/>
+            <a:miter/>
+          </a:ln>
+          <a:effectLst/>
+        </p:spPr>
+        <p:txBody>
+          <a:bodyPr anchor="ctr"/>
+          <a:lstStyle/>
+          <a:p>
+            <a:pPr marL="0" lvl="0" indent="0" algn="ctr" defTabSz="914400" rtl="0" eaLnBrk="1" latinLnBrk="1" hangingPunct="1">
+              <a:lnSpc>
+                <a:spcPct val="100000"/>
+              </a:lnSpc>
+              <a:spcBef>
+                <a:spcPts val="0"/>
+              </a:spcBef>
+              <a:spcAft>
+                <a:spcPts val="0"/>
+              </a:spcAft>
+              <a:buNone/>
+              <a:defRPr/>
+            </a:pPr>
+            <a:endParaRPr kumimoji="0" lang="ko-KR" altLang="en-US" sz="1800" b="0" i="0" u="none" strike="noStrike" kern="1200" cap="none" spc="0" normalizeH="0" baseline="0">
+              <a:solidFill>
+                <a:srgbClr val="000000"/>
+              </a:solidFill>
+              <a:latin typeface="맑은 고딕"/>
+              <a:ea typeface="맑은 고딕"/>
+              <a:cs typeface="맑은 고딕"/>
+            </a:endParaRPr>
+          </a:p>
+        </p:txBody>
+      </p:sp>
+      <p:sp>
+        <p:nvSpPr>
+          <p:cNvPr id="41" name="직사각형 40"/>
+          <p:cNvSpPr/>
+          <p:nvPr/>
+        </p:nvSpPr>
+        <p:spPr>
+          <a:xfrm>
+            <a:off x="8490054" y="4472448"/>
+            <a:ext cx="1403145" cy="732297"/>
+          </a:xfrm>
+          <a:prstGeom prst="rect">
+            <a:avLst/>
+          </a:prstGeom>
+          <a:gradFill rotWithShape="1">
+            <a:gsLst>
+              <a:gs pos="0">
+                <a:srgbClr val="B1CBEA">
+                  <a:alpha val="100000"/>
+                </a:srgbClr>
+              </a:gs>
+              <a:gs pos="50000">
+                <a:srgbClr val="A3C1E5">
+                  <a:alpha val="100000"/>
+                </a:srgbClr>
+              </a:gs>
+              <a:gs pos="100000">
+                <a:srgbClr val="93B9E4">
+                  <a:alpha val="100000"/>
+                </a:srgbClr>
+              </a:gs>
+            </a:gsLst>
+            <a:lin ang="5400000" scaled="0"/>
+          </a:gradFill>
+          <a:ln w="6350" cap="flat" cmpd="sng" algn="ctr">
+            <a:solidFill>
+              <a:srgbClr val="5B9BD5">
+                <a:alpha val="100000"/>
+              </a:srgbClr>
+            </a:solidFill>
+            <a:prstDash val="solid"/>
+            <a:miter/>
+          </a:ln>
+          <a:effectLst/>
+        </p:spPr>
+        <p:txBody>
+          <a:bodyPr anchor="ctr"/>
+          <a:lstStyle/>
+          <a:p>
+            <a:pPr marL="0" lvl="0" indent="0" algn="ctr" defTabSz="914400" rtl="0" eaLnBrk="1" latinLnBrk="1" hangingPunct="1">
+              <a:lnSpc>
+                <a:spcPct val="100000"/>
+              </a:lnSpc>
+              <a:spcBef>
+                <a:spcPts val="0"/>
+              </a:spcBef>
+              <a:spcAft>
+                <a:spcPts val="0"/>
+              </a:spcAft>
+              <a:buNone/>
+              <a:defRPr/>
+            </a:pPr>
+            <a:endParaRPr kumimoji="0" lang="ko-KR" altLang="en-US" sz="1800" b="0" i="0" u="none" strike="noStrike" kern="1200" cap="none" spc="0" normalizeH="0" baseline="0">
+              <a:solidFill>
+                <a:srgbClr val="000000"/>
+              </a:solidFill>
+              <a:latin typeface="맑은 고딕"/>
+              <a:ea typeface="맑은 고딕"/>
+              <a:cs typeface="맑은 고딕"/>
+            </a:endParaRPr>
+          </a:p>
+        </p:txBody>
+      </p:sp>
+      <p:sp>
+        <p:nvSpPr>
+          <p:cNvPr id="42" name="직사각형 41"/>
+          <p:cNvSpPr/>
+          <p:nvPr/>
+        </p:nvSpPr>
+        <p:spPr>
+          <a:xfrm>
+            <a:off x="660502" y="5404464"/>
+            <a:ext cx="1403145" cy="732297"/>
+          </a:xfrm>
+          <a:prstGeom prst="rect">
+            <a:avLst/>
+          </a:prstGeom>
+          <a:gradFill rotWithShape="1">
+            <a:gsLst>
+              <a:gs pos="0">
+                <a:srgbClr val="B1CBEA">
+                  <a:alpha val="100000"/>
+                </a:srgbClr>
+              </a:gs>
+              <a:gs pos="50000">
+                <a:srgbClr val="A3C1E5">
+                  <a:alpha val="100000"/>
+                </a:srgbClr>
+              </a:gs>
+              <a:gs pos="100000">
+                <a:srgbClr val="93B9E4">
+                  <a:alpha val="100000"/>
+                </a:srgbClr>
+              </a:gs>
+            </a:gsLst>
+            <a:lin ang="5400000" scaled="0"/>
+          </a:gradFill>
+          <a:ln w="6350" cap="flat" cmpd="sng" algn="ctr">
+            <a:solidFill>
+              <a:srgbClr val="5B9BD5">
+                <a:alpha val="100000"/>
+              </a:srgbClr>
+            </a:solidFill>
+            <a:prstDash val="solid"/>
+            <a:miter/>
+          </a:ln>
+          <a:effectLst/>
+        </p:spPr>
+        <p:txBody>
+          <a:bodyPr anchor="ctr"/>
+          <a:lstStyle/>
+          <a:p>
+            <a:pPr marL="0" lvl="0" indent="0" algn="ctr" defTabSz="914400" rtl="0" eaLnBrk="1" latinLnBrk="1" hangingPunct="1">
+              <a:lnSpc>
+                <a:spcPct val="100000"/>
+              </a:lnSpc>
+              <a:spcBef>
+                <a:spcPts val="0"/>
+              </a:spcBef>
+              <a:spcAft>
+                <a:spcPts val="0"/>
+              </a:spcAft>
+              <a:buNone/>
+              <a:defRPr/>
+            </a:pPr>
+            <a:endParaRPr kumimoji="0" lang="ko-KR" altLang="en-US" sz="1800" b="0" i="0" u="none" strike="noStrike" kern="1200" cap="none" spc="0" normalizeH="0" baseline="0">
+              <a:solidFill>
+                <a:srgbClr val="000000"/>
+              </a:solidFill>
+              <a:latin typeface="맑은 고딕"/>
+              <a:ea typeface="맑은 고딕"/>
+              <a:cs typeface="맑은 고딕"/>
+            </a:endParaRPr>
+          </a:p>
+        </p:txBody>
+      </p:sp>
+      <p:sp>
+        <p:nvSpPr>
+          <p:cNvPr id="43" name="직사각형 42"/>
+          <p:cNvSpPr/>
+          <p:nvPr/>
+        </p:nvSpPr>
+        <p:spPr>
+          <a:xfrm>
+            <a:off x="2232127" y="5413989"/>
+            <a:ext cx="1403145" cy="732297"/>
+          </a:xfrm>
+          <a:prstGeom prst="rect">
+            <a:avLst/>
+          </a:prstGeom>
+          <a:gradFill rotWithShape="1">
+            <a:gsLst>
+              <a:gs pos="0">
+                <a:srgbClr val="B1CBEA">
+                  <a:alpha val="100000"/>
+                </a:srgbClr>
+              </a:gs>
+              <a:gs pos="50000">
+                <a:srgbClr val="A3C1E5">
+                  <a:alpha val="100000"/>
+                </a:srgbClr>
+              </a:gs>
+              <a:gs pos="100000">
+                <a:srgbClr val="93B9E4">
+                  <a:alpha val="100000"/>
+                </a:srgbClr>
+              </a:gs>
+            </a:gsLst>
+            <a:lin ang="5400000" scaled="0"/>
+          </a:gradFill>
+          <a:ln w="6350" cap="flat" cmpd="sng" algn="ctr">
+            <a:solidFill>
+              <a:srgbClr val="5B9BD5">
+                <a:alpha val="100000"/>
+              </a:srgbClr>
+            </a:solidFill>
+            <a:prstDash val="solid"/>
+            <a:miter/>
+          </a:ln>
+          <a:effectLst/>
+        </p:spPr>
+        <p:txBody>
+          <a:bodyPr anchor="ctr"/>
+          <a:lstStyle/>
+          <a:p>
+            <a:pPr marL="0" lvl="0" indent="0" algn="ctr" defTabSz="914400" rtl="0" eaLnBrk="1" latinLnBrk="1" hangingPunct="1">
+              <a:lnSpc>
+                <a:spcPct val="100000"/>
+              </a:lnSpc>
+              <a:spcBef>
+                <a:spcPts val="0"/>
+              </a:spcBef>
+              <a:spcAft>
+                <a:spcPts val="0"/>
+              </a:spcAft>
+              <a:buNone/>
+              <a:defRPr/>
+            </a:pPr>
+            <a:endParaRPr kumimoji="0" lang="ko-KR" altLang="en-US" sz="1800" b="0" i="0" u="none" strike="noStrike" kern="1200" cap="none" spc="0" normalizeH="0" baseline="0">
+              <a:solidFill>
+                <a:srgbClr val="000000"/>
+              </a:solidFill>
+              <a:latin typeface="맑은 고딕"/>
+              <a:ea typeface="맑은 고딕"/>
+              <a:cs typeface="맑은 고딕"/>
+            </a:endParaRPr>
+          </a:p>
+        </p:txBody>
+      </p:sp>
+      <p:sp>
+        <p:nvSpPr>
+          <p:cNvPr id="44" name="직사각형 43"/>
+          <p:cNvSpPr/>
+          <p:nvPr/>
+        </p:nvSpPr>
+        <p:spPr>
+          <a:xfrm>
+            <a:off x="3832327" y="5413989"/>
+            <a:ext cx="1403145" cy="732297"/>
+          </a:xfrm>
+          <a:prstGeom prst="rect">
+            <a:avLst/>
+          </a:prstGeom>
+          <a:gradFill rotWithShape="1">
+            <a:gsLst>
+              <a:gs pos="0">
+                <a:srgbClr val="B1CBEA">
+                  <a:alpha val="100000"/>
+                </a:srgbClr>
+              </a:gs>
+              <a:gs pos="50000">
+                <a:srgbClr val="A3C1E5">
+                  <a:alpha val="100000"/>
+                </a:srgbClr>
+              </a:gs>
+              <a:gs pos="100000">
+                <a:srgbClr val="93B9E4">
+                  <a:alpha val="100000"/>
+                </a:srgbClr>
+              </a:gs>
+            </a:gsLst>
+            <a:lin ang="5400000" scaled="0"/>
+          </a:gradFill>
+          <a:ln w="6350" cap="flat" cmpd="sng" algn="ctr">
+            <a:solidFill>
+              <a:srgbClr val="5B9BD5">
+                <a:alpha val="100000"/>
+              </a:srgbClr>
+            </a:solidFill>
+            <a:prstDash val="solid"/>
+            <a:miter/>
+          </a:ln>
+          <a:effectLst/>
+        </p:spPr>
+        <p:txBody>
+          <a:bodyPr anchor="ctr"/>
+          <a:lstStyle/>
+          <a:p>
+            <a:pPr marL="0" lvl="0" indent="0" algn="ctr" defTabSz="914400" rtl="0" eaLnBrk="1" latinLnBrk="1" hangingPunct="1">
+              <a:lnSpc>
+                <a:spcPct val="100000"/>
+              </a:lnSpc>
+              <a:spcBef>
+                <a:spcPts val="0"/>
+              </a:spcBef>
+              <a:spcAft>
+                <a:spcPts val="0"/>
+              </a:spcAft>
+              <a:buNone/>
+              <a:defRPr/>
+            </a:pPr>
+            <a:endParaRPr kumimoji="0" lang="ko-KR" altLang="en-US" sz="1800" b="0" i="0" u="none" strike="noStrike" kern="1200" cap="none" spc="0" normalizeH="0" baseline="0">
+              <a:solidFill>
+                <a:srgbClr val="000000"/>
+              </a:solidFill>
+              <a:latin typeface="맑은 고딕"/>
+              <a:ea typeface="맑은 고딕"/>
+              <a:cs typeface="맑은 고딕"/>
+            </a:endParaRPr>
+          </a:p>
+        </p:txBody>
+      </p:sp>
+      <p:sp>
+        <p:nvSpPr>
+          <p:cNvPr id="45" name="직사각형 44"/>
+          <p:cNvSpPr/>
+          <p:nvPr/>
+        </p:nvSpPr>
+        <p:spPr>
+          <a:xfrm>
+            <a:off x="5394427" y="5413989"/>
+            <a:ext cx="1403145" cy="732297"/>
+          </a:xfrm>
+          <a:prstGeom prst="rect">
+            <a:avLst/>
+          </a:prstGeom>
+          <a:gradFill rotWithShape="1">
+            <a:gsLst>
+              <a:gs pos="0">
+                <a:srgbClr val="B1CBEA">
+                  <a:alpha val="100000"/>
+                </a:srgbClr>
+              </a:gs>
+              <a:gs pos="50000">
+                <a:srgbClr val="A3C1E5">
+                  <a:alpha val="100000"/>
+                </a:srgbClr>
+              </a:gs>
+              <a:gs pos="100000">
+                <a:srgbClr val="93B9E4">
+                  <a:alpha val="100000"/>
+                </a:srgbClr>
+              </a:gs>
+            </a:gsLst>
+            <a:lin ang="5400000" scaled="0"/>
+          </a:gradFill>
+          <a:ln w="6350" cap="flat" cmpd="sng" algn="ctr">
+            <a:solidFill>
+              <a:srgbClr val="5B9BD5">
+                <a:alpha val="100000"/>
+              </a:srgbClr>
+            </a:solidFill>
+            <a:prstDash val="solid"/>
+            <a:miter/>
+          </a:ln>
+          <a:effectLst/>
+        </p:spPr>
+        <p:txBody>
+          <a:bodyPr anchor="ctr"/>
+          <a:lstStyle/>
+          <a:p>
+            <a:pPr marL="0" lvl="0" indent="0" algn="ctr" defTabSz="914400" rtl="0" eaLnBrk="1" latinLnBrk="1" hangingPunct="1">
+              <a:lnSpc>
+                <a:spcPct val="100000"/>
+              </a:lnSpc>
+              <a:spcBef>
+                <a:spcPts val="0"/>
+              </a:spcBef>
+              <a:spcAft>
+                <a:spcPts val="0"/>
+              </a:spcAft>
+              <a:buNone/>
+              <a:defRPr/>
+            </a:pPr>
+            <a:endParaRPr kumimoji="0" lang="ko-KR" altLang="en-US" sz="1800" b="0" i="0" u="none" strike="noStrike" kern="1200" cap="none" spc="0" normalizeH="0" baseline="0">
+              <a:solidFill>
+                <a:srgbClr val="000000"/>
+              </a:solidFill>
+              <a:latin typeface="맑은 고딕"/>
+              <a:ea typeface="맑은 고딕"/>
+              <a:cs typeface="맑은 고딕"/>
+            </a:endParaRPr>
+          </a:p>
+        </p:txBody>
+      </p:sp>
+      <p:sp>
+        <p:nvSpPr>
+          <p:cNvPr id="46" name="직사각형 45"/>
+          <p:cNvSpPr/>
+          <p:nvPr/>
+        </p:nvSpPr>
+        <p:spPr>
+          <a:xfrm>
+            <a:off x="6937477" y="5423514"/>
+            <a:ext cx="1403145" cy="732297"/>
+          </a:xfrm>
+          <a:prstGeom prst="rect">
+            <a:avLst/>
+          </a:prstGeom>
+          <a:gradFill rotWithShape="1">
+            <a:gsLst>
+              <a:gs pos="0">
+                <a:srgbClr val="B1CBEA">
+                  <a:alpha val="100000"/>
+                </a:srgbClr>
+              </a:gs>
+              <a:gs pos="50000">
+                <a:srgbClr val="A3C1E5">
+                  <a:alpha val="100000"/>
+                </a:srgbClr>
+              </a:gs>
+              <a:gs pos="100000">
+                <a:srgbClr val="93B9E4">
+                  <a:alpha val="100000"/>
+                </a:srgbClr>
+              </a:gs>
+            </a:gsLst>
+            <a:lin ang="5400000" scaled="0"/>
+          </a:gradFill>
+          <a:ln w="6350" cap="flat" cmpd="sng" algn="ctr">
+            <a:solidFill>
+              <a:srgbClr val="5B9BD5">
+                <a:alpha val="100000"/>
+              </a:srgbClr>
+            </a:solidFill>
+            <a:prstDash val="solid"/>
+            <a:miter/>
+          </a:ln>
+          <a:effectLst/>
+        </p:spPr>
+        <p:txBody>
+          <a:bodyPr anchor="ctr"/>
+          <a:lstStyle/>
+          <a:p>
+            <a:pPr marL="0" lvl="0" indent="0" algn="ctr" defTabSz="914400" rtl="0" eaLnBrk="1" latinLnBrk="1" hangingPunct="1">
+              <a:lnSpc>
+                <a:spcPct val="100000"/>
+              </a:lnSpc>
+              <a:spcBef>
+                <a:spcPts val="0"/>
+              </a:spcBef>
+              <a:spcAft>
+                <a:spcPts val="0"/>
+              </a:spcAft>
+              <a:buNone/>
+              <a:defRPr/>
+            </a:pPr>
+            <a:endParaRPr kumimoji="0" lang="ko-KR" altLang="en-US" sz="1800" b="0" i="0" u="none" strike="noStrike" kern="1200" cap="none" spc="0" normalizeH="0" baseline="0">
+              <a:solidFill>
+                <a:srgbClr val="000000"/>
+              </a:solidFill>
+              <a:latin typeface="맑은 고딕"/>
+              <a:ea typeface="맑은 고딕"/>
+              <a:cs typeface="맑은 고딕"/>
+            </a:endParaRPr>
+          </a:p>
+        </p:txBody>
+      </p:sp>
+      <p:sp>
+        <p:nvSpPr>
+          <p:cNvPr id="47" name="직사각형 46"/>
+          <p:cNvSpPr/>
+          <p:nvPr/>
+        </p:nvSpPr>
+        <p:spPr>
+          <a:xfrm>
+            <a:off x="8490054" y="5404464"/>
+            <a:ext cx="1403145" cy="732297"/>
+          </a:xfrm>
+          <a:prstGeom prst="rect">
+            <a:avLst/>
+          </a:prstGeom>
+          <a:gradFill rotWithShape="1">
+            <a:gsLst>
+              <a:gs pos="0">
+                <a:srgbClr val="B1CBEA">
+                  <a:alpha val="100000"/>
+                </a:srgbClr>
+              </a:gs>
+              <a:gs pos="50000">
+                <a:srgbClr val="A3C1E5">
+                  <a:alpha val="100000"/>
+                </a:srgbClr>
+              </a:gs>
+              <a:gs pos="100000">
+                <a:srgbClr val="93B9E4">
+                  <a:alpha val="100000"/>
+                </a:srgbClr>
+              </a:gs>
+            </a:gsLst>
+            <a:lin ang="5400000" scaled="0"/>
+          </a:gradFill>
+          <a:ln w="6350" cap="flat" cmpd="sng" algn="ctr">
+            <a:solidFill>
+              <a:srgbClr val="5B9BD5">
+                <a:alpha val="100000"/>
+              </a:srgbClr>
+            </a:solidFill>
+            <a:prstDash val="solid"/>
+            <a:miter/>
+          </a:ln>
+          <a:effectLst/>
+        </p:spPr>
+        <p:txBody>
+          <a:bodyPr anchor="ctr"/>
+          <a:lstStyle/>
+          <a:p>
+            <a:pPr marL="0" lvl="0" indent="0" algn="ctr" defTabSz="914400" rtl="0" eaLnBrk="1" latinLnBrk="1" hangingPunct="1">
+              <a:lnSpc>
+                <a:spcPct val="100000"/>
+              </a:lnSpc>
+              <a:spcBef>
+                <a:spcPts val="0"/>
+              </a:spcBef>
+              <a:spcAft>
+                <a:spcPts val="0"/>
+              </a:spcAft>
+              <a:buNone/>
+              <a:defRPr/>
+            </a:pPr>
+            <a:endParaRPr kumimoji="0" lang="ko-KR" altLang="en-US" sz="1800" b="0" i="0" u="none" strike="noStrike" kern="1200" cap="none" spc="0" normalizeH="0" baseline="0">
+              <a:solidFill>
+                <a:srgbClr val="000000"/>
+              </a:solidFill>
+              <a:latin typeface="맑은 고딕"/>
+              <a:ea typeface="맑은 고딕"/>
+              <a:cs typeface="맑은 고딕"/>
+            </a:endParaRPr>
+          </a:p>
+        </p:txBody>
+      </p:sp>
+      <p:sp>
+        <p:nvSpPr>
+          <p:cNvPr id="48" name="가로 글상자 47"/>
+          <p:cNvSpPr txBox="1"/>
+          <p:nvPr/>
+        </p:nvSpPr>
+        <p:spPr>
+          <a:xfrm>
+            <a:off x="10287613" y="5545804"/>
+            <a:ext cx="1372419" cy="367316"/>
+          </a:xfrm>
+          <a:prstGeom prst="rect">
+            <a:avLst/>
+          </a:prstGeom>
+        </p:spPr>
+        <p:txBody>
+          <a:bodyPr wrap="square">
+            <a:spAutoFit/>
+          </a:bodyPr>
+          <a:lstStyle/>
+          <a:p>
+            <a:pPr marL="0" lvl="0" indent="0" algn="l" defTabSz="914400" rtl="0" eaLnBrk="1" latinLnBrk="1" hangingPunct="1">
+              <a:lnSpc>
+                <a:spcPct val="100000"/>
+              </a:lnSpc>
+              <a:spcBef>
+                <a:spcPts val="0"/>
+              </a:spcBef>
+              <a:spcAft>
+                <a:spcPts val="0"/>
+              </a:spcAft>
+              <a:buNone/>
+              <a:defRPr/>
+            </a:pPr>
+            <a:r>
+              <a:rPr kumimoji="0" lang="ko-KR" altLang="en-US" sz="1800" b="0" i="0" u="none" strike="noStrike" kern="1200" cap="none" spc="0" normalizeH="0" baseline="0">
+                <a:solidFill>
+                  <a:srgbClr val="000000"/>
+                </a:solidFill>
+                <a:latin typeface="맑은 고딕"/>
+                <a:ea typeface="맑은 고딕"/>
+                <a:cs typeface="맑은 고딕"/>
+              </a:rPr>
+              <a:t>테마여행</a:t>
+            </a:r>
+          </a:p>
+        </p:txBody>
+      </p:sp>
+    </p:spTree>
+    <p:extLst>
+      <p:ext uri="{BB962C8B-B14F-4D97-AF65-F5344CB8AC3E}">
+        <p14:creationId xmlns:p14="http://schemas.microsoft.com/office/powerpoint/2010/main" val="3323851731"/>
+      </p:ext>
+    </p:extLst>
+  </p:cSld>
+  <p:clrMapOvr>
+    <a:masterClrMapping/>
+  </p:clrMapOvr>
+</p:sld>
+</file>
+
+<file path=ppt/slides/slide5.xml><?xml version="1.0" encoding="utf-8"?>
+<p:sld xmlns:a="http://schemas.openxmlformats.org/drawingml/2006/main" xmlns:r="http://schemas.openxmlformats.org/officeDocument/2006/relationships" xmlns:p="http://schemas.openxmlformats.org/presentationml/2006/main">
+  <p:cSld>
+    <p:spTree>
+      <p:nvGrpSpPr>
+        <p:cNvPr id="1" name=""/>
+        <p:cNvGrpSpPr/>
+        <p:nvPr/>
+      </p:nvGrpSpPr>
+      <p:grpSpPr>
+        <a:xfrm>
+          <a:off x="0" y="0"/>
+          <a:ext cx="0" cy="0"/>
+          <a:chOff x="0" y="0"/>
+          <a:chExt cx="0" cy="0"/>
+        </a:xfrm>
+      </p:grpSpPr>
+      <p:sp>
+        <p:nvSpPr>
+          <p:cNvPr id="2" name="직사각형 1"/>
+          <p:cNvSpPr/>
+          <p:nvPr/>
+        </p:nvSpPr>
+        <p:spPr>
+          <a:xfrm>
             <a:off x="110834" y="18473"/>
             <a:ext cx="11905673" cy="6650182"/>
           </a:xfrm>
@@ -5658,2761 +7499,6 @@
             <a:pPr algn="ctr"/>
             <a:r>
               <a:rPr lang="en-US" altLang="ko-KR" dirty="0" smtClean="0"/>
-              <a:t>8.</a:t>
-            </a:r>
-            <a:r>
-              <a:rPr lang="ko-KR" altLang="en-US" dirty="0" smtClean="0"/>
-              <a:t>투어</a:t>
-            </a:r>
-            <a:endParaRPr lang="en-US" altLang="ko-KR" dirty="0" smtClean="0"/>
-          </a:p>
-          <a:p>
-            <a:endParaRPr lang="en-US" altLang="ko-KR" dirty="0"/>
-          </a:p>
-        </p:txBody>
-      </p:sp>
-      <p:sp>
-        <p:nvSpPr>
-          <p:cNvPr id="17" name="TextBox 16"/>
-          <p:cNvSpPr txBox="1"/>
-          <p:nvPr/>
-        </p:nvSpPr>
-        <p:spPr>
-          <a:xfrm>
-            <a:off x="184727" y="1246909"/>
-            <a:ext cx="11711709" cy="923330"/>
-          </a:xfrm>
-          <a:prstGeom prst="rect">
-            <a:avLst/>
-          </a:prstGeom>
-        </p:spPr>
-        <p:style>
-          <a:lnRef idx="1">
-            <a:schemeClr val="accent6"/>
-          </a:lnRef>
-          <a:fillRef idx="2">
-            <a:schemeClr val="accent6"/>
-          </a:fillRef>
-          <a:effectRef idx="1">
-            <a:schemeClr val="accent6"/>
-          </a:effectRef>
-          <a:fontRef idx="minor">
-            <a:schemeClr val="dk1"/>
-          </a:fontRef>
-        </p:style>
-        <p:txBody>
-          <a:bodyPr wrap="square" rtlCol="0">
-            <a:spAutoFit/>
-          </a:bodyPr>
-          <a:lstStyle/>
-          <a:p>
-            <a:pPr algn="ctr"/>
-            <a:endParaRPr lang="en-US" altLang="ko-KR" dirty="0" smtClean="0"/>
-          </a:p>
-          <a:p>
-            <a:pPr algn="ctr"/>
-            <a:r>
-              <a:rPr lang="ko-KR" altLang="en-US" dirty="0" err="1" smtClean="0"/>
-              <a:t>맛집투어</a:t>
-            </a:r>
-            <a:endParaRPr lang="en-US" altLang="ko-KR" dirty="0" smtClean="0"/>
-          </a:p>
-          <a:p>
-            <a:endParaRPr lang="en-US" altLang="ko-KR" dirty="0"/>
-          </a:p>
-        </p:txBody>
-      </p:sp>
-      <p:sp>
-        <p:nvSpPr>
-          <p:cNvPr id="21" name="TextBox 20"/>
-          <p:cNvSpPr txBox="1"/>
-          <p:nvPr/>
-        </p:nvSpPr>
-        <p:spPr>
-          <a:xfrm>
-            <a:off x="198585" y="2489206"/>
-            <a:ext cx="11711709" cy="923330"/>
-          </a:xfrm>
-          <a:prstGeom prst="rect">
-            <a:avLst/>
-          </a:prstGeom>
-        </p:spPr>
-        <p:style>
-          <a:lnRef idx="1">
-            <a:schemeClr val="accent6"/>
-          </a:lnRef>
-          <a:fillRef idx="2">
-            <a:schemeClr val="accent6"/>
-          </a:fillRef>
-          <a:effectRef idx="1">
-            <a:schemeClr val="accent6"/>
-          </a:effectRef>
-          <a:fontRef idx="minor">
-            <a:schemeClr val="dk1"/>
-          </a:fontRef>
-        </p:style>
-        <p:txBody>
-          <a:bodyPr wrap="square" rtlCol="0">
-            <a:spAutoFit/>
-          </a:bodyPr>
-          <a:lstStyle/>
-          <a:p>
-            <a:pPr algn="ctr"/>
-            <a:endParaRPr lang="en-US" altLang="ko-KR" dirty="0" smtClean="0"/>
-          </a:p>
-          <a:p>
-            <a:pPr algn="ctr"/>
-            <a:r>
-              <a:rPr lang="ko-KR" altLang="en-US" dirty="0" err="1" smtClean="0"/>
-              <a:t>추천여행</a:t>
-            </a:r>
-            <a:endParaRPr lang="en-US" altLang="ko-KR" dirty="0" smtClean="0"/>
-          </a:p>
-          <a:p>
-            <a:endParaRPr lang="en-US" altLang="ko-KR" dirty="0"/>
-          </a:p>
-        </p:txBody>
-      </p:sp>
-      <p:sp>
-        <p:nvSpPr>
-          <p:cNvPr id="22" name="TextBox 21"/>
-          <p:cNvSpPr txBox="1"/>
-          <p:nvPr/>
-        </p:nvSpPr>
-        <p:spPr>
-          <a:xfrm>
-            <a:off x="207819" y="3689928"/>
-            <a:ext cx="11711709" cy="923330"/>
-          </a:xfrm>
-          <a:prstGeom prst="rect">
-            <a:avLst/>
-          </a:prstGeom>
-        </p:spPr>
-        <p:style>
-          <a:lnRef idx="1">
-            <a:schemeClr val="accent6"/>
-          </a:lnRef>
-          <a:fillRef idx="2">
-            <a:schemeClr val="accent6"/>
-          </a:fillRef>
-          <a:effectRef idx="1">
-            <a:schemeClr val="accent6"/>
-          </a:effectRef>
-          <a:fontRef idx="minor">
-            <a:schemeClr val="dk1"/>
-          </a:fontRef>
-        </p:style>
-        <p:txBody>
-          <a:bodyPr wrap="square" rtlCol="0">
-            <a:spAutoFit/>
-          </a:bodyPr>
-          <a:lstStyle/>
-          <a:p>
-            <a:pPr algn="ctr"/>
-            <a:endParaRPr lang="en-US" altLang="ko-KR" dirty="0" smtClean="0"/>
-          </a:p>
-          <a:p>
-            <a:pPr algn="ctr"/>
-            <a:r>
-              <a:rPr lang="ko-KR" altLang="en-US" dirty="0" err="1" smtClean="0"/>
-              <a:t>추천여행</a:t>
-            </a:r>
-            <a:r>
-              <a:rPr lang="en-US" altLang="ko-KR" dirty="0" smtClean="0"/>
-              <a:t>2</a:t>
-            </a:r>
-          </a:p>
-          <a:p>
-            <a:pPr algn="ctr"/>
-            <a:endParaRPr lang="en-US" altLang="ko-KR" dirty="0"/>
-          </a:p>
-        </p:txBody>
-      </p:sp>
-      <p:sp>
-        <p:nvSpPr>
-          <p:cNvPr id="23" name="TextBox 22"/>
-          <p:cNvSpPr txBox="1"/>
-          <p:nvPr/>
-        </p:nvSpPr>
-        <p:spPr>
-          <a:xfrm>
-            <a:off x="230915" y="4932218"/>
-            <a:ext cx="11711709" cy="923330"/>
-          </a:xfrm>
-          <a:prstGeom prst="rect">
-            <a:avLst/>
-          </a:prstGeom>
-        </p:spPr>
-        <p:style>
-          <a:lnRef idx="1">
-            <a:schemeClr val="accent6"/>
-          </a:lnRef>
-          <a:fillRef idx="2">
-            <a:schemeClr val="accent6"/>
-          </a:fillRef>
-          <a:effectRef idx="1">
-            <a:schemeClr val="accent6"/>
-          </a:effectRef>
-          <a:fontRef idx="minor">
-            <a:schemeClr val="dk1"/>
-          </a:fontRef>
-        </p:style>
-        <p:txBody>
-          <a:bodyPr wrap="square" rtlCol="0">
-            <a:spAutoFit/>
-          </a:bodyPr>
-          <a:lstStyle/>
-          <a:p>
-            <a:pPr algn="ctr"/>
-            <a:endParaRPr lang="en-US" altLang="ko-KR" dirty="0" smtClean="0"/>
-          </a:p>
-          <a:p>
-            <a:pPr algn="ctr"/>
-            <a:r>
-              <a:rPr lang="ko-KR" altLang="en-US" dirty="0" smtClean="0"/>
-              <a:t>버스투어</a:t>
-            </a:r>
-            <a:endParaRPr lang="en-US" altLang="ko-KR" dirty="0" smtClean="0"/>
-          </a:p>
-          <a:p>
-            <a:endParaRPr lang="en-US" altLang="ko-KR" dirty="0"/>
-          </a:p>
-        </p:txBody>
-      </p:sp>
-    </p:spTree>
-    <p:extLst>
-      <p:ext uri="{BB962C8B-B14F-4D97-AF65-F5344CB8AC3E}">
-        <p14:creationId xmlns:p14="http://schemas.microsoft.com/office/powerpoint/2010/main" val="3008251914"/>
-      </p:ext>
-    </p:extLst>
-  </p:cSld>
-  <p:clrMapOvr>
-    <a:masterClrMapping/>
-  </p:clrMapOvr>
-  <p:timing>
-    <p:tnLst>
-      <p:par>
-        <p:cTn id="1" dur="indefinite" restart="never" nodeType="tmRoot"/>
-      </p:par>
-    </p:tnLst>
-  </p:timing>
-</p:sld>
-</file>
-
-<file path=ppt/slides/slide5.xml><?xml version="1.0" encoding="utf-8"?>
-<p:sld xmlns:r="http://schemas.openxmlformats.org/officeDocument/2006/relationships" xmlns:c="http://schemas.openxmlformats.org/drawingml/2006/chart" xmlns:a="http://schemas.openxmlformats.org/drawingml/2006/main" xmlns:dgm="http://schemas.openxmlformats.org/drawingml/2006/diagram" xmlns:dsp="http://schemas.microsoft.com/office/drawing/2008/diagram" xmlns:p="http://schemas.openxmlformats.org/presentationml/2006/main">
-  <p:cSld>
-    <p:spTree>
-      <p:nvGrpSpPr>
-        <p:cNvPr id="1" name=""/>
-        <p:cNvGrpSpPr/>
-        <p:nvPr/>
-      </p:nvGrpSpPr>
-      <p:grpSpPr>
-        <a:xfrm>
-          <a:off x="0" y="0"/>
-          <a:ext cx="0" cy="0"/>
-          <a:chOff x="0" y="0"/>
-          <a:chExt cx="0" cy="0"/>
-        </a:xfrm>
-      </p:grpSpPr>
-      <p:sp>
-        <p:nvSpPr>
-          <p:cNvPr id="2" name="직사각형 1"/>
-          <p:cNvSpPr/>
-          <p:nvPr/>
-        </p:nvSpPr>
-        <p:spPr>
-          <a:xfrm>
-            <a:off x="143163" y="0"/>
-            <a:ext cx="11905673" cy="6650182"/>
-          </a:xfrm>
-          <a:prstGeom prst="rect">
-            <a:avLst/>
-          </a:prstGeom>
-          <a:solidFill>
-            <a:srgbClr val="5b9bd5">
-              <a:alpha val="100000"/>
-            </a:srgbClr>
-          </a:solidFill>
-          <a:ln w="12700" cap="flat" cmpd="sng" algn="ctr">
-            <a:solidFill>
-              <a:srgbClr val="42719b">
-                <a:alpha val="100000"/>
-              </a:srgbClr>
-            </a:solidFill>
-            <a:prstDash val="solid"/>
-            <a:miter/>
-          </a:ln>
-        </p:spPr>
-        <p:txBody>
-          <a:bodyPr anchor="ctr"/>
-          <a:p>
-            <a:pPr marL="0" lvl="0" indent="0" algn="ctr" defTabSz="914400" rtl="0" eaLnBrk="1" latinLnBrk="1" hangingPunct="1">
-              <a:lnSpc>
-                <a:spcPct val="100000"/>
-              </a:lnSpc>
-              <a:spcBef>
-                <a:spcPts val="0"/>
-              </a:spcBef>
-              <a:spcAft>
-                <a:spcPts val="0"/>
-              </a:spcAft>
-              <a:buNone/>
-              <a:defRPr/>
-            </a:pPr>
-            <a:endParaRPr xmlns:mc="http://schemas.openxmlformats.org/markup-compatibility/2006" xmlns:hp="http://schemas.haansoft.com/office/presentation/8.0" kumimoji="0" lang="ko-KR" altLang="en-US" sz="1800" b="0" i="0" u="none" strike="noStrike" kern="1200" cap="none" spc="0" normalizeH="0" baseline="0" mc:Ignorable="hp" hp:hslEmbossed="0">
-              <a:solidFill>
-                <a:srgbClr val="ffffff"/>
-              </a:solidFill>
-              <a:latin typeface="맑은 고딕"/>
-              <a:ea typeface="맑은 고딕"/>
-              <a:cs typeface="맑은 고딕"/>
-            </a:endParaRPr>
-          </a:p>
-        </p:txBody>
-      </p:sp>
-      <p:sp>
-        <p:nvSpPr>
-          <p:cNvPr id="3" name="TextBox 2"/>
-          <p:cNvSpPr txBox="1"/>
-          <p:nvPr/>
-        </p:nvSpPr>
-        <p:spPr>
-          <a:xfrm>
-            <a:off x="184727" y="175491"/>
-            <a:ext cx="11711709" cy="923330"/>
-          </a:xfrm>
-          <a:prstGeom prst="rect">
-            <a:avLst/>
-          </a:prstGeom>
-          <a:gradFill rotWithShape="1">
-            <a:gsLst>
-              <a:gs pos="0">
-                <a:srgbClr val="f7bda5">
-                  <a:alpha val="100000"/>
-                </a:srgbClr>
-              </a:gs>
-              <a:gs pos="50000">
-                <a:srgbClr val="f5b196">
-                  <a:alpha val="100000"/>
-                </a:srgbClr>
-              </a:gs>
-              <a:gs pos="100000">
-                <a:srgbClr val="f8a582">
-                  <a:alpha val="100000"/>
-                </a:srgbClr>
-              </a:gs>
-            </a:gsLst>
-            <a:lin ang="5400000" scaled="0"/>
-          </a:gradFill>
-          <a:ln w="6350" cap="flat" cmpd="sng" algn="ctr">
-            <a:solidFill>
-              <a:srgbClr val="ed7d31">
-                <a:alpha val="100000"/>
-              </a:srgbClr>
-            </a:solidFill>
-            <a:prstDash val="solid"/>
-            <a:miter/>
-          </a:ln>
-          <a:effectLst/>
-        </p:spPr>
-        <p:txBody>
-          <a:bodyPr wrap="square">
-            <a:spAutoFit/>
-          </a:bodyPr>
-          <a:p>
-            <a:pPr marL="0" lvl="0" indent="0" algn="ctr" defTabSz="914400" rtl="0" eaLnBrk="1" latinLnBrk="1" hangingPunct="1">
-              <a:lnSpc>
-                <a:spcPct val="100000"/>
-              </a:lnSpc>
-              <a:spcBef>
-                <a:spcPts val="0"/>
-              </a:spcBef>
-              <a:spcAft>
-                <a:spcPts val="0"/>
-              </a:spcAft>
-              <a:buNone/>
-              <a:defRPr/>
-            </a:pPr>
-            <a:endParaRPr xmlns:mc="http://schemas.openxmlformats.org/markup-compatibility/2006" xmlns:hp="http://schemas.haansoft.com/office/presentation/8.0" kumimoji="0" lang="en-US" altLang="ko-KR" sz="1800" b="0" i="0" u="none" strike="noStrike" kern="1200" cap="none" spc="0" normalizeH="0" baseline="0" mc:Ignorable="hp" hp:hslEmbossed="0">
-              <a:solidFill>
-                <a:srgbClr val="000000"/>
-              </a:solidFill>
-              <a:latin typeface="맑은 고딕"/>
-              <a:ea typeface="맑은 고딕"/>
-              <a:cs typeface="맑은 고딕"/>
-            </a:endParaRPr>
-          </a:p>
-          <a:p>
-            <a:pPr marL="0" lvl="0" indent="0" algn="ctr" defTabSz="914400" rtl="0" eaLnBrk="1" latinLnBrk="1" hangingPunct="1">
-              <a:lnSpc>
-                <a:spcPct val="100000"/>
-              </a:lnSpc>
-              <a:spcBef>
-                <a:spcPts val="0"/>
-              </a:spcBef>
-              <a:spcAft>
-                <a:spcPts val="0"/>
-              </a:spcAft>
-              <a:buNone/>
-              <a:defRPr/>
-            </a:pPr>
-            <a:r>
-              <a:rPr xmlns:mc="http://schemas.openxmlformats.org/markup-compatibility/2006" xmlns:hp="http://schemas.haansoft.com/office/presentation/8.0" kumimoji="0" lang="en-US" altLang="ko-KR" sz="1800" b="0" i="0" u="none" strike="noStrike" kern="1200" cap="none" spc="0" normalizeH="0" baseline="0" mc:Ignorable="hp" hp:hslEmbossed="0">
-                <a:solidFill>
-                  <a:srgbClr val="000000"/>
-                </a:solidFill>
-                <a:latin typeface="맑은 고딕"/>
-                <a:ea typeface="맑은 고딕"/>
-                <a:cs typeface="맑은 고딕"/>
-              </a:rPr>
-              <a:t>8.</a:t>
-            </a:r>
-            <a:r>
-              <a:rPr xmlns:mc="http://schemas.openxmlformats.org/markup-compatibility/2006" xmlns:hp="http://schemas.haansoft.com/office/presentation/8.0" kumimoji="0" lang="ko-KR" altLang="en-US" sz="1800" b="0" i="0" u="none" strike="noStrike" kern="1200" cap="none" spc="0" normalizeH="0" baseline="0" mc:Ignorable="hp" hp:hslEmbossed="0">
-                <a:solidFill>
-                  <a:srgbClr val="000000"/>
-                </a:solidFill>
-                <a:latin typeface="맑은 고딕"/>
-                <a:ea typeface="맑은 고딕"/>
-                <a:cs typeface="맑은 고딕"/>
-              </a:rPr>
-              <a:t>투어</a:t>
-            </a:r>
-            <a:endParaRPr xmlns:mc="http://schemas.openxmlformats.org/markup-compatibility/2006" xmlns:hp="http://schemas.haansoft.com/office/presentation/8.0" kumimoji="0" lang="ko-KR" altLang="en-US" sz="1800" b="0" i="0" u="none" strike="noStrike" kern="1200" cap="none" spc="0" normalizeH="0" baseline="0" mc:Ignorable="hp" hp:hslEmbossed="0">
-              <a:solidFill>
-                <a:srgbClr val="000000"/>
-              </a:solidFill>
-              <a:latin typeface="맑은 고딕"/>
-              <a:ea typeface="맑은 고딕"/>
-              <a:cs typeface="맑은 고딕"/>
-            </a:endParaRPr>
-          </a:p>
-          <a:p>
-            <a:pPr marL="0" lvl="0" indent="0" algn="l" defTabSz="914400" rtl="0" eaLnBrk="1" latinLnBrk="1" hangingPunct="1">
-              <a:lnSpc>
-                <a:spcPct val="100000"/>
-              </a:lnSpc>
-              <a:spcBef>
-                <a:spcPts val="0"/>
-              </a:spcBef>
-              <a:spcAft>
-                <a:spcPts val="0"/>
-              </a:spcAft>
-              <a:buNone/>
-              <a:defRPr/>
-            </a:pPr>
-            <a:endParaRPr xmlns:mc="http://schemas.openxmlformats.org/markup-compatibility/2006" xmlns:hp="http://schemas.haansoft.com/office/presentation/8.0" kumimoji="0" lang="en-US" altLang="ko-KR" sz="1800" b="0" i="0" u="none" strike="noStrike" kern="1200" cap="none" spc="0" normalizeH="0" baseline="0" mc:Ignorable="hp" hp:hslEmbossed="0">
-              <a:solidFill>
-                <a:srgbClr val="000000"/>
-              </a:solidFill>
-              <a:latin typeface="맑은 고딕"/>
-              <a:ea typeface="맑은 고딕"/>
-              <a:cs typeface="맑은 고딕"/>
-            </a:endParaRPr>
-          </a:p>
-        </p:txBody>
-      </p:sp>
-      <p:sp>
-        <p:nvSpPr>
-          <p:cNvPr id="4" name="직사각형 3"/>
-          <p:cNvSpPr/>
-          <p:nvPr/>
-        </p:nvSpPr>
-        <p:spPr>
-          <a:xfrm>
-            <a:off x="184727" y="1098821"/>
-            <a:ext cx="11711709" cy="674561"/>
-          </a:xfrm>
-          <a:prstGeom prst="rect">
-            <a:avLst/>
-          </a:prstGeom>
-          <a:gradFill rotWithShape="1">
-            <a:gsLst>
-              <a:gs pos="0">
-                <a:srgbClr val="ffdd9e">
-                  <a:alpha val="100000"/>
-                </a:srgbClr>
-              </a:gs>
-              <a:gs pos="50000">
-                <a:srgbClr val="ffd790">
-                  <a:alpha val="100000"/>
-                </a:srgbClr>
-              </a:gs>
-              <a:gs pos="100000">
-                <a:srgbClr val="ffd47c">
-                  <a:alpha val="100000"/>
-                </a:srgbClr>
-              </a:gs>
-            </a:gsLst>
-            <a:lin ang="5400000" scaled="0"/>
-          </a:gradFill>
-          <a:ln w="6350" cap="flat" cmpd="sng" algn="ctr">
-            <a:solidFill>
-              <a:srgbClr val="ffc000">
-                <a:alpha val="100000"/>
-              </a:srgbClr>
-            </a:solidFill>
-            <a:prstDash val="solid"/>
-            <a:miter/>
-          </a:ln>
-          <a:effectLst/>
-        </p:spPr>
-        <p:txBody>
-          <a:bodyPr anchor="ctr"/>
-          <a:p>
-            <a:pPr marL="0" lvl="0" indent="0" algn="ctr" defTabSz="914400" rtl="0" eaLnBrk="1" latinLnBrk="1" hangingPunct="1">
-              <a:lnSpc>
-                <a:spcPct val="100000"/>
-              </a:lnSpc>
-              <a:spcBef>
-                <a:spcPts val="0"/>
-              </a:spcBef>
-              <a:spcAft>
-                <a:spcPts val="0"/>
-              </a:spcAft>
-              <a:buNone/>
-              <a:defRPr/>
-            </a:pPr>
-            <a:endParaRPr xmlns:mc="http://schemas.openxmlformats.org/markup-compatibility/2006" xmlns:hp="http://schemas.haansoft.com/office/presentation/8.0" kumimoji="0" lang="ko-KR" altLang="en-US" sz="1800" b="0" i="0" u="none" strike="noStrike" kern="1200" cap="none" spc="0" normalizeH="0" baseline="0" mc:Ignorable="hp" hp:hslEmbossed="0">
-              <a:solidFill>
-                <a:srgbClr val="000000"/>
-              </a:solidFill>
-              <a:latin typeface="맑은 고딕"/>
-              <a:ea typeface="맑은 고딕"/>
-              <a:cs typeface="맑은 고딕"/>
-            </a:endParaRPr>
-          </a:p>
-        </p:txBody>
-      </p:sp>
-      <p:sp>
-        <p:nvSpPr>
-          <p:cNvPr id="5" name="TextBox 5"/>
-          <p:cNvSpPr txBox="1"/>
-          <p:nvPr/>
-        </p:nvSpPr>
-        <p:spPr>
-          <a:xfrm>
-            <a:off x="2495306" y="1263381"/>
-            <a:ext cx="1376926" cy="363489"/>
-          </a:xfrm>
-          <a:prstGeom prst="rect">
-            <a:avLst/>
-          </a:prstGeom>
-          <a:noFill/>
-        </p:spPr>
-        <p:txBody>
-          <a:bodyPr wrap="square">
-            <a:spAutoFit/>
-          </a:bodyPr>
-          <a:p>
-            <a:pPr marL="0" lvl="0" indent="0" algn="l" defTabSz="914400" rtl="0" eaLnBrk="1" latinLnBrk="1" hangingPunct="1">
-              <a:lnSpc>
-                <a:spcPct val="100000"/>
-              </a:lnSpc>
-              <a:spcBef>
-                <a:spcPts val="0"/>
-              </a:spcBef>
-              <a:spcAft>
-                <a:spcPts val="0"/>
-              </a:spcAft>
-              <a:buNone/>
-              <a:defRPr/>
-            </a:pPr>
-            <a:r>
-              <a:rPr xmlns:mc="http://schemas.openxmlformats.org/markup-compatibility/2006" xmlns:hp="http://schemas.haansoft.com/office/presentation/8.0" kumimoji="0" lang="ko-KR" altLang="en-US" sz="1800" b="0" i="0" u="none" strike="noStrike" kern="1200" cap="none" spc="0" normalizeH="0" baseline="0" mc:Ignorable="hp" hp:hslEmbossed="0">
-                <a:solidFill>
-                  <a:srgbClr val="000000"/>
-                </a:solidFill>
-                <a:latin typeface="맑은 고딕"/>
-                <a:ea typeface="맑은 고딕"/>
-                <a:cs typeface="맑은 고딕"/>
-              </a:rPr>
-              <a:t>이달의여행</a:t>
-            </a:r>
-            <a:endParaRPr xmlns:mc="http://schemas.openxmlformats.org/markup-compatibility/2006" xmlns:hp="http://schemas.haansoft.com/office/presentation/8.0" kumimoji="0" lang="ko-KR" altLang="en-US" sz="1800" b="0" i="0" u="none" strike="noStrike" kern="1200" cap="none" spc="0" normalizeH="0" baseline="0" mc:Ignorable="hp" hp:hslEmbossed="0">
-              <a:solidFill>
-                <a:srgbClr val="000000"/>
-              </a:solidFill>
-              <a:latin typeface="맑은 고딕"/>
-              <a:ea typeface="맑은 고딕"/>
-              <a:cs typeface="맑은 고딕"/>
-            </a:endParaRPr>
-          </a:p>
-        </p:txBody>
-      </p:sp>
-      <p:sp>
-        <p:nvSpPr>
-          <p:cNvPr id="6" name="TextBox 5"/>
-          <p:cNvSpPr txBox="1"/>
-          <p:nvPr/>
-        </p:nvSpPr>
-        <p:spPr>
-          <a:xfrm>
-            <a:off x="4358110" y="1251909"/>
-            <a:ext cx="1151604" cy="369332"/>
-          </a:xfrm>
-          <a:prstGeom prst="rect">
-            <a:avLst/>
-          </a:prstGeom>
-          <a:noFill/>
-        </p:spPr>
-        <p:txBody>
-          <a:bodyPr wrap="square">
-            <a:spAutoFit/>
-          </a:bodyPr>
-          <a:p>
-            <a:pPr marL="0" lvl="0" indent="0" algn="l" defTabSz="914400" rtl="0" eaLnBrk="1" latinLnBrk="1" hangingPunct="1">
-              <a:lnSpc>
-                <a:spcPct val="100000"/>
-              </a:lnSpc>
-              <a:spcBef>
-                <a:spcPts val="0"/>
-              </a:spcBef>
-              <a:spcAft>
-                <a:spcPts val="0"/>
-              </a:spcAft>
-              <a:buNone/>
-              <a:defRPr/>
-            </a:pPr>
-            <a:r>
-              <a:rPr xmlns:mc="http://schemas.openxmlformats.org/markup-compatibility/2006" xmlns:hp="http://schemas.haansoft.com/office/presentation/8.0" kumimoji="0" lang="ko-KR" altLang="en-US" sz="1800" b="0" i="0" u="none" strike="noStrike" kern="1200" cap="none" spc="0" normalizeH="0" baseline="0" mc:Ignorable="hp" hp:hslEmbossed="0">
-                <a:solidFill>
-                  <a:srgbClr val="000000"/>
-                </a:solidFill>
-                <a:latin typeface="맑은 고딕"/>
-                <a:ea typeface="맑은 고딕"/>
-                <a:cs typeface="맑은 고딕"/>
-              </a:rPr>
-              <a:t>맛집여행</a:t>
-            </a:r>
-            <a:endParaRPr xmlns:mc="http://schemas.openxmlformats.org/markup-compatibility/2006" xmlns:hp="http://schemas.haansoft.com/office/presentation/8.0" kumimoji="0" lang="ko-KR" altLang="en-US" sz="1800" b="0" i="0" u="none" strike="noStrike" kern="1200" cap="none" spc="0" normalizeH="0" baseline="0" mc:Ignorable="hp" hp:hslEmbossed="0">
-              <a:solidFill>
-                <a:srgbClr val="000000"/>
-              </a:solidFill>
-              <a:latin typeface="맑은 고딕"/>
-              <a:ea typeface="맑은 고딕"/>
-              <a:cs typeface="맑은 고딕"/>
-            </a:endParaRPr>
-          </a:p>
-        </p:txBody>
-      </p:sp>
-      <p:sp>
-        <p:nvSpPr>
-          <p:cNvPr id="7" name="TextBox 5"/>
-          <p:cNvSpPr txBox="1"/>
-          <p:nvPr/>
-        </p:nvSpPr>
-        <p:spPr>
-          <a:xfrm>
-            <a:off x="6222141" y="1292876"/>
-            <a:ext cx="1151604" cy="369332"/>
-          </a:xfrm>
-          <a:prstGeom prst="rect">
-            <a:avLst/>
-          </a:prstGeom>
-          <a:noFill/>
-        </p:spPr>
-        <p:txBody>
-          <a:bodyPr wrap="square">
-            <a:spAutoFit/>
-          </a:bodyPr>
-          <a:p>
-            <a:pPr marL="0" lvl="0" indent="0" algn="l" defTabSz="914400" rtl="0" eaLnBrk="1" latinLnBrk="1" hangingPunct="1">
-              <a:lnSpc>
-                <a:spcPct val="100000"/>
-              </a:lnSpc>
-              <a:spcBef>
-                <a:spcPts val="0"/>
-              </a:spcBef>
-              <a:spcAft>
-                <a:spcPts val="0"/>
-              </a:spcAft>
-              <a:buNone/>
-              <a:defRPr/>
-            </a:pPr>
-            <a:r>
-              <a:rPr xmlns:mc="http://schemas.openxmlformats.org/markup-compatibility/2006" xmlns:hp="http://schemas.haansoft.com/office/presentation/8.0" kumimoji="0" lang="ko-KR" altLang="en-US" sz="1800" b="0" i="0" u="none" strike="noStrike" kern="1200" cap="none" spc="0" normalizeH="0" baseline="0" mc:Ignorable="hp" hp:hslEmbossed="0">
-                <a:solidFill>
-                  <a:srgbClr val="000000"/>
-                </a:solidFill>
-                <a:latin typeface="맑은 고딕"/>
-                <a:ea typeface="맑은 고딕"/>
-                <a:cs typeface="맑은 고딕"/>
-              </a:rPr>
-              <a:t>추천여행</a:t>
-            </a:r>
-            <a:endParaRPr xmlns:mc="http://schemas.openxmlformats.org/markup-compatibility/2006" xmlns:hp="http://schemas.haansoft.com/office/presentation/8.0" kumimoji="0" lang="ko-KR" altLang="en-US" sz="1800" b="0" i="0" u="none" strike="noStrike" kern="1200" cap="none" spc="0" normalizeH="0" baseline="0" mc:Ignorable="hp" hp:hslEmbossed="0">
-              <a:solidFill>
-                <a:srgbClr val="000000"/>
-              </a:solidFill>
-              <a:latin typeface="맑은 고딕"/>
-              <a:ea typeface="맑은 고딕"/>
-              <a:cs typeface="맑은 고딕"/>
-            </a:endParaRPr>
-          </a:p>
-        </p:txBody>
-      </p:sp>
-      <p:sp>
-        <p:nvSpPr>
-          <p:cNvPr id="8" name="TextBox 5"/>
-          <p:cNvSpPr txBox="1"/>
-          <p:nvPr/>
-        </p:nvSpPr>
-        <p:spPr>
-          <a:xfrm>
-            <a:off x="8157867" y="1231427"/>
-            <a:ext cx="1151604" cy="369332"/>
-          </a:xfrm>
-          <a:prstGeom prst="rect">
-            <a:avLst/>
-          </a:prstGeom>
-          <a:noFill/>
-        </p:spPr>
-        <p:txBody>
-          <a:bodyPr wrap="square">
-            <a:spAutoFit/>
-          </a:bodyPr>
-          <a:p>
-            <a:pPr marL="0" lvl="0" indent="0" algn="l" defTabSz="914400" rtl="0" eaLnBrk="1" latinLnBrk="1" hangingPunct="1">
-              <a:lnSpc>
-                <a:spcPct val="100000"/>
-              </a:lnSpc>
-              <a:spcBef>
-                <a:spcPts val="0"/>
-              </a:spcBef>
-              <a:spcAft>
-                <a:spcPts val="0"/>
-              </a:spcAft>
-              <a:buNone/>
-              <a:defRPr/>
-            </a:pPr>
-            <a:r>
-              <a:rPr xmlns:mc="http://schemas.openxmlformats.org/markup-compatibility/2006" xmlns:hp="http://schemas.haansoft.com/office/presentation/8.0" kumimoji="0" lang="ko-KR" altLang="en-US" sz="1800" b="0" i="0" u="none" strike="noStrike" kern="1200" cap="none" spc="0" normalizeH="0" baseline="0" mc:Ignorable="hp" hp:hslEmbossed="0">
-                <a:solidFill>
-                  <a:srgbClr val="000000"/>
-                </a:solidFill>
-                <a:latin typeface="맑은 고딕"/>
-                <a:ea typeface="맑은 고딕"/>
-                <a:cs typeface="맑은 고딕"/>
-              </a:rPr>
-              <a:t>테마여행</a:t>
-            </a:r>
-            <a:endParaRPr xmlns:mc="http://schemas.openxmlformats.org/markup-compatibility/2006" xmlns:hp="http://schemas.haansoft.com/office/presentation/8.0" kumimoji="0" lang="ko-KR" altLang="en-US" sz="1800" b="0" i="0" u="none" strike="noStrike" kern="1200" cap="none" spc="0" normalizeH="0" baseline="0" mc:Ignorable="hp" hp:hslEmbossed="0">
-              <a:solidFill>
-                <a:srgbClr val="000000"/>
-              </a:solidFill>
-              <a:latin typeface="맑은 고딕"/>
-              <a:ea typeface="맑은 고딕"/>
-              <a:cs typeface="맑은 고딕"/>
-            </a:endParaRPr>
-          </a:p>
-        </p:txBody>
-      </p:sp>
-      <p:sp>
-        <p:nvSpPr>
-          <p:cNvPr id="9" name="직사각형 8"/>
-          <p:cNvSpPr/>
-          <p:nvPr/>
-        </p:nvSpPr>
-        <p:spPr>
-          <a:xfrm>
-            <a:off x="660502" y="2450896"/>
-            <a:ext cx="1403145" cy="732297"/>
-          </a:xfrm>
-          <a:prstGeom prst="rect">
-            <a:avLst/>
-          </a:prstGeom>
-        </p:spPr>
-        <p:style>
-          <a:lnRef idx="1">
-            <a:schemeClr val="accent1"/>
-          </a:lnRef>
-          <a:fillRef idx="2">
-            <a:schemeClr val="accent1"/>
-          </a:fillRef>
-          <a:effectRef idx="1">
-            <a:schemeClr val="accent1"/>
-          </a:effectRef>
-          <a:fontRef idx="minor">
-            <a:schemeClr val="dk1"/>
-          </a:fontRef>
-        </p:style>
-        <p:txBody>
-          <a:bodyPr anchor="ctr"/>
-          <a:p>
-            <a:pPr lvl="0" algn="ctr">
-              <a:defRPr/>
-            </a:pPr>
-            <a:endParaRPr lang="ko-KR" altLang="en-US"/>
-          </a:p>
-        </p:txBody>
-      </p:sp>
-      <p:sp>
-        <p:nvSpPr>
-          <p:cNvPr id="10" name="직사각형 9"/>
-          <p:cNvSpPr/>
-          <p:nvPr/>
-        </p:nvSpPr>
-        <p:spPr>
-          <a:xfrm>
-            <a:off x="2232127" y="2460421"/>
-            <a:ext cx="1403145" cy="732297"/>
-          </a:xfrm>
-          <a:prstGeom prst="rect">
-            <a:avLst/>
-          </a:prstGeom>
-          <a:gradFill rotWithShape="1">
-            <a:gsLst>
-              <a:gs pos="0">
-                <a:srgbClr val="b1cbea">
-                  <a:alpha val="100000"/>
-                </a:srgbClr>
-              </a:gs>
-              <a:gs pos="50000">
-                <a:srgbClr val="a3c1e5">
-                  <a:alpha val="100000"/>
-                </a:srgbClr>
-              </a:gs>
-              <a:gs pos="100000">
-                <a:srgbClr val="93b9e4">
-                  <a:alpha val="100000"/>
-                </a:srgbClr>
-              </a:gs>
-            </a:gsLst>
-            <a:lin ang="5400000" scaled="0"/>
-          </a:gradFill>
-          <a:ln w="6350" cap="flat" cmpd="sng" algn="ctr">
-            <a:solidFill>
-              <a:srgbClr val="5b9bd5">
-                <a:alpha val="100000"/>
-              </a:srgbClr>
-            </a:solidFill>
-            <a:prstDash val="solid"/>
-            <a:miter/>
-          </a:ln>
-          <a:effectLst/>
-        </p:spPr>
-        <p:txBody>
-          <a:bodyPr anchor="ctr"/>
-          <a:p>
-            <a:pPr marL="0" lvl="0" indent="0" algn="ctr" defTabSz="914400" rtl="0" eaLnBrk="1" latinLnBrk="1" hangingPunct="1">
-              <a:lnSpc>
-                <a:spcPct val="100000"/>
-              </a:lnSpc>
-              <a:spcBef>
-                <a:spcPts val="0"/>
-              </a:spcBef>
-              <a:spcAft>
-                <a:spcPts val="0"/>
-              </a:spcAft>
-              <a:buNone/>
-              <a:defRPr/>
-            </a:pPr>
-            <a:endParaRPr xmlns:mc="http://schemas.openxmlformats.org/markup-compatibility/2006" xmlns:hp="http://schemas.haansoft.com/office/presentation/8.0" kumimoji="0" lang="ko-KR" altLang="en-US" sz="1800" b="0" i="0" u="none" strike="noStrike" kern="1200" cap="none" spc="0" normalizeH="0" baseline="0" mc:Ignorable="hp" hp:hslEmbossed="0">
-              <a:solidFill>
-                <a:srgbClr val="000000"/>
-              </a:solidFill>
-              <a:latin typeface="맑은 고딕"/>
-              <a:ea typeface="맑은 고딕"/>
-              <a:cs typeface="맑은 고딕"/>
-            </a:endParaRPr>
-          </a:p>
-        </p:txBody>
-      </p:sp>
-      <p:sp>
-        <p:nvSpPr>
-          <p:cNvPr id="11" name="직사각형 10"/>
-          <p:cNvSpPr/>
-          <p:nvPr/>
-        </p:nvSpPr>
-        <p:spPr>
-          <a:xfrm>
-            <a:off x="3832327" y="2460421"/>
-            <a:ext cx="1403145" cy="732297"/>
-          </a:xfrm>
-          <a:prstGeom prst="rect">
-            <a:avLst/>
-          </a:prstGeom>
-          <a:gradFill rotWithShape="1">
-            <a:gsLst>
-              <a:gs pos="0">
-                <a:srgbClr val="b1cbea">
-                  <a:alpha val="100000"/>
-                </a:srgbClr>
-              </a:gs>
-              <a:gs pos="50000">
-                <a:srgbClr val="a3c1e5">
-                  <a:alpha val="100000"/>
-                </a:srgbClr>
-              </a:gs>
-              <a:gs pos="100000">
-                <a:srgbClr val="93b9e4">
-                  <a:alpha val="100000"/>
-                </a:srgbClr>
-              </a:gs>
-            </a:gsLst>
-            <a:lin ang="5400000" scaled="0"/>
-          </a:gradFill>
-          <a:ln w="6350" cap="flat" cmpd="sng" algn="ctr">
-            <a:solidFill>
-              <a:srgbClr val="5b9bd5">
-                <a:alpha val="100000"/>
-              </a:srgbClr>
-            </a:solidFill>
-            <a:prstDash val="solid"/>
-            <a:miter/>
-          </a:ln>
-          <a:effectLst/>
-        </p:spPr>
-        <p:txBody>
-          <a:bodyPr anchor="ctr"/>
-          <a:p>
-            <a:pPr marL="0" lvl="0" indent="0" algn="ctr" defTabSz="914400" rtl="0" eaLnBrk="1" latinLnBrk="1" hangingPunct="1">
-              <a:lnSpc>
-                <a:spcPct val="100000"/>
-              </a:lnSpc>
-              <a:spcBef>
-                <a:spcPts val="0"/>
-              </a:spcBef>
-              <a:spcAft>
-                <a:spcPts val="0"/>
-              </a:spcAft>
-              <a:buNone/>
-              <a:defRPr/>
-            </a:pPr>
-            <a:endParaRPr xmlns:mc="http://schemas.openxmlformats.org/markup-compatibility/2006" xmlns:hp="http://schemas.haansoft.com/office/presentation/8.0" kumimoji="0" lang="ko-KR" altLang="en-US" sz="1800" b="0" i="0" u="none" strike="noStrike" kern="1200" cap="none" spc="0" normalizeH="0" baseline="0" mc:Ignorable="hp" hp:hslEmbossed="0">
-              <a:solidFill>
-                <a:srgbClr val="000000"/>
-              </a:solidFill>
-              <a:latin typeface="맑은 고딕"/>
-              <a:ea typeface="맑은 고딕"/>
-              <a:cs typeface="맑은 고딕"/>
-            </a:endParaRPr>
-          </a:p>
-        </p:txBody>
-      </p:sp>
-      <p:sp>
-        <p:nvSpPr>
-          <p:cNvPr id="12" name="직사각형 11"/>
-          <p:cNvSpPr/>
-          <p:nvPr/>
-        </p:nvSpPr>
-        <p:spPr>
-          <a:xfrm>
-            <a:off x="5394427" y="2460421"/>
-            <a:ext cx="1403145" cy="732297"/>
-          </a:xfrm>
-          <a:prstGeom prst="rect">
-            <a:avLst/>
-          </a:prstGeom>
-          <a:gradFill rotWithShape="1">
-            <a:gsLst>
-              <a:gs pos="0">
-                <a:srgbClr val="b1cbea">
-                  <a:alpha val="100000"/>
-                </a:srgbClr>
-              </a:gs>
-              <a:gs pos="50000">
-                <a:srgbClr val="a3c1e5">
-                  <a:alpha val="100000"/>
-                </a:srgbClr>
-              </a:gs>
-              <a:gs pos="100000">
-                <a:srgbClr val="93b9e4">
-                  <a:alpha val="100000"/>
-                </a:srgbClr>
-              </a:gs>
-            </a:gsLst>
-            <a:lin ang="5400000" scaled="0"/>
-          </a:gradFill>
-          <a:ln w="6350" cap="flat" cmpd="sng" algn="ctr">
-            <a:solidFill>
-              <a:srgbClr val="5b9bd5">
-                <a:alpha val="100000"/>
-              </a:srgbClr>
-            </a:solidFill>
-            <a:prstDash val="solid"/>
-            <a:miter/>
-          </a:ln>
-          <a:effectLst/>
-        </p:spPr>
-        <p:txBody>
-          <a:bodyPr anchor="ctr"/>
-          <a:p>
-            <a:pPr marL="0" lvl="0" indent="0" algn="ctr" defTabSz="914400" rtl="0" eaLnBrk="1" latinLnBrk="1" hangingPunct="1">
-              <a:lnSpc>
-                <a:spcPct val="100000"/>
-              </a:lnSpc>
-              <a:spcBef>
-                <a:spcPts val="0"/>
-              </a:spcBef>
-              <a:spcAft>
-                <a:spcPts val="0"/>
-              </a:spcAft>
-              <a:buNone/>
-              <a:defRPr/>
-            </a:pPr>
-            <a:endParaRPr xmlns:mc="http://schemas.openxmlformats.org/markup-compatibility/2006" xmlns:hp="http://schemas.haansoft.com/office/presentation/8.0" kumimoji="0" lang="ko-KR" altLang="en-US" sz="1800" b="0" i="0" u="none" strike="noStrike" kern="1200" cap="none" spc="0" normalizeH="0" baseline="0" mc:Ignorable="hp" hp:hslEmbossed="0">
-              <a:solidFill>
-                <a:srgbClr val="000000"/>
-              </a:solidFill>
-              <a:latin typeface="맑은 고딕"/>
-              <a:ea typeface="맑은 고딕"/>
-              <a:cs typeface="맑은 고딕"/>
-            </a:endParaRPr>
-          </a:p>
-        </p:txBody>
-      </p:sp>
-      <p:sp>
-        <p:nvSpPr>
-          <p:cNvPr id="13" name="직사각형 12"/>
-          <p:cNvSpPr/>
-          <p:nvPr/>
-        </p:nvSpPr>
-        <p:spPr>
-          <a:xfrm>
-            <a:off x="6937477" y="2469945"/>
-            <a:ext cx="1403145" cy="732297"/>
-          </a:xfrm>
-          <a:prstGeom prst="rect">
-            <a:avLst/>
-          </a:prstGeom>
-          <a:gradFill rotWithShape="1">
-            <a:gsLst>
-              <a:gs pos="0">
-                <a:srgbClr val="b1cbea">
-                  <a:alpha val="100000"/>
-                </a:srgbClr>
-              </a:gs>
-              <a:gs pos="50000">
-                <a:srgbClr val="a3c1e5">
-                  <a:alpha val="100000"/>
-                </a:srgbClr>
-              </a:gs>
-              <a:gs pos="100000">
-                <a:srgbClr val="93b9e4">
-                  <a:alpha val="100000"/>
-                </a:srgbClr>
-              </a:gs>
-            </a:gsLst>
-            <a:lin ang="5400000" scaled="0"/>
-          </a:gradFill>
-          <a:ln w="6350" cap="flat" cmpd="sng" algn="ctr">
-            <a:solidFill>
-              <a:srgbClr val="5b9bd5">
-                <a:alpha val="100000"/>
-              </a:srgbClr>
-            </a:solidFill>
-            <a:prstDash val="solid"/>
-            <a:miter/>
-          </a:ln>
-          <a:effectLst/>
-        </p:spPr>
-        <p:txBody>
-          <a:bodyPr anchor="ctr"/>
-          <a:p>
-            <a:pPr marL="0" lvl="0" indent="0" algn="ctr" defTabSz="914400" rtl="0" eaLnBrk="1" latinLnBrk="1" hangingPunct="1">
-              <a:lnSpc>
-                <a:spcPct val="100000"/>
-              </a:lnSpc>
-              <a:spcBef>
-                <a:spcPts val="0"/>
-              </a:spcBef>
-              <a:spcAft>
-                <a:spcPts val="0"/>
-              </a:spcAft>
-              <a:buNone/>
-              <a:defRPr/>
-            </a:pPr>
-            <a:endParaRPr xmlns:mc="http://schemas.openxmlformats.org/markup-compatibility/2006" xmlns:hp="http://schemas.haansoft.com/office/presentation/8.0" kumimoji="0" lang="ko-KR" altLang="en-US" sz="1800" b="0" i="0" u="none" strike="noStrike" kern="1200" cap="none" spc="0" normalizeH="0" baseline="0" mc:Ignorable="hp" hp:hslEmbossed="0">
-              <a:solidFill>
-                <a:srgbClr val="000000"/>
-              </a:solidFill>
-              <a:latin typeface="맑은 고딕"/>
-              <a:ea typeface="맑은 고딕"/>
-              <a:cs typeface="맑은 고딕"/>
-            </a:endParaRPr>
-          </a:p>
-        </p:txBody>
-      </p:sp>
-      <p:sp>
-        <p:nvSpPr>
-          <p:cNvPr id="14" name="직사각형 13"/>
-          <p:cNvSpPr/>
-          <p:nvPr/>
-        </p:nvSpPr>
-        <p:spPr>
-          <a:xfrm>
-            <a:off x="8490053" y="2450896"/>
-            <a:ext cx="1403145" cy="732297"/>
-          </a:xfrm>
-          <a:prstGeom prst="rect">
-            <a:avLst/>
-          </a:prstGeom>
-          <a:gradFill rotWithShape="1">
-            <a:gsLst>
-              <a:gs pos="0">
-                <a:srgbClr val="b1cbea">
-                  <a:alpha val="100000"/>
-                </a:srgbClr>
-              </a:gs>
-              <a:gs pos="50000">
-                <a:srgbClr val="a3c1e5">
-                  <a:alpha val="100000"/>
-                </a:srgbClr>
-              </a:gs>
-              <a:gs pos="100000">
-                <a:srgbClr val="93b9e4">
-                  <a:alpha val="100000"/>
-                </a:srgbClr>
-              </a:gs>
-            </a:gsLst>
-            <a:lin ang="5400000" scaled="0"/>
-          </a:gradFill>
-          <a:ln w="6350" cap="flat" cmpd="sng" algn="ctr">
-            <a:solidFill>
-              <a:srgbClr val="5b9bd5">
-                <a:alpha val="100000"/>
-              </a:srgbClr>
-            </a:solidFill>
-            <a:prstDash val="solid"/>
-            <a:miter/>
-          </a:ln>
-          <a:effectLst/>
-        </p:spPr>
-        <p:txBody>
-          <a:bodyPr anchor="ctr"/>
-          <a:p>
-            <a:pPr marL="0" lvl="0" indent="0" algn="ctr" defTabSz="914400" rtl="0" eaLnBrk="1" latinLnBrk="1" hangingPunct="1">
-              <a:lnSpc>
-                <a:spcPct val="100000"/>
-              </a:lnSpc>
-              <a:spcBef>
-                <a:spcPts val="0"/>
-              </a:spcBef>
-              <a:spcAft>
-                <a:spcPts val="0"/>
-              </a:spcAft>
-              <a:buNone/>
-              <a:defRPr/>
-            </a:pPr>
-            <a:endParaRPr xmlns:mc="http://schemas.openxmlformats.org/markup-compatibility/2006" xmlns:hp="http://schemas.haansoft.com/office/presentation/8.0" kumimoji="0" lang="ko-KR" altLang="en-US" sz="1800" b="0" i="0" u="none" strike="noStrike" kern="1200" cap="none" spc="0" normalizeH="0" baseline="0" mc:Ignorable="hp" hp:hslEmbossed="0">
-              <a:solidFill>
-                <a:srgbClr val="000000"/>
-              </a:solidFill>
-              <a:latin typeface="맑은 고딕"/>
-              <a:ea typeface="맑은 고딕"/>
-              <a:cs typeface="맑은 고딕"/>
-            </a:endParaRPr>
-          </a:p>
-        </p:txBody>
-      </p:sp>
-      <p:sp>
-        <p:nvSpPr>
-          <p:cNvPr id="27" name="가로 글상자 26"/>
-          <p:cNvSpPr txBox="1"/>
-          <p:nvPr/>
-        </p:nvSpPr>
-        <p:spPr>
-          <a:xfrm>
-            <a:off x="10300315" y="2614766"/>
-            <a:ext cx="1372419" cy="365473"/>
-          </a:xfrm>
-          <a:prstGeom prst="rect">
-            <a:avLst/>
-          </a:prstGeom>
-        </p:spPr>
-        <p:txBody>
-          <a:bodyPr wrap="square">
-            <a:spAutoFit/>
-          </a:bodyPr>
-          <a:p>
-            <a:pPr lvl="0">
-              <a:defRPr/>
-            </a:pPr>
-            <a:r>
-              <a:rPr lang="ko-KR" altLang="en-US"/>
-              <a:t>이달의여행</a:t>
-            </a:r>
-            <a:endParaRPr lang="ko-KR" altLang="en-US"/>
-          </a:p>
-        </p:txBody>
-      </p:sp>
-      <p:sp>
-        <p:nvSpPr>
-          <p:cNvPr id="28" name="가로 글상자 27"/>
-          <p:cNvSpPr txBox="1"/>
-          <p:nvPr/>
-        </p:nvSpPr>
-        <p:spPr>
-          <a:xfrm>
-            <a:off x="10360538" y="3620933"/>
-            <a:ext cx="1372419" cy="364654"/>
-          </a:xfrm>
-          <a:prstGeom prst="rect">
-            <a:avLst/>
-          </a:prstGeom>
-        </p:spPr>
-        <p:txBody>
-          <a:bodyPr wrap="square">
-            <a:spAutoFit/>
-          </a:bodyPr>
-          <a:p>
-            <a:pPr marL="0" lvl="0" indent="0" algn="l" defTabSz="914400" rtl="0" eaLnBrk="1" latinLnBrk="1" hangingPunct="1">
-              <a:lnSpc>
-                <a:spcPct val="100000"/>
-              </a:lnSpc>
-              <a:spcBef>
-                <a:spcPts val="0"/>
-              </a:spcBef>
-              <a:spcAft>
-                <a:spcPts val="0"/>
-              </a:spcAft>
-              <a:buNone/>
-              <a:defRPr/>
-            </a:pPr>
-            <a:r>
-              <a:rPr xmlns:mc="http://schemas.openxmlformats.org/markup-compatibility/2006" xmlns:hp="http://schemas.haansoft.com/office/presentation/8.0" kumimoji="0" lang="ko-KR" altLang="en-US" sz="1800" b="0" i="0" u="none" strike="noStrike" kern="1200" cap="none" spc="0" normalizeH="0" baseline="0" mc:Ignorable="hp" hp:hslEmbossed="0">
-                <a:solidFill>
-                  <a:srgbClr val="000000"/>
-                </a:solidFill>
-                <a:latin typeface="맑은 고딕"/>
-                <a:ea typeface="맑은 고딕"/>
-                <a:cs typeface="맑은 고딕"/>
-              </a:rPr>
-              <a:t>맛집여행</a:t>
-            </a:r>
-            <a:endParaRPr xmlns:mc="http://schemas.openxmlformats.org/markup-compatibility/2006" xmlns:hp="http://schemas.haansoft.com/office/presentation/8.0" kumimoji="0" lang="ko-KR" altLang="en-US" sz="1800" b="0" i="0" u="none" strike="noStrike" kern="1200" cap="none" spc="0" normalizeH="0" baseline="0" mc:Ignorable="hp" hp:hslEmbossed="0">
-              <a:solidFill>
-                <a:srgbClr val="000000"/>
-              </a:solidFill>
-              <a:latin typeface="맑은 고딕"/>
-              <a:ea typeface="맑은 고딕"/>
-              <a:cs typeface="맑은 고딕"/>
-            </a:endParaRPr>
-          </a:p>
-        </p:txBody>
-      </p:sp>
-      <p:sp>
-        <p:nvSpPr>
-          <p:cNvPr id="29" name="가로 글상자 28"/>
-          <p:cNvSpPr txBox="1"/>
-          <p:nvPr/>
-        </p:nvSpPr>
-        <p:spPr>
-          <a:xfrm>
-            <a:off x="10329812" y="4666226"/>
-            <a:ext cx="1372419" cy="365473"/>
-          </a:xfrm>
-          <a:prstGeom prst="rect">
-            <a:avLst/>
-          </a:prstGeom>
-        </p:spPr>
-        <p:txBody>
-          <a:bodyPr wrap="square">
-            <a:spAutoFit/>
-          </a:bodyPr>
-          <a:p>
-            <a:pPr marL="0" lvl="0" indent="0" algn="l" defTabSz="914400" rtl="0" eaLnBrk="1" latinLnBrk="1" hangingPunct="1">
-              <a:lnSpc>
-                <a:spcPct val="100000"/>
-              </a:lnSpc>
-              <a:spcBef>
-                <a:spcPts val="0"/>
-              </a:spcBef>
-              <a:spcAft>
-                <a:spcPts val="0"/>
-              </a:spcAft>
-              <a:buNone/>
-              <a:defRPr/>
-            </a:pPr>
-            <a:r>
-              <a:rPr xmlns:mc="http://schemas.openxmlformats.org/markup-compatibility/2006" xmlns:hp="http://schemas.haansoft.com/office/presentation/8.0" kumimoji="0" lang="ko-KR" altLang="en-US" sz="1800" b="0" i="0" u="none" strike="noStrike" kern="1200" cap="none" spc="0" normalizeH="0" baseline="0" mc:Ignorable="hp" hp:hslEmbossed="0">
-                <a:solidFill>
-                  <a:srgbClr val="000000"/>
-                </a:solidFill>
-                <a:latin typeface="맑은 고딕"/>
-                <a:ea typeface="맑은 고딕"/>
-                <a:cs typeface="맑은 고딕"/>
-              </a:rPr>
-              <a:t>추천여행</a:t>
-            </a:r>
-            <a:endParaRPr xmlns:mc="http://schemas.openxmlformats.org/markup-compatibility/2006" xmlns:hp="http://schemas.haansoft.com/office/presentation/8.0" kumimoji="0" lang="ko-KR" altLang="en-US" sz="1800" b="0" i="0" u="none" strike="noStrike" kern="1200" cap="none" spc="0" normalizeH="0" baseline="0" mc:Ignorable="hp" hp:hslEmbossed="0">
-              <a:solidFill>
-                <a:srgbClr val="000000"/>
-              </a:solidFill>
-              <a:latin typeface="맑은 고딕"/>
-              <a:ea typeface="맑은 고딕"/>
-              <a:cs typeface="맑은 고딕"/>
-            </a:endParaRPr>
-          </a:p>
-        </p:txBody>
-      </p:sp>
-      <p:sp>
-        <p:nvSpPr>
-          <p:cNvPr id="30" name="직사각형 29"/>
-          <p:cNvSpPr/>
-          <p:nvPr/>
-        </p:nvSpPr>
-        <p:spPr>
-          <a:xfrm>
-            <a:off x="660502" y="3429000"/>
-            <a:ext cx="1403145" cy="732297"/>
-          </a:xfrm>
-          <a:prstGeom prst="rect">
-            <a:avLst/>
-          </a:prstGeom>
-          <a:gradFill rotWithShape="1">
-            <a:gsLst>
-              <a:gs pos="0">
-                <a:srgbClr val="b1cbea">
-                  <a:alpha val="100000"/>
-                </a:srgbClr>
-              </a:gs>
-              <a:gs pos="50000">
-                <a:srgbClr val="a3c1e5">
-                  <a:alpha val="100000"/>
-                </a:srgbClr>
-              </a:gs>
-              <a:gs pos="100000">
-                <a:srgbClr val="93b9e4">
-                  <a:alpha val="100000"/>
-                </a:srgbClr>
-              </a:gs>
-            </a:gsLst>
-            <a:lin ang="5400000" scaled="0"/>
-          </a:gradFill>
-          <a:ln w="6350" cap="flat" cmpd="sng" algn="ctr">
-            <a:solidFill>
-              <a:srgbClr val="5b9bd5">
-                <a:alpha val="100000"/>
-              </a:srgbClr>
-            </a:solidFill>
-            <a:prstDash val="solid"/>
-            <a:miter/>
-          </a:ln>
-          <a:effectLst/>
-        </p:spPr>
-        <p:txBody>
-          <a:bodyPr anchor="ctr"/>
-          <a:p>
-            <a:pPr marL="0" lvl="0" indent="0" algn="ctr" defTabSz="914400" rtl="0" eaLnBrk="1" latinLnBrk="1" hangingPunct="1">
-              <a:lnSpc>
-                <a:spcPct val="100000"/>
-              </a:lnSpc>
-              <a:spcBef>
-                <a:spcPts val="0"/>
-              </a:spcBef>
-              <a:spcAft>
-                <a:spcPts val="0"/>
-              </a:spcAft>
-              <a:buNone/>
-              <a:defRPr/>
-            </a:pPr>
-            <a:endParaRPr xmlns:mc="http://schemas.openxmlformats.org/markup-compatibility/2006" xmlns:hp="http://schemas.haansoft.com/office/presentation/8.0" kumimoji="0" lang="ko-KR" altLang="en-US" sz="1800" b="0" i="0" u="none" strike="noStrike" kern="1200" cap="none" spc="0" normalizeH="0" baseline="0" mc:Ignorable="hp" hp:hslEmbossed="0">
-              <a:solidFill>
-                <a:srgbClr val="000000"/>
-              </a:solidFill>
-              <a:latin typeface="맑은 고딕"/>
-              <a:ea typeface="맑은 고딕"/>
-              <a:cs typeface="맑은 고딕"/>
-            </a:endParaRPr>
-          </a:p>
-        </p:txBody>
-      </p:sp>
-      <p:sp>
-        <p:nvSpPr>
-          <p:cNvPr id="31" name="직사각형 30"/>
-          <p:cNvSpPr/>
-          <p:nvPr/>
-        </p:nvSpPr>
-        <p:spPr>
-          <a:xfrm>
-            <a:off x="2232127" y="3438525"/>
-            <a:ext cx="1403145" cy="732297"/>
-          </a:xfrm>
-          <a:prstGeom prst="rect">
-            <a:avLst/>
-          </a:prstGeom>
-          <a:gradFill rotWithShape="1">
-            <a:gsLst>
-              <a:gs pos="0">
-                <a:srgbClr val="b1cbea">
-                  <a:alpha val="100000"/>
-                </a:srgbClr>
-              </a:gs>
-              <a:gs pos="50000">
-                <a:srgbClr val="a3c1e5">
-                  <a:alpha val="100000"/>
-                </a:srgbClr>
-              </a:gs>
-              <a:gs pos="100000">
-                <a:srgbClr val="93b9e4">
-                  <a:alpha val="100000"/>
-                </a:srgbClr>
-              </a:gs>
-            </a:gsLst>
-            <a:lin ang="5400000" scaled="0"/>
-          </a:gradFill>
-          <a:ln w="6350" cap="flat" cmpd="sng" algn="ctr">
-            <a:solidFill>
-              <a:srgbClr val="5b9bd5">
-                <a:alpha val="100000"/>
-              </a:srgbClr>
-            </a:solidFill>
-            <a:prstDash val="solid"/>
-            <a:miter/>
-          </a:ln>
-          <a:effectLst/>
-        </p:spPr>
-        <p:txBody>
-          <a:bodyPr anchor="ctr"/>
-          <a:p>
-            <a:pPr marL="0" lvl="0" indent="0" algn="ctr" defTabSz="914400" rtl="0" eaLnBrk="1" latinLnBrk="1" hangingPunct="1">
-              <a:lnSpc>
-                <a:spcPct val="100000"/>
-              </a:lnSpc>
-              <a:spcBef>
-                <a:spcPts val="0"/>
-              </a:spcBef>
-              <a:spcAft>
-                <a:spcPts val="0"/>
-              </a:spcAft>
-              <a:buNone/>
-              <a:defRPr/>
-            </a:pPr>
-            <a:endParaRPr xmlns:mc="http://schemas.openxmlformats.org/markup-compatibility/2006" xmlns:hp="http://schemas.haansoft.com/office/presentation/8.0" kumimoji="0" lang="ko-KR" altLang="en-US" sz="1800" b="0" i="0" u="none" strike="noStrike" kern="1200" cap="none" spc="0" normalizeH="0" baseline="0" mc:Ignorable="hp" hp:hslEmbossed="0">
-              <a:solidFill>
-                <a:srgbClr val="000000"/>
-              </a:solidFill>
-              <a:latin typeface="맑은 고딕"/>
-              <a:ea typeface="맑은 고딕"/>
-              <a:cs typeface="맑은 고딕"/>
-            </a:endParaRPr>
-          </a:p>
-        </p:txBody>
-      </p:sp>
-      <p:sp>
-        <p:nvSpPr>
-          <p:cNvPr id="32" name="직사각형 31"/>
-          <p:cNvSpPr/>
-          <p:nvPr/>
-        </p:nvSpPr>
-        <p:spPr>
-          <a:xfrm>
-            <a:off x="3832327" y="3438525"/>
-            <a:ext cx="1403145" cy="732297"/>
-          </a:xfrm>
-          <a:prstGeom prst="rect">
-            <a:avLst/>
-          </a:prstGeom>
-          <a:gradFill rotWithShape="1">
-            <a:gsLst>
-              <a:gs pos="0">
-                <a:srgbClr val="b1cbea">
-                  <a:alpha val="100000"/>
-                </a:srgbClr>
-              </a:gs>
-              <a:gs pos="50000">
-                <a:srgbClr val="a3c1e5">
-                  <a:alpha val="100000"/>
-                </a:srgbClr>
-              </a:gs>
-              <a:gs pos="100000">
-                <a:srgbClr val="93b9e4">
-                  <a:alpha val="100000"/>
-                </a:srgbClr>
-              </a:gs>
-            </a:gsLst>
-            <a:lin ang="5400000" scaled="0"/>
-          </a:gradFill>
-          <a:ln w="6350" cap="flat" cmpd="sng" algn="ctr">
-            <a:solidFill>
-              <a:srgbClr val="5b9bd5">
-                <a:alpha val="100000"/>
-              </a:srgbClr>
-            </a:solidFill>
-            <a:prstDash val="solid"/>
-            <a:miter/>
-          </a:ln>
-          <a:effectLst/>
-        </p:spPr>
-        <p:txBody>
-          <a:bodyPr anchor="ctr"/>
-          <a:p>
-            <a:pPr marL="0" lvl="0" indent="0" algn="ctr" defTabSz="914400" rtl="0" eaLnBrk="1" latinLnBrk="1" hangingPunct="1">
-              <a:lnSpc>
-                <a:spcPct val="100000"/>
-              </a:lnSpc>
-              <a:spcBef>
-                <a:spcPts val="0"/>
-              </a:spcBef>
-              <a:spcAft>
-                <a:spcPts val="0"/>
-              </a:spcAft>
-              <a:buNone/>
-              <a:defRPr/>
-            </a:pPr>
-            <a:endParaRPr xmlns:mc="http://schemas.openxmlformats.org/markup-compatibility/2006" xmlns:hp="http://schemas.haansoft.com/office/presentation/8.0" kumimoji="0" lang="ko-KR" altLang="en-US" sz="1800" b="0" i="0" u="none" strike="noStrike" kern="1200" cap="none" spc="0" normalizeH="0" baseline="0" mc:Ignorable="hp" hp:hslEmbossed="0">
-              <a:solidFill>
-                <a:srgbClr val="000000"/>
-              </a:solidFill>
-              <a:latin typeface="맑은 고딕"/>
-              <a:ea typeface="맑은 고딕"/>
-              <a:cs typeface="맑은 고딕"/>
-            </a:endParaRPr>
-          </a:p>
-        </p:txBody>
-      </p:sp>
-      <p:sp>
-        <p:nvSpPr>
-          <p:cNvPr id="33" name="직사각형 32"/>
-          <p:cNvSpPr/>
-          <p:nvPr/>
-        </p:nvSpPr>
-        <p:spPr>
-          <a:xfrm>
-            <a:off x="5394427" y="3438525"/>
-            <a:ext cx="1403145" cy="732297"/>
-          </a:xfrm>
-          <a:prstGeom prst="rect">
-            <a:avLst/>
-          </a:prstGeom>
-          <a:gradFill rotWithShape="1">
-            <a:gsLst>
-              <a:gs pos="0">
-                <a:srgbClr val="b1cbea">
-                  <a:alpha val="100000"/>
-                </a:srgbClr>
-              </a:gs>
-              <a:gs pos="50000">
-                <a:srgbClr val="a3c1e5">
-                  <a:alpha val="100000"/>
-                </a:srgbClr>
-              </a:gs>
-              <a:gs pos="100000">
-                <a:srgbClr val="93b9e4">
-                  <a:alpha val="100000"/>
-                </a:srgbClr>
-              </a:gs>
-            </a:gsLst>
-            <a:lin ang="5400000" scaled="0"/>
-          </a:gradFill>
-          <a:ln w="6350" cap="flat" cmpd="sng" algn="ctr">
-            <a:solidFill>
-              <a:srgbClr val="5b9bd5">
-                <a:alpha val="100000"/>
-              </a:srgbClr>
-            </a:solidFill>
-            <a:prstDash val="solid"/>
-            <a:miter/>
-          </a:ln>
-          <a:effectLst/>
-        </p:spPr>
-        <p:txBody>
-          <a:bodyPr anchor="ctr"/>
-          <a:p>
-            <a:pPr marL="0" lvl="0" indent="0" algn="ctr" defTabSz="914400" rtl="0" eaLnBrk="1" latinLnBrk="1" hangingPunct="1">
-              <a:lnSpc>
-                <a:spcPct val="100000"/>
-              </a:lnSpc>
-              <a:spcBef>
-                <a:spcPts val="0"/>
-              </a:spcBef>
-              <a:spcAft>
-                <a:spcPts val="0"/>
-              </a:spcAft>
-              <a:buNone/>
-              <a:defRPr/>
-            </a:pPr>
-            <a:endParaRPr xmlns:mc="http://schemas.openxmlformats.org/markup-compatibility/2006" xmlns:hp="http://schemas.haansoft.com/office/presentation/8.0" kumimoji="0" lang="ko-KR" altLang="en-US" sz="1800" b="0" i="0" u="none" strike="noStrike" kern="1200" cap="none" spc="0" normalizeH="0" baseline="0" mc:Ignorable="hp" hp:hslEmbossed="0">
-              <a:solidFill>
-                <a:srgbClr val="000000"/>
-              </a:solidFill>
-              <a:latin typeface="맑은 고딕"/>
-              <a:ea typeface="맑은 고딕"/>
-              <a:cs typeface="맑은 고딕"/>
-            </a:endParaRPr>
-          </a:p>
-        </p:txBody>
-      </p:sp>
-      <p:sp>
-        <p:nvSpPr>
-          <p:cNvPr id="34" name="직사각형 33"/>
-          <p:cNvSpPr/>
-          <p:nvPr/>
-        </p:nvSpPr>
-        <p:spPr>
-          <a:xfrm>
-            <a:off x="6937477" y="3448049"/>
-            <a:ext cx="1403145" cy="732297"/>
-          </a:xfrm>
-          <a:prstGeom prst="rect">
-            <a:avLst/>
-          </a:prstGeom>
-          <a:gradFill rotWithShape="1">
-            <a:gsLst>
-              <a:gs pos="0">
-                <a:srgbClr val="b1cbea">
-                  <a:alpha val="100000"/>
-                </a:srgbClr>
-              </a:gs>
-              <a:gs pos="50000">
-                <a:srgbClr val="a3c1e5">
-                  <a:alpha val="100000"/>
-                </a:srgbClr>
-              </a:gs>
-              <a:gs pos="100000">
-                <a:srgbClr val="93b9e4">
-                  <a:alpha val="100000"/>
-                </a:srgbClr>
-              </a:gs>
-            </a:gsLst>
-            <a:lin ang="5400000" scaled="0"/>
-          </a:gradFill>
-          <a:ln w="6350" cap="flat" cmpd="sng" algn="ctr">
-            <a:solidFill>
-              <a:srgbClr val="5b9bd5">
-                <a:alpha val="100000"/>
-              </a:srgbClr>
-            </a:solidFill>
-            <a:prstDash val="solid"/>
-            <a:miter/>
-          </a:ln>
-          <a:effectLst/>
-        </p:spPr>
-        <p:txBody>
-          <a:bodyPr anchor="ctr"/>
-          <a:p>
-            <a:pPr marL="0" lvl="0" indent="0" algn="ctr" defTabSz="914400" rtl="0" eaLnBrk="1" latinLnBrk="1" hangingPunct="1">
-              <a:lnSpc>
-                <a:spcPct val="100000"/>
-              </a:lnSpc>
-              <a:spcBef>
-                <a:spcPts val="0"/>
-              </a:spcBef>
-              <a:spcAft>
-                <a:spcPts val="0"/>
-              </a:spcAft>
-              <a:buNone/>
-              <a:defRPr/>
-            </a:pPr>
-            <a:endParaRPr xmlns:mc="http://schemas.openxmlformats.org/markup-compatibility/2006" xmlns:hp="http://schemas.haansoft.com/office/presentation/8.0" kumimoji="0" lang="ko-KR" altLang="en-US" sz="1800" b="0" i="0" u="none" strike="noStrike" kern="1200" cap="none" spc="0" normalizeH="0" baseline="0" mc:Ignorable="hp" hp:hslEmbossed="0">
-              <a:solidFill>
-                <a:srgbClr val="000000"/>
-              </a:solidFill>
-              <a:latin typeface="맑은 고딕"/>
-              <a:ea typeface="맑은 고딕"/>
-              <a:cs typeface="맑은 고딕"/>
-            </a:endParaRPr>
-          </a:p>
-        </p:txBody>
-      </p:sp>
-      <p:sp>
-        <p:nvSpPr>
-          <p:cNvPr id="35" name="직사각형 34"/>
-          <p:cNvSpPr/>
-          <p:nvPr/>
-        </p:nvSpPr>
-        <p:spPr>
-          <a:xfrm>
-            <a:off x="8490054" y="3429000"/>
-            <a:ext cx="1403145" cy="732297"/>
-          </a:xfrm>
-          <a:prstGeom prst="rect">
-            <a:avLst/>
-          </a:prstGeom>
-          <a:gradFill rotWithShape="1">
-            <a:gsLst>
-              <a:gs pos="0">
-                <a:srgbClr val="b1cbea">
-                  <a:alpha val="100000"/>
-                </a:srgbClr>
-              </a:gs>
-              <a:gs pos="50000">
-                <a:srgbClr val="a3c1e5">
-                  <a:alpha val="100000"/>
-                </a:srgbClr>
-              </a:gs>
-              <a:gs pos="100000">
-                <a:srgbClr val="93b9e4">
-                  <a:alpha val="100000"/>
-                </a:srgbClr>
-              </a:gs>
-            </a:gsLst>
-            <a:lin ang="5400000" scaled="0"/>
-          </a:gradFill>
-          <a:ln w="6350" cap="flat" cmpd="sng" algn="ctr">
-            <a:solidFill>
-              <a:srgbClr val="5b9bd5">
-                <a:alpha val="100000"/>
-              </a:srgbClr>
-            </a:solidFill>
-            <a:prstDash val="solid"/>
-            <a:miter/>
-          </a:ln>
-          <a:effectLst/>
-        </p:spPr>
-        <p:txBody>
-          <a:bodyPr anchor="ctr"/>
-          <a:p>
-            <a:pPr marL="0" lvl="0" indent="0" algn="ctr" defTabSz="914400" rtl="0" eaLnBrk="1" latinLnBrk="1" hangingPunct="1">
-              <a:lnSpc>
-                <a:spcPct val="100000"/>
-              </a:lnSpc>
-              <a:spcBef>
-                <a:spcPts val="0"/>
-              </a:spcBef>
-              <a:spcAft>
-                <a:spcPts val="0"/>
-              </a:spcAft>
-              <a:buNone/>
-              <a:defRPr/>
-            </a:pPr>
-            <a:endParaRPr xmlns:mc="http://schemas.openxmlformats.org/markup-compatibility/2006" xmlns:hp="http://schemas.haansoft.com/office/presentation/8.0" kumimoji="0" lang="ko-KR" altLang="en-US" sz="1800" b="0" i="0" u="none" strike="noStrike" kern="1200" cap="none" spc="0" normalizeH="0" baseline="0" mc:Ignorable="hp" hp:hslEmbossed="0">
-              <a:solidFill>
-                <a:srgbClr val="000000"/>
-              </a:solidFill>
-              <a:latin typeface="맑은 고딕"/>
-              <a:ea typeface="맑은 고딕"/>
-              <a:cs typeface="맑은 고딕"/>
-            </a:endParaRPr>
-          </a:p>
-        </p:txBody>
-      </p:sp>
-      <p:sp>
-        <p:nvSpPr>
-          <p:cNvPr id="36" name="직사각형 35"/>
-          <p:cNvSpPr/>
-          <p:nvPr/>
-        </p:nvSpPr>
-        <p:spPr>
-          <a:xfrm>
-            <a:off x="660502" y="4472448"/>
-            <a:ext cx="1403145" cy="732297"/>
-          </a:xfrm>
-          <a:prstGeom prst="rect">
-            <a:avLst/>
-          </a:prstGeom>
-          <a:gradFill rotWithShape="1">
-            <a:gsLst>
-              <a:gs pos="0">
-                <a:srgbClr val="b1cbea">
-                  <a:alpha val="100000"/>
-                </a:srgbClr>
-              </a:gs>
-              <a:gs pos="50000">
-                <a:srgbClr val="a3c1e5">
-                  <a:alpha val="100000"/>
-                </a:srgbClr>
-              </a:gs>
-              <a:gs pos="100000">
-                <a:srgbClr val="93b9e4">
-                  <a:alpha val="100000"/>
-                </a:srgbClr>
-              </a:gs>
-            </a:gsLst>
-            <a:lin ang="5400000" scaled="0"/>
-          </a:gradFill>
-          <a:ln w="6350" cap="flat" cmpd="sng" algn="ctr">
-            <a:solidFill>
-              <a:srgbClr val="5b9bd5">
-                <a:alpha val="100000"/>
-              </a:srgbClr>
-            </a:solidFill>
-            <a:prstDash val="solid"/>
-            <a:miter/>
-          </a:ln>
-          <a:effectLst/>
-        </p:spPr>
-        <p:txBody>
-          <a:bodyPr anchor="ctr"/>
-          <a:p>
-            <a:pPr marL="0" lvl="0" indent="0" algn="ctr" defTabSz="914400" rtl="0" eaLnBrk="1" latinLnBrk="1" hangingPunct="1">
-              <a:lnSpc>
-                <a:spcPct val="100000"/>
-              </a:lnSpc>
-              <a:spcBef>
-                <a:spcPts val="0"/>
-              </a:spcBef>
-              <a:spcAft>
-                <a:spcPts val="0"/>
-              </a:spcAft>
-              <a:buNone/>
-              <a:defRPr/>
-            </a:pPr>
-            <a:endParaRPr xmlns:mc="http://schemas.openxmlformats.org/markup-compatibility/2006" xmlns:hp="http://schemas.haansoft.com/office/presentation/8.0" kumimoji="0" lang="ko-KR" altLang="en-US" sz="1800" b="0" i="0" u="none" strike="noStrike" kern="1200" cap="none" spc="0" normalizeH="0" baseline="0" mc:Ignorable="hp" hp:hslEmbossed="0">
-              <a:solidFill>
-                <a:srgbClr val="000000"/>
-              </a:solidFill>
-              <a:latin typeface="맑은 고딕"/>
-              <a:ea typeface="맑은 고딕"/>
-              <a:cs typeface="맑은 고딕"/>
-            </a:endParaRPr>
-          </a:p>
-        </p:txBody>
-      </p:sp>
-      <p:sp>
-        <p:nvSpPr>
-          <p:cNvPr id="37" name="직사각형 36"/>
-          <p:cNvSpPr/>
-          <p:nvPr/>
-        </p:nvSpPr>
-        <p:spPr>
-          <a:xfrm>
-            <a:off x="2232128" y="4481973"/>
-            <a:ext cx="1403145" cy="732297"/>
-          </a:xfrm>
-          <a:prstGeom prst="rect">
-            <a:avLst/>
-          </a:prstGeom>
-          <a:gradFill rotWithShape="1">
-            <a:gsLst>
-              <a:gs pos="0">
-                <a:srgbClr val="b1cbea">
-                  <a:alpha val="100000"/>
-                </a:srgbClr>
-              </a:gs>
-              <a:gs pos="50000">
-                <a:srgbClr val="a3c1e5">
-                  <a:alpha val="100000"/>
-                </a:srgbClr>
-              </a:gs>
-              <a:gs pos="100000">
-                <a:srgbClr val="93b9e4">
-                  <a:alpha val="100000"/>
-                </a:srgbClr>
-              </a:gs>
-            </a:gsLst>
-            <a:lin ang="5400000" scaled="0"/>
-          </a:gradFill>
-          <a:ln w="6350" cap="flat" cmpd="sng" algn="ctr">
-            <a:solidFill>
-              <a:srgbClr val="5b9bd5">
-                <a:alpha val="100000"/>
-              </a:srgbClr>
-            </a:solidFill>
-            <a:prstDash val="solid"/>
-            <a:miter/>
-          </a:ln>
-          <a:effectLst/>
-        </p:spPr>
-        <p:txBody>
-          <a:bodyPr anchor="ctr"/>
-          <a:p>
-            <a:pPr marL="0" lvl="0" indent="0" algn="ctr" defTabSz="914400" rtl="0" eaLnBrk="1" latinLnBrk="1" hangingPunct="1">
-              <a:lnSpc>
-                <a:spcPct val="100000"/>
-              </a:lnSpc>
-              <a:spcBef>
-                <a:spcPts val="0"/>
-              </a:spcBef>
-              <a:spcAft>
-                <a:spcPts val="0"/>
-              </a:spcAft>
-              <a:buNone/>
-              <a:defRPr/>
-            </a:pPr>
-            <a:endParaRPr xmlns:mc="http://schemas.openxmlformats.org/markup-compatibility/2006" xmlns:hp="http://schemas.haansoft.com/office/presentation/8.0" kumimoji="0" lang="ko-KR" altLang="en-US" sz="1800" b="0" i="0" u="none" strike="noStrike" kern="1200" cap="none" spc="0" normalizeH="0" baseline="0" mc:Ignorable="hp" hp:hslEmbossed="0">
-              <a:solidFill>
-                <a:srgbClr val="000000"/>
-              </a:solidFill>
-              <a:latin typeface="맑은 고딕"/>
-              <a:ea typeface="맑은 고딕"/>
-              <a:cs typeface="맑은 고딕"/>
-            </a:endParaRPr>
-          </a:p>
-        </p:txBody>
-      </p:sp>
-      <p:sp>
-        <p:nvSpPr>
-          <p:cNvPr id="38" name="직사각형 37"/>
-          <p:cNvSpPr/>
-          <p:nvPr/>
-        </p:nvSpPr>
-        <p:spPr>
-          <a:xfrm>
-            <a:off x="3832328" y="4481973"/>
-            <a:ext cx="1403145" cy="732297"/>
-          </a:xfrm>
-          <a:prstGeom prst="rect">
-            <a:avLst/>
-          </a:prstGeom>
-          <a:gradFill rotWithShape="1">
-            <a:gsLst>
-              <a:gs pos="0">
-                <a:srgbClr val="b1cbea">
-                  <a:alpha val="100000"/>
-                </a:srgbClr>
-              </a:gs>
-              <a:gs pos="50000">
-                <a:srgbClr val="a3c1e5">
-                  <a:alpha val="100000"/>
-                </a:srgbClr>
-              </a:gs>
-              <a:gs pos="100000">
-                <a:srgbClr val="93b9e4">
-                  <a:alpha val="100000"/>
-                </a:srgbClr>
-              </a:gs>
-            </a:gsLst>
-            <a:lin ang="5400000" scaled="0"/>
-          </a:gradFill>
-          <a:ln w="6350" cap="flat" cmpd="sng" algn="ctr">
-            <a:solidFill>
-              <a:srgbClr val="5b9bd5">
-                <a:alpha val="100000"/>
-              </a:srgbClr>
-            </a:solidFill>
-            <a:prstDash val="solid"/>
-            <a:miter/>
-          </a:ln>
-          <a:effectLst/>
-        </p:spPr>
-        <p:txBody>
-          <a:bodyPr anchor="ctr"/>
-          <a:p>
-            <a:pPr marL="0" lvl="0" indent="0" algn="ctr" defTabSz="914400" rtl="0" eaLnBrk="1" latinLnBrk="1" hangingPunct="1">
-              <a:lnSpc>
-                <a:spcPct val="100000"/>
-              </a:lnSpc>
-              <a:spcBef>
-                <a:spcPts val="0"/>
-              </a:spcBef>
-              <a:spcAft>
-                <a:spcPts val="0"/>
-              </a:spcAft>
-              <a:buNone/>
-              <a:defRPr/>
-            </a:pPr>
-            <a:endParaRPr xmlns:mc="http://schemas.openxmlformats.org/markup-compatibility/2006" xmlns:hp="http://schemas.haansoft.com/office/presentation/8.0" kumimoji="0" lang="ko-KR" altLang="en-US" sz="1800" b="0" i="0" u="none" strike="noStrike" kern="1200" cap="none" spc="0" normalizeH="0" baseline="0" mc:Ignorable="hp" hp:hslEmbossed="0">
-              <a:solidFill>
-                <a:srgbClr val="000000"/>
-              </a:solidFill>
-              <a:latin typeface="맑은 고딕"/>
-              <a:ea typeface="맑은 고딕"/>
-              <a:cs typeface="맑은 고딕"/>
-            </a:endParaRPr>
-          </a:p>
-        </p:txBody>
-      </p:sp>
-      <p:sp>
-        <p:nvSpPr>
-          <p:cNvPr id="39" name="직사각형 38"/>
-          <p:cNvSpPr/>
-          <p:nvPr/>
-        </p:nvSpPr>
-        <p:spPr>
-          <a:xfrm>
-            <a:off x="5394427" y="4481973"/>
-            <a:ext cx="1403145" cy="732297"/>
-          </a:xfrm>
-          <a:prstGeom prst="rect">
-            <a:avLst/>
-          </a:prstGeom>
-          <a:gradFill rotWithShape="1">
-            <a:gsLst>
-              <a:gs pos="0">
-                <a:srgbClr val="b1cbea">
-                  <a:alpha val="100000"/>
-                </a:srgbClr>
-              </a:gs>
-              <a:gs pos="50000">
-                <a:srgbClr val="a3c1e5">
-                  <a:alpha val="100000"/>
-                </a:srgbClr>
-              </a:gs>
-              <a:gs pos="100000">
-                <a:srgbClr val="93b9e4">
-                  <a:alpha val="100000"/>
-                </a:srgbClr>
-              </a:gs>
-            </a:gsLst>
-            <a:lin ang="5400000" scaled="0"/>
-          </a:gradFill>
-          <a:ln w="6350" cap="flat" cmpd="sng" algn="ctr">
-            <a:solidFill>
-              <a:srgbClr val="5b9bd5">
-                <a:alpha val="100000"/>
-              </a:srgbClr>
-            </a:solidFill>
-            <a:prstDash val="solid"/>
-            <a:miter/>
-          </a:ln>
-          <a:effectLst/>
-        </p:spPr>
-        <p:txBody>
-          <a:bodyPr anchor="ctr"/>
-          <a:p>
-            <a:pPr marL="0" lvl="0" indent="0" algn="ctr" defTabSz="914400" rtl="0" eaLnBrk="1" latinLnBrk="1" hangingPunct="1">
-              <a:lnSpc>
-                <a:spcPct val="100000"/>
-              </a:lnSpc>
-              <a:spcBef>
-                <a:spcPts val="0"/>
-              </a:spcBef>
-              <a:spcAft>
-                <a:spcPts val="0"/>
-              </a:spcAft>
-              <a:buNone/>
-              <a:defRPr/>
-            </a:pPr>
-            <a:endParaRPr xmlns:mc="http://schemas.openxmlformats.org/markup-compatibility/2006" xmlns:hp="http://schemas.haansoft.com/office/presentation/8.0" kumimoji="0" lang="ko-KR" altLang="en-US" sz="1800" b="0" i="0" u="none" strike="noStrike" kern="1200" cap="none" spc="0" normalizeH="0" baseline="0" mc:Ignorable="hp" hp:hslEmbossed="0">
-              <a:solidFill>
-                <a:srgbClr val="000000"/>
-              </a:solidFill>
-              <a:latin typeface="맑은 고딕"/>
-              <a:ea typeface="맑은 고딕"/>
-              <a:cs typeface="맑은 고딕"/>
-            </a:endParaRPr>
-          </a:p>
-        </p:txBody>
-      </p:sp>
-      <p:sp>
-        <p:nvSpPr>
-          <p:cNvPr id="40" name="직사각형 39"/>
-          <p:cNvSpPr/>
-          <p:nvPr/>
-        </p:nvSpPr>
-        <p:spPr>
-          <a:xfrm>
-            <a:off x="6937477" y="4491498"/>
-            <a:ext cx="1403145" cy="732297"/>
-          </a:xfrm>
-          <a:prstGeom prst="rect">
-            <a:avLst/>
-          </a:prstGeom>
-          <a:gradFill rotWithShape="1">
-            <a:gsLst>
-              <a:gs pos="0">
-                <a:srgbClr val="b1cbea">
-                  <a:alpha val="100000"/>
-                </a:srgbClr>
-              </a:gs>
-              <a:gs pos="50000">
-                <a:srgbClr val="a3c1e5">
-                  <a:alpha val="100000"/>
-                </a:srgbClr>
-              </a:gs>
-              <a:gs pos="100000">
-                <a:srgbClr val="93b9e4">
-                  <a:alpha val="100000"/>
-                </a:srgbClr>
-              </a:gs>
-            </a:gsLst>
-            <a:lin ang="5400000" scaled="0"/>
-          </a:gradFill>
-          <a:ln w="6350" cap="flat" cmpd="sng" algn="ctr">
-            <a:solidFill>
-              <a:srgbClr val="5b9bd5">
-                <a:alpha val="100000"/>
-              </a:srgbClr>
-            </a:solidFill>
-            <a:prstDash val="solid"/>
-            <a:miter/>
-          </a:ln>
-          <a:effectLst/>
-        </p:spPr>
-        <p:txBody>
-          <a:bodyPr anchor="ctr"/>
-          <a:p>
-            <a:pPr marL="0" lvl="0" indent="0" algn="ctr" defTabSz="914400" rtl="0" eaLnBrk="1" latinLnBrk="1" hangingPunct="1">
-              <a:lnSpc>
-                <a:spcPct val="100000"/>
-              </a:lnSpc>
-              <a:spcBef>
-                <a:spcPts val="0"/>
-              </a:spcBef>
-              <a:spcAft>
-                <a:spcPts val="0"/>
-              </a:spcAft>
-              <a:buNone/>
-              <a:defRPr/>
-            </a:pPr>
-            <a:endParaRPr xmlns:mc="http://schemas.openxmlformats.org/markup-compatibility/2006" xmlns:hp="http://schemas.haansoft.com/office/presentation/8.0" kumimoji="0" lang="ko-KR" altLang="en-US" sz="1800" b="0" i="0" u="none" strike="noStrike" kern="1200" cap="none" spc="0" normalizeH="0" baseline="0" mc:Ignorable="hp" hp:hslEmbossed="0">
-              <a:solidFill>
-                <a:srgbClr val="000000"/>
-              </a:solidFill>
-              <a:latin typeface="맑은 고딕"/>
-              <a:ea typeface="맑은 고딕"/>
-              <a:cs typeface="맑은 고딕"/>
-            </a:endParaRPr>
-          </a:p>
-        </p:txBody>
-      </p:sp>
-      <p:sp>
-        <p:nvSpPr>
-          <p:cNvPr id="41" name="직사각형 40"/>
-          <p:cNvSpPr/>
-          <p:nvPr/>
-        </p:nvSpPr>
-        <p:spPr>
-          <a:xfrm>
-            <a:off x="8490054" y="4472448"/>
-            <a:ext cx="1403145" cy="732297"/>
-          </a:xfrm>
-          <a:prstGeom prst="rect">
-            <a:avLst/>
-          </a:prstGeom>
-          <a:gradFill rotWithShape="1">
-            <a:gsLst>
-              <a:gs pos="0">
-                <a:srgbClr val="b1cbea">
-                  <a:alpha val="100000"/>
-                </a:srgbClr>
-              </a:gs>
-              <a:gs pos="50000">
-                <a:srgbClr val="a3c1e5">
-                  <a:alpha val="100000"/>
-                </a:srgbClr>
-              </a:gs>
-              <a:gs pos="100000">
-                <a:srgbClr val="93b9e4">
-                  <a:alpha val="100000"/>
-                </a:srgbClr>
-              </a:gs>
-            </a:gsLst>
-            <a:lin ang="5400000" scaled="0"/>
-          </a:gradFill>
-          <a:ln w="6350" cap="flat" cmpd="sng" algn="ctr">
-            <a:solidFill>
-              <a:srgbClr val="5b9bd5">
-                <a:alpha val="100000"/>
-              </a:srgbClr>
-            </a:solidFill>
-            <a:prstDash val="solid"/>
-            <a:miter/>
-          </a:ln>
-          <a:effectLst/>
-        </p:spPr>
-        <p:txBody>
-          <a:bodyPr anchor="ctr"/>
-          <a:p>
-            <a:pPr marL="0" lvl="0" indent="0" algn="ctr" defTabSz="914400" rtl="0" eaLnBrk="1" latinLnBrk="1" hangingPunct="1">
-              <a:lnSpc>
-                <a:spcPct val="100000"/>
-              </a:lnSpc>
-              <a:spcBef>
-                <a:spcPts val="0"/>
-              </a:spcBef>
-              <a:spcAft>
-                <a:spcPts val="0"/>
-              </a:spcAft>
-              <a:buNone/>
-              <a:defRPr/>
-            </a:pPr>
-            <a:endParaRPr xmlns:mc="http://schemas.openxmlformats.org/markup-compatibility/2006" xmlns:hp="http://schemas.haansoft.com/office/presentation/8.0" kumimoji="0" lang="ko-KR" altLang="en-US" sz="1800" b="0" i="0" u="none" strike="noStrike" kern="1200" cap="none" spc="0" normalizeH="0" baseline="0" mc:Ignorable="hp" hp:hslEmbossed="0">
-              <a:solidFill>
-                <a:srgbClr val="000000"/>
-              </a:solidFill>
-              <a:latin typeface="맑은 고딕"/>
-              <a:ea typeface="맑은 고딕"/>
-              <a:cs typeface="맑은 고딕"/>
-            </a:endParaRPr>
-          </a:p>
-        </p:txBody>
-      </p:sp>
-      <p:sp>
-        <p:nvSpPr>
-          <p:cNvPr id="42" name="직사각형 41"/>
-          <p:cNvSpPr/>
-          <p:nvPr/>
-        </p:nvSpPr>
-        <p:spPr>
-          <a:xfrm>
-            <a:off x="660502" y="5404464"/>
-            <a:ext cx="1403145" cy="732297"/>
-          </a:xfrm>
-          <a:prstGeom prst="rect">
-            <a:avLst/>
-          </a:prstGeom>
-          <a:gradFill rotWithShape="1">
-            <a:gsLst>
-              <a:gs pos="0">
-                <a:srgbClr val="b1cbea">
-                  <a:alpha val="100000"/>
-                </a:srgbClr>
-              </a:gs>
-              <a:gs pos="50000">
-                <a:srgbClr val="a3c1e5">
-                  <a:alpha val="100000"/>
-                </a:srgbClr>
-              </a:gs>
-              <a:gs pos="100000">
-                <a:srgbClr val="93b9e4">
-                  <a:alpha val="100000"/>
-                </a:srgbClr>
-              </a:gs>
-            </a:gsLst>
-            <a:lin ang="5400000" scaled="0"/>
-          </a:gradFill>
-          <a:ln w="6350" cap="flat" cmpd="sng" algn="ctr">
-            <a:solidFill>
-              <a:srgbClr val="5b9bd5">
-                <a:alpha val="100000"/>
-              </a:srgbClr>
-            </a:solidFill>
-            <a:prstDash val="solid"/>
-            <a:miter/>
-          </a:ln>
-          <a:effectLst/>
-        </p:spPr>
-        <p:txBody>
-          <a:bodyPr anchor="ctr"/>
-          <a:p>
-            <a:pPr marL="0" lvl="0" indent="0" algn="ctr" defTabSz="914400" rtl="0" eaLnBrk="1" latinLnBrk="1" hangingPunct="1">
-              <a:lnSpc>
-                <a:spcPct val="100000"/>
-              </a:lnSpc>
-              <a:spcBef>
-                <a:spcPts val="0"/>
-              </a:spcBef>
-              <a:spcAft>
-                <a:spcPts val="0"/>
-              </a:spcAft>
-              <a:buNone/>
-              <a:defRPr/>
-            </a:pPr>
-            <a:endParaRPr xmlns:mc="http://schemas.openxmlformats.org/markup-compatibility/2006" xmlns:hp="http://schemas.haansoft.com/office/presentation/8.0" kumimoji="0" lang="ko-KR" altLang="en-US" sz="1800" b="0" i="0" u="none" strike="noStrike" kern="1200" cap="none" spc="0" normalizeH="0" baseline="0" mc:Ignorable="hp" hp:hslEmbossed="0">
-              <a:solidFill>
-                <a:srgbClr val="000000"/>
-              </a:solidFill>
-              <a:latin typeface="맑은 고딕"/>
-              <a:ea typeface="맑은 고딕"/>
-              <a:cs typeface="맑은 고딕"/>
-            </a:endParaRPr>
-          </a:p>
-        </p:txBody>
-      </p:sp>
-      <p:sp>
-        <p:nvSpPr>
-          <p:cNvPr id="43" name="직사각형 42"/>
-          <p:cNvSpPr/>
-          <p:nvPr/>
-        </p:nvSpPr>
-        <p:spPr>
-          <a:xfrm>
-            <a:off x="2232127" y="5413989"/>
-            <a:ext cx="1403145" cy="732297"/>
-          </a:xfrm>
-          <a:prstGeom prst="rect">
-            <a:avLst/>
-          </a:prstGeom>
-          <a:gradFill rotWithShape="1">
-            <a:gsLst>
-              <a:gs pos="0">
-                <a:srgbClr val="b1cbea">
-                  <a:alpha val="100000"/>
-                </a:srgbClr>
-              </a:gs>
-              <a:gs pos="50000">
-                <a:srgbClr val="a3c1e5">
-                  <a:alpha val="100000"/>
-                </a:srgbClr>
-              </a:gs>
-              <a:gs pos="100000">
-                <a:srgbClr val="93b9e4">
-                  <a:alpha val="100000"/>
-                </a:srgbClr>
-              </a:gs>
-            </a:gsLst>
-            <a:lin ang="5400000" scaled="0"/>
-          </a:gradFill>
-          <a:ln w="6350" cap="flat" cmpd="sng" algn="ctr">
-            <a:solidFill>
-              <a:srgbClr val="5b9bd5">
-                <a:alpha val="100000"/>
-              </a:srgbClr>
-            </a:solidFill>
-            <a:prstDash val="solid"/>
-            <a:miter/>
-          </a:ln>
-          <a:effectLst/>
-        </p:spPr>
-        <p:txBody>
-          <a:bodyPr anchor="ctr"/>
-          <a:p>
-            <a:pPr marL="0" lvl="0" indent="0" algn="ctr" defTabSz="914400" rtl="0" eaLnBrk="1" latinLnBrk="1" hangingPunct="1">
-              <a:lnSpc>
-                <a:spcPct val="100000"/>
-              </a:lnSpc>
-              <a:spcBef>
-                <a:spcPts val="0"/>
-              </a:spcBef>
-              <a:spcAft>
-                <a:spcPts val="0"/>
-              </a:spcAft>
-              <a:buNone/>
-              <a:defRPr/>
-            </a:pPr>
-            <a:endParaRPr xmlns:mc="http://schemas.openxmlformats.org/markup-compatibility/2006" xmlns:hp="http://schemas.haansoft.com/office/presentation/8.0" kumimoji="0" lang="ko-KR" altLang="en-US" sz="1800" b="0" i="0" u="none" strike="noStrike" kern="1200" cap="none" spc="0" normalizeH="0" baseline="0" mc:Ignorable="hp" hp:hslEmbossed="0">
-              <a:solidFill>
-                <a:srgbClr val="000000"/>
-              </a:solidFill>
-              <a:latin typeface="맑은 고딕"/>
-              <a:ea typeface="맑은 고딕"/>
-              <a:cs typeface="맑은 고딕"/>
-            </a:endParaRPr>
-          </a:p>
-        </p:txBody>
-      </p:sp>
-      <p:sp>
-        <p:nvSpPr>
-          <p:cNvPr id="44" name="직사각형 43"/>
-          <p:cNvSpPr/>
-          <p:nvPr/>
-        </p:nvSpPr>
-        <p:spPr>
-          <a:xfrm>
-            <a:off x="3832327" y="5413989"/>
-            <a:ext cx="1403145" cy="732297"/>
-          </a:xfrm>
-          <a:prstGeom prst="rect">
-            <a:avLst/>
-          </a:prstGeom>
-          <a:gradFill rotWithShape="1">
-            <a:gsLst>
-              <a:gs pos="0">
-                <a:srgbClr val="b1cbea">
-                  <a:alpha val="100000"/>
-                </a:srgbClr>
-              </a:gs>
-              <a:gs pos="50000">
-                <a:srgbClr val="a3c1e5">
-                  <a:alpha val="100000"/>
-                </a:srgbClr>
-              </a:gs>
-              <a:gs pos="100000">
-                <a:srgbClr val="93b9e4">
-                  <a:alpha val="100000"/>
-                </a:srgbClr>
-              </a:gs>
-            </a:gsLst>
-            <a:lin ang="5400000" scaled="0"/>
-          </a:gradFill>
-          <a:ln w="6350" cap="flat" cmpd="sng" algn="ctr">
-            <a:solidFill>
-              <a:srgbClr val="5b9bd5">
-                <a:alpha val="100000"/>
-              </a:srgbClr>
-            </a:solidFill>
-            <a:prstDash val="solid"/>
-            <a:miter/>
-          </a:ln>
-          <a:effectLst/>
-        </p:spPr>
-        <p:txBody>
-          <a:bodyPr anchor="ctr"/>
-          <a:p>
-            <a:pPr marL="0" lvl="0" indent="0" algn="ctr" defTabSz="914400" rtl="0" eaLnBrk="1" latinLnBrk="1" hangingPunct="1">
-              <a:lnSpc>
-                <a:spcPct val="100000"/>
-              </a:lnSpc>
-              <a:spcBef>
-                <a:spcPts val="0"/>
-              </a:spcBef>
-              <a:spcAft>
-                <a:spcPts val="0"/>
-              </a:spcAft>
-              <a:buNone/>
-              <a:defRPr/>
-            </a:pPr>
-            <a:endParaRPr xmlns:mc="http://schemas.openxmlformats.org/markup-compatibility/2006" xmlns:hp="http://schemas.haansoft.com/office/presentation/8.0" kumimoji="0" lang="ko-KR" altLang="en-US" sz="1800" b="0" i="0" u="none" strike="noStrike" kern="1200" cap="none" spc="0" normalizeH="0" baseline="0" mc:Ignorable="hp" hp:hslEmbossed="0">
-              <a:solidFill>
-                <a:srgbClr val="000000"/>
-              </a:solidFill>
-              <a:latin typeface="맑은 고딕"/>
-              <a:ea typeface="맑은 고딕"/>
-              <a:cs typeface="맑은 고딕"/>
-            </a:endParaRPr>
-          </a:p>
-        </p:txBody>
-      </p:sp>
-      <p:sp>
-        <p:nvSpPr>
-          <p:cNvPr id="45" name="직사각형 44"/>
-          <p:cNvSpPr/>
-          <p:nvPr/>
-        </p:nvSpPr>
-        <p:spPr>
-          <a:xfrm>
-            <a:off x="5394427" y="5413989"/>
-            <a:ext cx="1403145" cy="732297"/>
-          </a:xfrm>
-          <a:prstGeom prst="rect">
-            <a:avLst/>
-          </a:prstGeom>
-          <a:gradFill rotWithShape="1">
-            <a:gsLst>
-              <a:gs pos="0">
-                <a:srgbClr val="b1cbea">
-                  <a:alpha val="100000"/>
-                </a:srgbClr>
-              </a:gs>
-              <a:gs pos="50000">
-                <a:srgbClr val="a3c1e5">
-                  <a:alpha val="100000"/>
-                </a:srgbClr>
-              </a:gs>
-              <a:gs pos="100000">
-                <a:srgbClr val="93b9e4">
-                  <a:alpha val="100000"/>
-                </a:srgbClr>
-              </a:gs>
-            </a:gsLst>
-            <a:lin ang="5400000" scaled="0"/>
-          </a:gradFill>
-          <a:ln w="6350" cap="flat" cmpd="sng" algn="ctr">
-            <a:solidFill>
-              <a:srgbClr val="5b9bd5">
-                <a:alpha val="100000"/>
-              </a:srgbClr>
-            </a:solidFill>
-            <a:prstDash val="solid"/>
-            <a:miter/>
-          </a:ln>
-          <a:effectLst/>
-        </p:spPr>
-        <p:txBody>
-          <a:bodyPr anchor="ctr"/>
-          <a:p>
-            <a:pPr marL="0" lvl="0" indent="0" algn="ctr" defTabSz="914400" rtl="0" eaLnBrk="1" latinLnBrk="1" hangingPunct="1">
-              <a:lnSpc>
-                <a:spcPct val="100000"/>
-              </a:lnSpc>
-              <a:spcBef>
-                <a:spcPts val="0"/>
-              </a:spcBef>
-              <a:spcAft>
-                <a:spcPts val="0"/>
-              </a:spcAft>
-              <a:buNone/>
-              <a:defRPr/>
-            </a:pPr>
-            <a:endParaRPr xmlns:mc="http://schemas.openxmlformats.org/markup-compatibility/2006" xmlns:hp="http://schemas.haansoft.com/office/presentation/8.0" kumimoji="0" lang="ko-KR" altLang="en-US" sz="1800" b="0" i="0" u="none" strike="noStrike" kern="1200" cap="none" spc="0" normalizeH="0" baseline="0" mc:Ignorable="hp" hp:hslEmbossed="0">
-              <a:solidFill>
-                <a:srgbClr val="000000"/>
-              </a:solidFill>
-              <a:latin typeface="맑은 고딕"/>
-              <a:ea typeface="맑은 고딕"/>
-              <a:cs typeface="맑은 고딕"/>
-            </a:endParaRPr>
-          </a:p>
-        </p:txBody>
-      </p:sp>
-      <p:sp>
-        <p:nvSpPr>
-          <p:cNvPr id="46" name="직사각형 45"/>
-          <p:cNvSpPr/>
-          <p:nvPr/>
-        </p:nvSpPr>
-        <p:spPr>
-          <a:xfrm>
-            <a:off x="6937477" y="5423514"/>
-            <a:ext cx="1403145" cy="732297"/>
-          </a:xfrm>
-          <a:prstGeom prst="rect">
-            <a:avLst/>
-          </a:prstGeom>
-          <a:gradFill rotWithShape="1">
-            <a:gsLst>
-              <a:gs pos="0">
-                <a:srgbClr val="b1cbea">
-                  <a:alpha val="100000"/>
-                </a:srgbClr>
-              </a:gs>
-              <a:gs pos="50000">
-                <a:srgbClr val="a3c1e5">
-                  <a:alpha val="100000"/>
-                </a:srgbClr>
-              </a:gs>
-              <a:gs pos="100000">
-                <a:srgbClr val="93b9e4">
-                  <a:alpha val="100000"/>
-                </a:srgbClr>
-              </a:gs>
-            </a:gsLst>
-            <a:lin ang="5400000" scaled="0"/>
-          </a:gradFill>
-          <a:ln w="6350" cap="flat" cmpd="sng" algn="ctr">
-            <a:solidFill>
-              <a:srgbClr val="5b9bd5">
-                <a:alpha val="100000"/>
-              </a:srgbClr>
-            </a:solidFill>
-            <a:prstDash val="solid"/>
-            <a:miter/>
-          </a:ln>
-          <a:effectLst/>
-        </p:spPr>
-        <p:txBody>
-          <a:bodyPr anchor="ctr"/>
-          <a:p>
-            <a:pPr marL="0" lvl="0" indent="0" algn="ctr" defTabSz="914400" rtl="0" eaLnBrk="1" latinLnBrk="1" hangingPunct="1">
-              <a:lnSpc>
-                <a:spcPct val="100000"/>
-              </a:lnSpc>
-              <a:spcBef>
-                <a:spcPts val="0"/>
-              </a:spcBef>
-              <a:spcAft>
-                <a:spcPts val="0"/>
-              </a:spcAft>
-              <a:buNone/>
-              <a:defRPr/>
-            </a:pPr>
-            <a:endParaRPr xmlns:mc="http://schemas.openxmlformats.org/markup-compatibility/2006" xmlns:hp="http://schemas.haansoft.com/office/presentation/8.0" kumimoji="0" lang="ko-KR" altLang="en-US" sz="1800" b="0" i="0" u="none" strike="noStrike" kern="1200" cap="none" spc="0" normalizeH="0" baseline="0" mc:Ignorable="hp" hp:hslEmbossed="0">
-              <a:solidFill>
-                <a:srgbClr val="000000"/>
-              </a:solidFill>
-              <a:latin typeface="맑은 고딕"/>
-              <a:ea typeface="맑은 고딕"/>
-              <a:cs typeface="맑은 고딕"/>
-            </a:endParaRPr>
-          </a:p>
-        </p:txBody>
-      </p:sp>
-      <p:sp>
-        <p:nvSpPr>
-          <p:cNvPr id="47" name="직사각형 46"/>
-          <p:cNvSpPr/>
-          <p:nvPr/>
-        </p:nvSpPr>
-        <p:spPr>
-          <a:xfrm>
-            <a:off x="8490054" y="5404464"/>
-            <a:ext cx="1403145" cy="732297"/>
-          </a:xfrm>
-          <a:prstGeom prst="rect">
-            <a:avLst/>
-          </a:prstGeom>
-          <a:gradFill rotWithShape="1">
-            <a:gsLst>
-              <a:gs pos="0">
-                <a:srgbClr val="b1cbea">
-                  <a:alpha val="100000"/>
-                </a:srgbClr>
-              </a:gs>
-              <a:gs pos="50000">
-                <a:srgbClr val="a3c1e5">
-                  <a:alpha val="100000"/>
-                </a:srgbClr>
-              </a:gs>
-              <a:gs pos="100000">
-                <a:srgbClr val="93b9e4">
-                  <a:alpha val="100000"/>
-                </a:srgbClr>
-              </a:gs>
-            </a:gsLst>
-            <a:lin ang="5400000" scaled="0"/>
-          </a:gradFill>
-          <a:ln w="6350" cap="flat" cmpd="sng" algn="ctr">
-            <a:solidFill>
-              <a:srgbClr val="5b9bd5">
-                <a:alpha val="100000"/>
-              </a:srgbClr>
-            </a:solidFill>
-            <a:prstDash val="solid"/>
-            <a:miter/>
-          </a:ln>
-          <a:effectLst/>
-        </p:spPr>
-        <p:txBody>
-          <a:bodyPr anchor="ctr"/>
-          <a:p>
-            <a:pPr marL="0" lvl="0" indent="0" algn="ctr" defTabSz="914400" rtl="0" eaLnBrk="1" latinLnBrk="1" hangingPunct="1">
-              <a:lnSpc>
-                <a:spcPct val="100000"/>
-              </a:lnSpc>
-              <a:spcBef>
-                <a:spcPts val="0"/>
-              </a:spcBef>
-              <a:spcAft>
-                <a:spcPts val="0"/>
-              </a:spcAft>
-              <a:buNone/>
-              <a:defRPr/>
-            </a:pPr>
-            <a:endParaRPr xmlns:mc="http://schemas.openxmlformats.org/markup-compatibility/2006" xmlns:hp="http://schemas.haansoft.com/office/presentation/8.0" kumimoji="0" lang="ko-KR" altLang="en-US" sz="1800" b="0" i="0" u="none" strike="noStrike" kern="1200" cap="none" spc="0" normalizeH="0" baseline="0" mc:Ignorable="hp" hp:hslEmbossed="0">
-              <a:solidFill>
-                <a:srgbClr val="000000"/>
-              </a:solidFill>
-              <a:latin typeface="맑은 고딕"/>
-              <a:ea typeface="맑은 고딕"/>
-              <a:cs typeface="맑은 고딕"/>
-            </a:endParaRPr>
-          </a:p>
-        </p:txBody>
-      </p:sp>
-      <p:sp>
-        <p:nvSpPr>
-          <p:cNvPr id="48" name="가로 글상자 47"/>
-          <p:cNvSpPr txBox="1"/>
-          <p:nvPr/>
-        </p:nvSpPr>
-        <p:spPr>
-          <a:xfrm>
-            <a:off x="10287613" y="5545804"/>
-            <a:ext cx="1372419" cy="367316"/>
-          </a:xfrm>
-          <a:prstGeom prst="rect">
-            <a:avLst/>
-          </a:prstGeom>
-        </p:spPr>
-        <p:txBody>
-          <a:bodyPr wrap="square">
-            <a:spAutoFit/>
-          </a:bodyPr>
-          <a:p>
-            <a:pPr marL="0" lvl="0" indent="0" algn="l" defTabSz="914400" rtl="0" eaLnBrk="1" latinLnBrk="1" hangingPunct="1">
-              <a:lnSpc>
-                <a:spcPct val="100000"/>
-              </a:lnSpc>
-              <a:spcBef>
-                <a:spcPts val="0"/>
-              </a:spcBef>
-              <a:spcAft>
-                <a:spcPts val="0"/>
-              </a:spcAft>
-              <a:buNone/>
-              <a:defRPr/>
-            </a:pPr>
-            <a:r>
-              <a:rPr xmlns:mc="http://schemas.openxmlformats.org/markup-compatibility/2006" xmlns:hp="http://schemas.haansoft.com/office/presentation/8.0" kumimoji="0" lang="ko-KR" altLang="en-US" sz="1800" b="0" i="0" u="none" strike="noStrike" kern="1200" cap="none" spc="0" normalizeH="0" baseline="0" mc:Ignorable="hp" hp:hslEmbossed="0">
-                <a:solidFill>
-                  <a:srgbClr val="000000"/>
-                </a:solidFill>
-                <a:latin typeface="맑은 고딕"/>
-                <a:ea typeface="맑은 고딕"/>
-                <a:cs typeface="맑은 고딕"/>
-              </a:rPr>
-              <a:t>테마여행</a:t>
-            </a:r>
-            <a:endParaRPr xmlns:mc="http://schemas.openxmlformats.org/markup-compatibility/2006" xmlns:hp="http://schemas.haansoft.com/office/presentation/8.0" kumimoji="0" lang="ko-KR" altLang="en-US" sz="1800" b="0" i="0" u="none" strike="noStrike" kern="1200" cap="none" spc="0" normalizeH="0" baseline="0" mc:Ignorable="hp" hp:hslEmbossed="0">
-              <a:solidFill>
-                <a:srgbClr val="000000"/>
-              </a:solidFill>
-              <a:latin typeface="맑은 고딕"/>
-              <a:ea typeface="맑은 고딕"/>
-              <a:cs typeface="맑은 고딕"/>
-            </a:endParaRPr>
-          </a:p>
-        </p:txBody>
-      </p:sp>
-    </p:spTree>
-    <p:extLst>
-      <p:ext uri="{BB962C8B-B14F-4D97-AF65-F5344CB8AC3E}">
-        <p14:creationId xmlns:p14="http://schemas.microsoft.com/office/powerpoint/2010/main" val="3323851731"/>
-      </p:ext>
-    </p:extLst>
-  </p:cSld>
-  <p:clrMapOvr>
-    <a:masterClrMapping/>
-  </p:clrMapOvr>
-</p:sld>
-</file>
-
-<file path=ppt/slides/slide6.xml><?xml version="1.0" encoding="utf-8"?>
-<p:sld xmlns:r="http://schemas.openxmlformats.org/officeDocument/2006/relationships" xmlns:c="http://schemas.openxmlformats.org/drawingml/2006/chart" xmlns:a="http://schemas.openxmlformats.org/drawingml/2006/main" xmlns:dgm="http://schemas.openxmlformats.org/drawingml/2006/diagram" xmlns:dsp="http://schemas.microsoft.com/office/drawing/2008/diagram" xmlns:p="http://schemas.openxmlformats.org/presentationml/2006/main">
-  <p:cSld>
-    <p:spTree>
-      <p:nvGrpSpPr>
-        <p:cNvPr id="1" name=""/>
-        <p:cNvGrpSpPr/>
-        <p:nvPr/>
-      </p:nvGrpSpPr>
-      <p:grpSpPr>
-        <a:xfrm>
-          <a:off x="0" y="0"/>
-          <a:ext cx="0" cy="0"/>
-          <a:chOff x="0" y="0"/>
-          <a:chExt cx="0" cy="0"/>
-        </a:xfrm>
-      </p:grpSpPr>
-      <p:sp>
-        <p:nvSpPr>
-          <p:cNvPr id="2" name="직사각형 1"/>
-          <p:cNvSpPr/>
-          <p:nvPr/>
-        </p:nvSpPr>
-        <p:spPr>
-          <a:xfrm>
-            <a:off x="110834" y="18473"/>
-            <a:ext cx="11905673" cy="6650182"/>
-          </a:xfrm>
-          <a:prstGeom prst="rect">
-            <a:avLst/>
-          </a:prstGeom>
-        </p:spPr>
-        <p:style>
-          <a:lnRef idx="2">
-            <a:schemeClr val="accent1">
-              <a:shade val="50000"/>
-            </a:schemeClr>
-          </a:lnRef>
-          <a:fillRef idx="1">
-            <a:schemeClr val="accent1"/>
-          </a:fillRef>
-          <a:effectRef idx="0">
-            <a:schemeClr val="accent1"/>
-          </a:effectRef>
-          <a:fontRef idx="minor">
-            <a:schemeClr val="lt1"/>
-          </a:fontRef>
-        </p:style>
-        <p:txBody>
-          <a:bodyPr rtlCol="0" anchor="ctr"/>
-          <a:lstStyle/>
-          <a:p>
-            <a:pPr algn="ctr"/>
-            <a:endParaRPr lang="ko-KR" altLang="en-US"/>
-          </a:p>
-        </p:txBody>
-      </p:sp>
-      <p:sp>
-        <p:nvSpPr>
-          <p:cNvPr id="3" name="TextBox 2"/>
-          <p:cNvSpPr txBox="1"/>
-          <p:nvPr/>
-        </p:nvSpPr>
-        <p:spPr>
-          <a:xfrm>
-            <a:off x="184727" y="175491"/>
-            <a:ext cx="11711709" cy="923330"/>
-          </a:xfrm>
-          <a:prstGeom prst="rect">
-            <a:avLst/>
-          </a:prstGeom>
-        </p:spPr>
-        <p:style>
-          <a:lnRef idx="1">
-            <a:schemeClr val="accent2"/>
-          </a:lnRef>
-          <a:fillRef idx="2">
-            <a:schemeClr val="accent2"/>
-          </a:fillRef>
-          <a:effectRef idx="1">
-            <a:schemeClr val="accent2"/>
-          </a:effectRef>
-          <a:fontRef idx="minor">
-            <a:schemeClr val="dk1"/>
-          </a:fontRef>
-        </p:style>
-        <p:txBody>
-          <a:bodyPr wrap="square" rtlCol="0">
-            <a:spAutoFit/>
-          </a:bodyPr>
-          <a:lstStyle/>
-          <a:p>
-            <a:pPr algn="ctr"/>
-            <a:endParaRPr lang="en-US" altLang="ko-KR" dirty="0" smtClean="0"/>
-          </a:p>
-          <a:p>
-            <a:pPr algn="ctr"/>
-            <a:r>
-              <a:rPr lang="en-US" altLang="ko-KR" dirty="0" smtClean="0"/>
               <a:t>9.</a:t>
             </a:r>
             <a:r>
@@ -8559,7 +7645,6 @@
               <a:rPr lang="ko-KR" altLang="en-US"/>
               <a:t>행사소개</a:t>
             </a:r>
-            <a:endParaRPr lang="ko-KR" altLang="en-US"/>
           </a:p>
           <a:p>
             <a:pPr lvl="0">
@@ -8575,7 +7660,6 @@
               <a:rPr lang="ko-KR" altLang="en-US"/>
               <a:t>내용</a:t>
             </a:r>
-            <a:endParaRPr lang="ko-KR" altLang="en-US"/>
           </a:p>
           <a:p>
             <a:pPr lvl="0">
@@ -8591,7 +7675,6 @@
               <a:rPr lang="ko-KR" altLang="en-US"/>
               <a:t>행사내용</a:t>
             </a:r>
-            <a:endParaRPr lang="ko-KR" altLang="en-US"/>
           </a:p>
           <a:p>
             <a:pPr lvl="0">
@@ -8607,7 +7690,6 @@
               <a:rPr lang="ko-KR" altLang="en-US"/>
               <a:t>내용</a:t>
             </a:r>
-            <a:endParaRPr lang="ko-KR" altLang="en-US"/>
           </a:p>
         </p:txBody>
       </p:sp>
@@ -8640,7 +7722,6 @@
               <a:rPr lang="ko-KR" altLang="en-US"/>
               <a:t>행사소개</a:t>
             </a:r>
-            <a:endParaRPr lang="ko-KR" altLang="en-US"/>
           </a:p>
           <a:p>
             <a:pPr lvl="0">
@@ -8656,7 +7737,6 @@
               <a:rPr lang="ko-KR" altLang="en-US"/>
               <a:t>내용</a:t>
             </a:r>
-            <a:endParaRPr lang="ko-KR" altLang="en-US"/>
           </a:p>
           <a:p>
             <a:pPr lvl="0">
@@ -8672,7 +7752,6 @@
               <a:rPr lang="ko-KR" altLang="en-US"/>
               <a:t>행사내용</a:t>
             </a:r>
-            <a:endParaRPr lang="ko-KR" altLang="en-US"/>
           </a:p>
           <a:p>
             <a:pPr lvl="0">
@@ -8688,7 +7767,6 @@
               <a:rPr lang="ko-KR" altLang="en-US"/>
               <a:t>내용</a:t>
             </a:r>
-            <a:endParaRPr lang="ko-KR" altLang="en-US"/>
           </a:p>
         </p:txBody>
       </p:sp>
@@ -8712,8 +7790,8 @@
 </p:sld>
 </file>
 
-<file path=ppt/slides/slide7.xml><?xml version="1.0" encoding="utf-8"?>
-<p:sld xmlns:r="http://schemas.openxmlformats.org/officeDocument/2006/relationships" xmlns:c="http://schemas.openxmlformats.org/drawingml/2006/chart" xmlns:a="http://schemas.openxmlformats.org/drawingml/2006/main" xmlns:dgm="http://schemas.openxmlformats.org/drawingml/2006/diagram" xmlns:dsp="http://schemas.microsoft.com/office/drawing/2008/diagram" xmlns:p="http://schemas.openxmlformats.org/presentationml/2006/main">
+<file path=ppt/slides/slide6.xml><?xml version="1.0" encoding="utf-8"?>
+<p:sld xmlns:a="http://schemas.openxmlformats.org/drawingml/2006/main" xmlns:r="http://schemas.openxmlformats.org/officeDocument/2006/relationships" xmlns:p="http://schemas.openxmlformats.org/presentationml/2006/main">
   <p:cSld>
     <p:spTree>
       <p:nvGrpSpPr>
@@ -8854,7 +7932,6 @@
               <a:rPr lang="ko-KR" altLang="en-US"/>
               <a:t>대전역사</a:t>
             </a:r>
-            <a:endParaRPr lang="ko-KR" altLang="en-US"/>
           </a:p>
           <a:p>
             <a:pPr lvl="0">
@@ -8870,7 +7947,6 @@
               <a:rPr lang="ko-KR" altLang="en-US"/>
               <a:t>내용</a:t>
             </a:r>
-            <a:endParaRPr lang="ko-KR" altLang="en-US"/>
           </a:p>
         </p:txBody>
       </p:sp>
@@ -8903,7 +7979,6 @@
               <a:rPr lang="ko-KR" altLang="en-US"/>
               <a:t>관광안내</a:t>
             </a:r>
-            <a:endParaRPr lang="ko-KR" altLang="en-US"/>
           </a:p>
           <a:p>
             <a:pPr lvl="0">
@@ -8919,7 +7994,6 @@
               <a:rPr lang="ko-KR" altLang="en-US"/>
               <a:t>내용</a:t>
             </a:r>
-            <a:endParaRPr lang="ko-KR" altLang="en-US"/>
           </a:p>
         </p:txBody>
       </p:sp>
@@ -8940,17 +8014,17 @@
           <a:gradFill rotWithShape="1">
             <a:gsLst>
               <a:gs pos="0">
-                <a:srgbClr val="ffc74b">
+                <a:srgbClr val="FFC74B">
                   <a:alpha val="100000"/>
                 </a:srgbClr>
               </a:gs>
               <a:gs pos="50000">
-                <a:srgbClr val="ffc600">
+                <a:srgbClr val="FFC600">
                   <a:alpha val="100000"/>
                 </a:srgbClr>
               </a:gs>
               <a:gs pos="100000">
-                <a:srgbClr val="e3b500">
+                <a:srgbClr val="E3B500">
                   <a:alpha val="100000"/>
                 </a:srgbClr>
               </a:gs>
@@ -8959,7 +8033,7 @@
           </a:gradFill>
           <a:ln w="6350" cap="flat" cmpd="sng" algn="ctr">
             <a:solidFill>
-              <a:srgbClr val="ffc000">
+              <a:srgbClr val="FFC000">
                 <a:alpha val="100000"/>
               </a:srgbClr>
             </a:solidFill>
@@ -8970,6 +8044,7 @@
         </p:spPr>
         <p:txBody>
           <a:bodyPr anchor="ctr"/>
+          <a:lstStyle/>
           <a:p>
             <a:pPr marL="0" lvl="0" indent="0" algn="ctr" defTabSz="914400" rtl="0" eaLnBrk="1" latinLnBrk="1" hangingPunct="1">
               <a:lnSpc>
@@ -8985,9 +8060,9 @@
               <a:defRPr/>
             </a:pPr>
             <a:r>
-              <a:rPr xmlns:mc="http://schemas.openxmlformats.org/markup-compatibility/2006" xmlns:hp="http://schemas.haansoft.com/office/presentation/8.0" kumimoji="0" lang="ko-KR" altLang="en-US" sz="1800" b="0" i="0" u="none" strike="noStrike" kern="1200" cap="none" spc="0" normalizeH="0" baseline="0" mc:Ignorable="hp" hp:hslEmbossed="0">
+              <a:rPr kumimoji="0" lang="ko-KR" altLang="en-US" sz="1800" b="0" i="0" u="none" strike="noStrike" kern="1200" cap="none" spc="0" normalizeH="0" baseline="0">
                 <a:solidFill>
-                  <a:srgbClr val="ffffff"/>
+                  <a:srgbClr val="FFFFFF"/>
                 </a:solidFill>
                 <a:latin typeface="맑은 고딕"/>
                 <a:ea typeface="맑은 고딕"/>
@@ -8995,14 +8070,6 @@
               </a:rPr>
               <a:t>이미지</a:t>
             </a:r>
-            <a:endParaRPr xmlns:mc="http://schemas.openxmlformats.org/markup-compatibility/2006" xmlns:hp="http://schemas.haansoft.com/office/presentation/8.0" kumimoji="0" lang="ko-KR" altLang="en-US" sz="1800" b="0" i="0" u="none" strike="noStrike" kern="1200" cap="none" spc="0" normalizeH="0" baseline="0" mc:Ignorable="hp" hp:hslEmbossed="0">
-              <a:solidFill>
-                <a:srgbClr val="ffffff"/>
-              </a:solidFill>
-              <a:latin typeface="맑은 고딕"/>
-              <a:ea typeface="맑은 고딕"/>
-              <a:cs typeface="맑은 고딕"/>
-            </a:endParaRPr>
           </a:p>
         </p:txBody>
       </p:sp>
@@ -9023,17 +8090,17 @@
           <a:gradFill rotWithShape="1">
             <a:gsLst>
               <a:gs pos="0">
-                <a:srgbClr val="ffc74b">
+                <a:srgbClr val="FFC74B">
                   <a:alpha val="100000"/>
                 </a:srgbClr>
               </a:gs>
               <a:gs pos="50000">
-                <a:srgbClr val="ffc600">
+                <a:srgbClr val="FFC600">
                   <a:alpha val="100000"/>
                 </a:srgbClr>
               </a:gs>
               <a:gs pos="100000">
-                <a:srgbClr val="e3b500">
+                <a:srgbClr val="E3B500">
                   <a:alpha val="100000"/>
                 </a:srgbClr>
               </a:gs>
@@ -9042,7 +8109,7 @@
           </a:gradFill>
           <a:ln w="6350" cap="flat" cmpd="sng" algn="ctr">
             <a:solidFill>
-              <a:srgbClr val="ffc000">
+              <a:srgbClr val="FFC000">
                 <a:alpha val="100000"/>
               </a:srgbClr>
             </a:solidFill>
@@ -9053,6 +8120,7 @@
         </p:spPr>
         <p:txBody>
           <a:bodyPr anchor="ctr"/>
+          <a:lstStyle/>
           <a:p>
             <a:pPr marL="0" lvl="0" indent="0" algn="ctr" defTabSz="914400" rtl="0" eaLnBrk="1" latinLnBrk="1" hangingPunct="1">
               <a:lnSpc>
@@ -9068,9 +8136,9 @@
               <a:defRPr/>
             </a:pPr>
             <a:r>
-              <a:rPr xmlns:mc="http://schemas.openxmlformats.org/markup-compatibility/2006" xmlns:hp="http://schemas.haansoft.com/office/presentation/8.0" kumimoji="0" lang="ko-KR" altLang="en-US" sz="1800" b="0" i="0" u="none" strike="noStrike" kern="1200" cap="none" spc="0" normalizeH="0" baseline="0" mc:Ignorable="hp" hp:hslEmbossed="0">
+              <a:rPr kumimoji="0" lang="ko-KR" altLang="en-US" sz="1800" b="0" i="0" u="none" strike="noStrike" kern="1200" cap="none" spc="0" normalizeH="0" baseline="0">
                 <a:solidFill>
-                  <a:srgbClr val="ffffff"/>
+                  <a:srgbClr val="FFFFFF"/>
                 </a:solidFill>
                 <a:latin typeface="맑은 고딕"/>
                 <a:ea typeface="맑은 고딕"/>
@@ -9078,14 +8146,6 @@
               </a:rPr>
               <a:t>이미지</a:t>
             </a:r>
-            <a:endParaRPr xmlns:mc="http://schemas.openxmlformats.org/markup-compatibility/2006" xmlns:hp="http://schemas.haansoft.com/office/presentation/8.0" kumimoji="0" lang="ko-KR" altLang="en-US" sz="1800" b="0" i="0" u="none" strike="noStrike" kern="1200" cap="none" spc="0" normalizeH="0" baseline="0" mc:Ignorable="hp" hp:hslEmbossed="0">
-              <a:solidFill>
-                <a:srgbClr val="ffffff"/>
-              </a:solidFill>
-              <a:latin typeface="맑은 고딕"/>
-              <a:ea typeface="맑은 고딕"/>
-              <a:cs typeface="맑은 고딕"/>
-            </a:endParaRPr>
           </a:p>
         </p:txBody>
       </p:sp>
@@ -9103,44 +8163,44 @@
 </file>
 
 <file path=ppt/theme/theme1.xml><?xml version="1.0" encoding="utf-8"?>
-<a:theme xmlns:r="http://schemas.openxmlformats.org/officeDocument/2006/relationships" xmlns:c="http://schemas.openxmlformats.org/drawingml/2006/chart" xmlns:dgm="http://schemas.openxmlformats.org/drawingml/2006/diagram" xmlns:dsp="http://schemas.microsoft.com/office/drawing/2008/diagram" xmlns:a="http://schemas.openxmlformats.org/drawingml/2006/main" xmlns:pic="http://schemas.openxmlformats.org/drawingml/2006/picture" xmlns:wp="http://schemas.openxmlformats.org/drawingml/2006/wordprocessingDrawing" xmlns:xdr="http://schemas.openxmlformats.org/drawingml/2006/spreadsheetDrawing" xmlns:lc="http://schemas.openxmlformats.org/drawingml/2006/lockedCanvas" xmlns:p="http://schemas.openxmlformats.org/presentationml/2006/main" name="Office 테마">
+<a:theme xmlns:a="http://schemas.openxmlformats.org/drawingml/2006/main" name="Office 테마">
   <a:themeElements>
     <a:clrScheme name="Office">
       <a:dk1>
         <a:sysClr val="windowText" lastClr="000000"/>
       </a:dk1>
       <a:lt1>
-        <a:sysClr val="window" lastClr="ffffff"/>
+        <a:sysClr val="window" lastClr="FFFFFF"/>
       </a:lt1>
       <a:dk2>
-        <a:srgbClr val="44546a"/>
+        <a:srgbClr val="44546A"/>
       </a:dk2>
       <a:lt2>
-        <a:srgbClr val="e7e6e6"/>
+        <a:srgbClr val="E7E6E6"/>
       </a:lt2>
       <a:accent1>
-        <a:srgbClr val="5b9bd5"/>
+        <a:srgbClr val="5B9BD5"/>
       </a:accent1>
       <a:accent2>
-        <a:srgbClr val="ed7d31"/>
+        <a:srgbClr val="ED7D31"/>
       </a:accent2>
       <a:accent3>
-        <a:srgbClr val="a5a5a5"/>
+        <a:srgbClr val="A5A5A5"/>
       </a:accent3>
       <a:accent4>
-        <a:srgbClr val="ffc000"/>
+        <a:srgbClr val="FFC000"/>
       </a:accent4>
       <a:accent5>
-        <a:srgbClr val="4472c4"/>
+        <a:srgbClr val="4472C4"/>
       </a:accent5>
       <a:accent6>
-        <a:srgbClr val="70ad47"/>
+        <a:srgbClr val="70AD47"/>
       </a:accent6>
       <a:hlink>
-        <a:srgbClr val="0563c1"/>
+        <a:srgbClr val="0563C1"/>
       </a:hlink>
       <a:folHlink>
-        <a:srgbClr val="954f72"/>
+        <a:srgbClr val="954F72"/>
       </a:folHlink>
     </a:clrScheme>
     <a:fontScheme name="Office">
@@ -9353,5 +8413,7 @@
       </a:bgFillStyleLst>
     </a:fmtScheme>
   </a:themeElements>
+  <a:objectDefaults/>
+  <a:extraClrSchemeLst/>
 </a:theme>
 </file>